--- a/Documents/Milestone4.pptx
+++ b/Documents/Milestone4.pptx
@@ -4,11 +4,18 @@
   <p:sldMasterIdLst>
     <p:sldMasterId id="2147483926" r:id="rId1"/>
   </p:sldMasterIdLst>
+  <p:notesMasterIdLst>
+    <p:notesMasterId r:id="rId10"/>
+  </p:notesMasterIdLst>
   <p:sldIdLst>
     <p:sldId id="256" r:id="rId2"/>
-    <p:sldId id="258" r:id="rId3"/>
-    <p:sldId id="259" r:id="rId4"/>
-    <p:sldId id="260" r:id="rId5"/>
+    <p:sldId id="261" r:id="rId3"/>
+    <p:sldId id="262" r:id="rId4"/>
+    <p:sldId id="267" r:id="rId5"/>
+    <p:sldId id="265" r:id="rId6"/>
+    <p:sldId id="264" r:id="rId7"/>
+    <p:sldId id="266" r:id="rId8"/>
+    <p:sldId id="260" r:id="rId9"/>
   </p:sldIdLst>
   <p:sldSz cx="12192000" cy="6858000"/>
   <p:notesSz cx="6858000" cy="9144000"/>
@@ -1612,8 +1619,8 @@
 <file path=ppt/diagrams/data1.xml><?xml version="1.0" encoding="utf-8"?>
 <dgm:dataModel xmlns:dgm="http://schemas.openxmlformats.org/drawingml/2006/diagram" xmlns:a="http://schemas.openxmlformats.org/drawingml/2006/main">
   <dgm:ptLst>
-    <dgm:pt modelId="{EF1B2724-6B23-4402-ADFD-FC6E79930F69}" type="doc">
-      <dgm:prSet loTypeId="urn:microsoft.com/office/officeart/2005/8/layout/hList1" loCatId="list" qsTypeId="urn:microsoft.com/office/officeart/2005/8/quickstyle/3d5" qsCatId="3D" csTypeId="urn:microsoft.com/office/officeart/2005/8/colors/accent1_2" csCatId="accent1" phldr="1"/>
+    <dgm:pt modelId="{84F81507-DB8E-4CE4-B676-4C4772E2FBDD}" type="doc">
+      <dgm:prSet loTypeId="urn:microsoft.com/office/officeart/2005/8/layout/vList2" loCatId="list" qsTypeId="urn:microsoft.com/office/officeart/2005/8/quickstyle/simple4" qsCatId="simple" csTypeId="urn:microsoft.com/office/officeart/2005/8/colors/accent1_2" csCatId="accent1" phldr="1"/>
       <dgm:spPr/>
       <dgm:t>
         <a:bodyPr/>
@@ -1623,19 +1630,381 @@
         </a:p>
       </dgm:t>
     </dgm:pt>
-    <dgm:pt modelId="{FD0D1F6C-F9D7-41BA-BEC3-5E5B24D44387}" type="pres">
-      <dgm:prSet presAssocID="{EF1B2724-6B23-4402-ADFD-FC6E79930F69}" presName="Name0" presStyleCnt="0">
+    <dgm:pt modelId="{66075F15-B516-4D5B-9AAC-A3660D715F3A}">
+      <dgm:prSet phldrT="[Text]"/>
+      <dgm:spPr/>
+      <dgm:t>
+        <a:bodyPr/>
+        <a:lstStyle/>
+        <a:p>
+          <a:r>
+            <a:rPr lang="de-DE" dirty="0"/>
+            <a:t>Traverse </a:t>
+          </a:r>
+          <a:r>
+            <a:rPr lang="de-DE" dirty="0" err="1"/>
+            <a:t>through</a:t>
+          </a:r>
+          <a:r>
+            <a:rPr lang="de-DE" dirty="0"/>
+            <a:t> </a:t>
+          </a:r>
+          <a:r>
+            <a:rPr lang="de-DE" dirty="0" err="1"/>
+            <a:t>the</a:t>
+          </a:r>
+          <a:r>
+            <a:rPr lang="de-DE" dirty="0"/>
+            <a:t> </a:t>
+          </a:r>
+          <a:r>
+            <a:rPr lang="de-DE" dirty="0" err="1"/>
+            <a:t>environment</a:t>
+          </a:r>
+          <a:r>
+            <a:rPr lang="de-DE" dirty="0"/>
+            <a:t> </a:t>
+          </a:r>
+          <a:r>
+            <a:rPr lang="de-DE" dirty="0" err="1"/>
+            <a:t>by</a:t>
+          </a:r>
+          <a:r>
+            <a:rPr lang="de-DE" dirty="0"/>
+            <a:t> </a:t>
+          </a:r>
+          <a:r>
+            <a:rPr lang="de-DE" dirty="0" err="1"/>
+            <a:t>moving</a:t>
+          </a:r>
+          <a:r>
+            <a:rPr lang="de-DE" dirty="0"/>
+            <a:t> on </a:t>
+          </a:r>
+          <a:r>
+            <a:rPr lang="de-DE" dirty="0" err="1"/>
+            <a:t>foot</a:t>
+          </a:r>
+          <a:r>
+            <a:rPr lang="de-DE" dirty="0"/>
+            <a:t> </a:t>
+          </a:r>
+          <a:r>
+            <a:rPr lang="de-DE" dirty="0" err="1"/>
+            <a:t>and</a:t>
+          </a:r>
+          <a:r>
+            <a:rPr lang="de-DE" dirty="0"/>
+            <a:t> via web</a:t>
+          </a:r>
+        </a:p>
+      </dgm:t>
+    </dgm:pt>
+    <dgm:pt modelId="{7FFE6E24-0D7D-4955-B6C4-1D5A2A6DD677}" type="parTrans" cxnId="{FD7B5644-6C49-4957-A1D6-0007F6B81EA6}">
+      <dgm:prSet/>
+      <dgm:spPr/>
+      <dgm:t>
+        <a:bodyPr/>
+        <a:lstStyle/>
+        <a:p>
+          <a:endParaRPr lang="de-DE"/>
+        </a:p>
+      </dgm:t>
+    </dgm:pt>
+    <dgm:pt modelId="{605C6AFD-3613-418D-A220-BD62021B3296}" type="sibTrans" cxnId="{FD7B5644-6C49-4957-A1D6-0007F6B81EA6}">
+      <dgm:prSet/>
+      <dgm:spPr/>
+      <dgm:t>
+        <a:bodyPr/>
+        <a:lstStyle/>
+        <a:p>
+          <a:endParaRPr lang="de-DE"/>
+        </a:p>
+      </dgm:t>
+    </dgm:pt>
+    <dgm:pt modelId="{AE982A12-7169-4971-973D-60294DF4600A}">
+      <dgm:prSet phldrT="[Text]"/>
+      <dgm:spPr/>
+      <dgm:t>
+        <a:bodyPr/>
+        <a:lstStyle/>
+        <a:p>
+          <a:r>
+            <a:rPr lang="de-DE" dirty="0"/>
+            <a:t>Manage </a:t>
+          </a:r>
+          <a:r>
+            <a:rPr lang="de-DE" dirty="0" err="1"/>
+            <a:t>your</a:t>
+          </a:r>
+          <a:r>
+            <a:rPr lang="de-DE" dirty="0"/>
+            <a:t> web </a:t>
+          </a:r>
+          <a:r>
+            <a:rPr lang="de-DE" dirty="0" err="1"/>
+            <a:t>resource</a:t>
+          </a:r>
+          <a:endParaRPr lang="de-DE" dirty="0"/>
+        </a:p>
+      </dgm:t>
+    </dgm:pt>
+    <dgm:pt modelId="{07C0872C-651C-43B1-87C0-DE5402173BD5}" type="parTrans" cxnId="{68E0674A-B92C-4FEC-8027-493EF1FAE20E}">
+      <dgm:prSet/>
+      <dgm:spPr/>
+      <dgm:t>
+        <a:bodyPr/>
+        <a:lstStyle/>
+        <a:p>
+          <a:endParaRPr lang="de-DE"/>
+        </a:p>
+      </dgm:t>
+    </dgm:pt>
+    <dgm:pt modelId="{FFCFB443-46A8-47EC-84CB-85561A292977}" type="sibTrans" cxnId="{68E0674A-B92C-4FEC-8027-493EF1FAE20E}">
+      <dgm:prSet/>
+      <dgm:spPr/>
+      <dgm:t>
+        <a:bodyPr/>
+        <a:lstStyle/>
+        <a:p>
+          <a:endParaRPr lang="de-DE"/>
+        </a:p>
+      </dgm:t>
+    </dgm:pt>
+    <dgm:pt modelId="{5992ED92-CC43-4A8E-8C5C-96F020810062}">
+      <dgm:prSet phldrT="[Text]"/>
+      <dgm:spPr/>
+      <dgm:t>
+        <a:bodyPr/>
+        <a:lstStyle/>
+        <a:p>
+          <a:r>
+            <a:rPr lang="de-DE" dirty="0" err="1"/>
+            <a:t>Avoid</a:t>
+          </a:r>
+          <a:r>
+            <a:rPr lang="de-DE" dirty="0"/>
+            <a:t> </a:t>
+          </a:r>
+          <a:r>
+            <a:rPr lang="de-DE" dirty="0" err="1"/>
+            <a:t>or</a:t>
+          </a:r>
+          <a:r>
+            <a:rPr lang="de-DE" dirty="0"/>
+            <a:t> </a:t>
+          </a:r>
+          <a:r>
+            <a:rPr lang="de-DE" dirty="0" err="1"/>
+            <a:t>fight</a:t>
+          </a:r>
+          <a:r>
+            <a:rPr lang="de-DE" dirty="0"/>
+            <a:t> </a:t>
+          </a:r>
+          <a:r>
+            <a:rPr lang="de-DE" dirty="0" err="1"/>
+            <a:t>enemies</a:t>
+          </a:r>
+          <a:endParaRPr lang="de-DE" dirty="0"/>
+        </a:p>
+      </dgm:t>
+    </dgm:pt>
+    <dgm:pt modelId="{9D78B0CB-38EB-46CA-82C8-CF92F0E5F039}" type="parTrans" cxnId="{F892904D-AFAB-466F-814A-19D85EB36AD9}">
+      <dgm:prSet/>
+      <dgm:spPr/>
+      <dgm:t>
+        <a:bodyPr/>
+        <a:lstStyle/>
+        <a:p>
+          <a:endParaRPr lang="de-DE"/>
+        </a:p>
+      </dgm:t>
+    </dgm:pt>
+    <dgm:pt modelId="{F99B9A24-9B71-43AA-969B-86CBA0B51FCE}" type="sibTrans" cxnId="{F892904D-AFAB-466F-814A-19D85EB36AD9}">
+      <dgm:prSet/>
+      <dgm:spPr/>
+      <dgm:t>
+        <a:bodyPr/>
+        <a:lstStyle/>
+        <a:p>
+          <a:endParaRPr lang="de-DE"/>
+        </a:p>
+      </dgm:t>
+    </dgm:pt>
+    <dgm:pt modelId="{339FA336-27FF-450E-964E-AC0F3F161352}">
+      <dgm:prSet phldrT="[Text]"/>
+      <dgm:spPr/>
+      <dgm:t>
+        <a:bodyPr/>
+        <a:lstStyle/>
+        <a:p>
+          <a:r>
+            <a:rPr lang="de-DE" dirty="0" err="1"/>
+            <a:t>Avoid</a:t>
+          </a:r>
+          <a:r>
+            <a:rPr lang="de-DE" dirty="0"/>
+            <a:t> traps</a:t>
+          </a:r>
+        </a:p>
+      </dgm:t>
+    </dgm:pt>
+    <dgm:pt modelId="{EA5B5D68-A647-4C4F-BF33-E642F26CF861}" type="parTrans" cxnId="{1EE861C9-F774-4FA5-BFD4-8C79008AA86C}">
+      <dgm:prSet/>
+      <dgm:spPr/>
+      <dgm:t>
+        <a:bodyPr/>
+        <a:lstStyle/>
+        <a:p>
+          <a:endParaRPr lang="de-DE"/>
+        </a:p>
+      </dgm:t>
+    </dgm:pt>
+    <dgm:pt modelId="{FAB87902-A30F-4863-9D68-0F4C8DF6E0FE}" type="sibTrans" cxnId="{1EE861C9-F774-4FA5-BFD4-8C79008AA86C}">
+      <dgm:prSet/>
+      <dgm:spPr/>
+      <dgm:t>
+        <a:bodyPr/>
+        <a:lstStyle/>
+        <a:p>
+          <a:endParaRPr lang="de-DE"/>
+        </a:p>
+      </dgm:t>
+    </dgm:pt>
+    <dgm:pt modelId="{3F2B08FA-AC2D-47DA-B7E2-90304271A4B0}">
+      <dgm:prSet phldrT="[Text]"/>
+      <dgm:spPr/>
+      <dgm:t>
+        <a:bodyPr/>
+        <a:lstStyle/>
+        <a:p>
+          <a:r>
+            <a:rPr lang="de-DE" dirty="0"/>
+            <a:t>Finish </a:t>
+          </a:r>
+          <a:r>
+            <a:rPr lang="de-DE" dirty="0" err="1"/>
+            <a:t>levels</a:t>
+          </a:r>
+          <a:endParaRPr lang="de-DE" dirty="0"/>
+        </a:p>
+      </dgm:t>
+    </dgm:pt>
+    <dgm:pt modelId="{FA202372-D6F9-4337-8673-71C0974B04A3}" type="parTrans" cxnId="{6FED5D94-9995-4AC3-98D1-D07A3B2BC538}">
+      <dgm:prSet/>
+      <dgm:spPr/>
+      <dgm:t>
+        <a:bodyPr/>
+        <a:lstStyle/>
+        <a:p>
+          <a:endParaRPr lang="de-DE"/>
+        </a:p>
+      </dgm:t>
+    </dgm:pt>
+    <dgm:pt modelId="{44AB10C2-991F-4824-9FFB-45A03D73BD3F}" type="sibTrans" cxnId="{6FED5D94-9995-4AC3-98D1-D07A3B2BC538}">
+      <dgm:prSet/>
+      <dgm:spPr/>
+      <dgm:t>
+        <a:bodyPr/>
+        <a:lstStyle/>
+        <a:p>
+          <a:endParaRPr lang="de-DE"/>
+        </a:p>
+      </dgm:t>
+    </dgm:pt>
+    <dgm:pt modelId="{0580A654-CEC5-4B37-8065-EB3D4730C2DD}" type="pres">
+      <dgm:prSet presAssocID="{84F81507-DB8E-4CE4-B676-4C4772E2FBDD}" presName="linear" presStyleCnt="0">
         <dgm:presLayoutVars>
-          <dgm:dir/>
           <dgm:animLvl val="lvl"/>
           <dgm:resizeHandles val="exact"/>
         </dgm:presLayoutVars>
       </dgm:prSet>
       <dgm:spPr/>
     </dgm:pt>
+    <dgm:pt modelId="{1F7D3490-F7C6-4000-9950-C10A59E7E359}" type="pres">
+      <dgm:prSet presAssocID="{66075F15-B516-4D5B-9AAC-A3660D715F3A}" presName="parentText" presStyleLbl="node1" presStyleIdx="0" presStyleCnt="5">
+        <dgm:presLayoutVars>
+          <dgm:chMax val="0"/>
+          <dgm:bulletEnabled val="1"/>
+        </dgm:presLayoutVars>
+      </dgm:prSet>
+      <dgm:spPr/>
+    </dgm:pt>
+    <dgm:pt modelId="{EC71DC13-48AF-4DE2-847E-A5A65DA449B1}" type="pres">
+      <dgm:prSet presAssocID="{605C6AFD-3613-418D-A220-BD62021B3296}" presName="spacer" presStyleCnt="0"/>
+      <dgm:spPr/>
+    </dgm:pt>
+    <dgm:pt modelId="{9C5B23EE-B410-426F-9144-C0469A1A42FB}" type="pres">
+      <dgm:prSet presAssocID="{AE982A12-7169-4971-973D-60294DF4600A}" presName="parentText" presStyleLbl="node1" presStyleIdx="1" presStyleCnt="5">
+        <dgm:presLayoutVars>
+          <dgm:chMax val="0"/>
+          <dgm:bulletEnabled val="1"/>
+        </dgm:presLayoutVars>
+      </dgm:prSet>
+      <dgm:spPr/>
+    </dgm:pt>
+    <dgm:pt modelId="{8C749F63-58B4-4978-A0DE-83E4363DDEFB}" type="pres">
+      <dgm:prSet presAssocID="{FFCFB443-46A8-47EC-84CB-85561A292977}" presName="spacer" presStyleCnt="0"/>
+      <dgm:spPr/>
+    </dgm:pt>
+    <dgm:pt modelId="{1435D441-FAEC-48BD-9D2B-8301AE89DE9B}" type="pres">
+      <dgm:prSet presAssocID="{5992ED92-CC43-4A8E-8C5C-96F020810062}" presName="parentText" presStyleLbl="node1" presStyleIdx="2" presStyleCnt="5">
+        <dgm:presLayoutVars>
+          <dgm:chMax val="0"/>
+          <dgm:bulletEnabled val="1"/>
+        </dgm:presLayoutVars>
+      </dgm:prSet>
+      <dgm:spPr/>
+    </dgm:pt>
+    <dgm:pt modelId="{AC807AF6-8239-4044-BE1F-15429494A6FD}" type="pres">
+      <dgm:prSet presAssocID="{F99B9A24-9B71-43AA-969B-86CBA0B51FCE}" presName="spacer" presStyleCnt="0"/>
+      <dgm:spPr/>
+    </dgm:pt>
+    <dgm:pt modelId="{E3DF8443-2694-436A-BD7F-83AFEE989C7B}" type="pres">
+      <dgm:prSet presAssocID="{339FA336-27FF-450E-964E-AC0F3F161352}" presName="parentText" presStyleLbl="node1" presStyleIdx="3" presStyleCnt="5">
+        <dgm:presLayoutVars>
+          <dgm:chMax val="0"/>
+          <dgm:bulletEnabled val="1"/>
+        </dgm:presLayoutVars>
+      </dgm:prSet>
+      <dgm:spPr/>
+    </dgm:pt>
+    <dgm:pt modelId="{1CFFA479-70BA-42A7-BF15-64BE1AA21D6D}" type="pres">
+      <dgm:prSet presAssocID="{FAB87902-A30F-4863-9D68-0F4C8DF6E0FE}" presName="spacer" presStyleCnt="0"/>
+      <dgm:spPr/>
+    </dgm:pt>
+    <dgm:pt modelId="{5FF643DA-1CF2-4B88-BF26-171AC2F95DDA}" type="pres">
+      <dgm:prSet presAssocID="{3F2B08FA-AC2D-47DA-B7E2-90304271A4B0}" presName="parentText" presStyleLbl="node1" presStyleIdx="4" presStyleCnt="5">
+        <dgm:presLayoutVars>
+          <dgm:chMax val="0"/>
+          <dgm:bulletEnabled val="1"/>
+        </dgm:presLayoutVars>
+      </dgm:prSet>
+      <dgm:spPr/>
+    </dgm:pt>
   </dgm:ptLst>
   <dgm:cxnLst>
-    <dgm:cxn modelId="{A26EF5E4-B461-44B8-B248-77A04B1ECBBE}" type="presOf" srcId="{EF1B2724-6B23-4402-ADFD-FC6E79930F69}" destId="{FD0D1F6C-F9D7-41BA-BEC3-5E5B24D44387}" srcOrd="0" destOrd="0" presId="urn:microsoft.com/office/officeart/2005/8/layout/hList1"/>
+    <dgm:cxn modelId="{BAA5C6ED-3235-4E4B-9713-D22A10FA09E6}" type="presOf" srcId="{3F2B08FA-AC2D-47DA-B7E2-90304271A4B0}" destId="{5FF643DA-1CF2-4B88-BF26-171AC2F95DDA}" srcOrd="0" destOrd="0" presId="urn:microsoft.com/office/officeart/2005/8/layout/vList2"/>
+    <dgm:cxn modelId="{1D1FA9EE-336C-4EFB-A614-124A1935383C}" type="presOf" srcId="{5992ED92-CC43-4A8E-8C5C-96F020810062}" destId="{1435D441-FAEC-48BD-9D2B-8301AE89DE9B}" srcOrd="0" destOrd="0" presId="urn:microsoft.com/office/officeart/2005/8/layout/vList2"/>
+    <dgm:cxn modelId="{1EE861C9-F774-4FA5-BFD4-8C79008AA86C}" srcId="{84F81507-DB8E-4CE4-B676-4C4772E2FBDD}" destId="{339FA336-27FF-450E-964E-AC0F3F161352}" srcOrd="3" destOrd="0" parTransId="{EA5B5D68-A647-4C4F-BF33-E642F26CF861}" sibTransId="{FAB87902-A30F-4863-9D68-0F4C8DF6E0FE}"/>
+    <dgm:cxn modelId="{2C4FD24C-1583-4F46-9316-72ACA0A42FA5}" type="presOf" srcId="{66075F15-B516-4D5B-9AAC-A3660D715F3A}" destId="{1F7D3490-F7C6-4000-9950-C10A59E7E359}" srcOrd="0" destOrd="0" presId="urn:microsoft.com/office/officeart/2005/8/layout/vList2"/>
+    <dgm:cxn modelId="{68E0674A-B92C-4FEC-8027-493EF1FAE20E}" srcId="{84F81507-DB8E-4CE4-B676-4C4772E2FBDD}" destId="{AE982A12-7169-4971-973D-60294DF4600A}" srcOrd="1" destOrd="0" parTransId="{07C0872C-651C-43B1-87C0-DE5402173BD5}" sibTransId="{FFCFB443-46A8-47EC-84CB-85561A292977}"/>
+    <dgm:cxn modelId="{37C4A632-8F83-42EA-8D76-AAAEB5D2512A}" type="presOf" srcId="{339FA336-27FF-450E-964E-AC0F3F161352}" destId="{E3DF8443-2694-436A-BD7F-83AFEE989C7B}" srcOrd="0" destOrd="0" presId="urn:microsoft.com/office/officeart/2005/8/layout/vList2"/>
+    <dgm:cxn modelId="{E6A9FD8E-6CFA-4D8D-AFDD-10A3800E9032}" type="presOf" srcId="{AE982A12-7169-4971-973D-60294DF4600A}" destId="{9C5B23EE-B410-426F-9144-C0469A1A42FB}" srcOrd="0" destOrd="0" presId="urn:microsoft.com/office/officeart/2005/8/layout/vList2"/>
+    <dgm:cxn modelId="{FA50658C-EE77-4C81-A11C-973C57375ECB}" type="presOf" srcId="{84F81507-DB8E-4CE4-B676-4C4772E2FBDD}" destId="{0580A654-CEC5-4B37-8065-EB3D4730C2DD}" srcOrd="0" destOrd="0" presId="urn:microsoft.com/office/officeart/2005/8/layout/vList2"/>
+    <dgm:cxn modelId="{6FED5D94-9995-4AC3-98D1-D07A3B2BC538}" srcId="{84F81507-DB8E-4CE4-B676-4C4772E2FBDD}" destId="{3F2B08FA-AC2D-47DA-B7E2-90304271A4B0}" srcOrd="4" destOrd="0" parTransId="{FA202372-D6F9-4337-8673-71C0974B04A3}" sibTransId="{44AB10C2-991F-4824-9FFB-45A03D73BD3F}"/>
+    <dgm:cxn modelId="{F892904D-AFAB-466F-814A-19D85EB36AD9}" srcId="{84F81507-DB8E-4CE4-B676-4C4772E2FBDD}" destId="{5992ED92-CC43-4A8E-8C5C-96F020810062}" srcOrd="2" destOrd="0" parTransId="{9D78B0CB-38EB-46CA-82C8-CF92F0E5F039}" sibTransId="{F99B9A24-9B71-43AA-969B-86CBA0B51FCE}"/>
+    <dgm:cxn modelId="{FD7B5644-6C49-4957-A1D6-0007F6B81EA6}" srcId="{84F81507-DB8E-4CE4-B676-4C4772E2FBDD}" destId="{66075F15-B516-4D5B-9AAC-A3660D715F3A}" srcOrd="0" destOrd="0" parTransId="{7FFE6E24-0D7D-4955-B6C4-1D5A2A6DD677}" sibTransId="{605C6AFD-3613-418D-A220-BD62021B3296}"/>
+    <dgm:cxn modelId="{2A701578-4408-4723-B317-DF721B8F73CF}" type="presParOf" srcId="{0580A654-CEC5-4B37-8065-EB3D4730C2DD}" destId="{1F7D3490-F7C6-4000-9950-C10A59E7E359}" srcOrd="0" destOrd="0" presId="urn:microsoft.com/office/officeart/2005/8/layout/vList2"/>
+    <dgm:cxn modelId="{70FD29DF-7365-46EE-B868-FE2607EE6507}" type="presParOf" srcId="{0580A654-CEC5-4B37-8065-EB3D4730C2DD}" destId="{EC71DC13-48AF-4DE2-847E-A5A65DA449B1}" srcOrd="1" destOrd="0" presId="urn:microsoft.com/office/officeart/2005/8/layout/vList2"/>
+    <dgm:cxn modelId="{E63BF505-A8CD-4ADC-9619-E7A6867B0BBF}" type="presParOf" srcId="{0580A654-CEC5-4B37-8065-EB3D4730C2DD}" destId="{9C5B23EE-B410-426F-9144-C0469A1A42FB}" srcOrd="2" destOrd="0" presId="urn:microsoft.com/office/officeart/2005/8/layout/vList2"/>
+    <dgm:cxn modelId="{A697943A-3638-4DD0-A35C-2B5014C2CBFD}" type="presParOf" srcId="{0580A654-CEC5-4B37-8065-EB3D4730C2DD}" destId="{8C749F63-58B4-4978-A0DE-83E4363DDEFB}" srcOrd="3" destOrd="0" presId="urn:microsoft.com/office/officeart/2005/8/layout/vList2"/>
+    <dgm:cxn modelId="{503586D2-5148-4936-B97E-AFEBC44D43A7}" type="presParOf" srcId="{0580A654-CEC5-4B37-8065-EB3D4730C2DD}" destId="{1435D441-FAEC-48BD-9D2B-8301AE89DE9B}" srcOrd="4" destOrd="0" presId="urn:microsoft.com/office/officeart/2005/8/layout/vList2"/>
+    <dgm:cxn modelId="{CC33A70C-405A-475F-A81E-0FC8B1929D83}" type="presParOf" srcId="{0580A654-CEC5-4B37-8065-EB3D4730C2DD}" destId="{AC807AF6-8239-4044-BE1F-15429494A6FD}" srcOrd="5" destOrd="0" presId="urn:microsoft.com/office/officeart/2005/8/layout/vList2"/>
+    <dgm:cxn modelId="{35DAE354-3E46-4FB0-90B6-BECD31A73F0C}" type="presParOf" srcId="{0580A654-CEC5-4B37-8065-EB3D4730C2DD}" destId="{E3DF8443-2694-436A-BD7F-83AFEE989C7B}" srcOrd="6" destOrd="0" presId="urn:microsoft.com/office/officeart/2005/8/layout/vList2"/>
+    <dgm:cxn modelId="{527285AA-33E0-4A1C-BAAD-7F35A1CA76A2}" type="presParOf" srcId="{0580A654-CEC5-4B37-8065-EB3D4730C2DD}" destId="{1CFFA479-70BA-42A7-BF15-64BE1AA21D6D}" srcOrd="7" destOrd="0" presId="urn:microsoft.com/office/officeart/2005/8/layout/vList2"/>
+    <dgm:cxn modelId="{107B0467-39AC-431E-8A88-64A785DD5C5D}" type="presParOf" srcId="{0580A654-CEC5-4B37-8065-EB3D4730C2DD}" destId="{5FF643DA-1CF2-4B88-BF26-171AC2F95DDA}" srcOrd="8" destOrd="0" presId="urn:microsoft.com/office/officeart/2005/8/layout/vList2"/>
   </dgm:cxnLst>
   <dgm:bg/>
   <dgm:whole/>
@@ -1650,8 +2019,8 @@
 <file path=ppt/diagrams/data2.xml><?xml version="1.0" encoding="utf-8"?>
 <dgm:dataModel xmlns:dgm="http://schemas.openxmlformats.org/drawingml/2006/diagram" xmlns:a="http://schemas.openxmlformats.org/drawingml/2006/main">
   <dgm:ptLst>
-    <dgm:pt modelId="{DC51C83B-7BFB-47A6-B9A8-A4E8B122E0CC}" type="doc">
-      <dgm:prSet loTypeId="urn:microsoft.com/office/officeart/2005/8/layout/default" loCatId="list" qsTypeId="urn:microsoft.com/office/officeart/2005/8/quickstyle/3d5" qsCatId="3D" csTypeId="urn:microsoft.com/office/officeart/2005/8/colors/accent1_2" csCatId="accent1" phldr="1"/>
+    <dgm:pt modelId="{54CE5C0D-6A0B-454C-8DE4-B465E9DBAE50}" type="doc">
+      <dgm:prSet loTypeId="urn:microsoft.com/office/officeart/2005/8/layout/default" loCatId="list" qsTypeId="urn:microsoft.com/office/officeart/2005/8/quickstyle/simple4" qsCatId="simple" csTypeId="urn:microsoft.com/office/officeart/2005/8/colors/accent1_2" csCatId="accent1" phldr="1"/>
       <dgm:spPr/>
       <dgm:t>
         <a:bodyPr/>
@@ -1661,7 +2030,7 @@
         </a:p>
       </dgm:t>
     </dgm:pt>
-    <dgm:pt modelId="{B3E75065-89DA-474A-A09A-DC4AA2102365}">
+    <dgm:pt modelId="{27E52678-A81B-44D7-99D0-AF98A22BB6CD}">
       <dgm:prSet phldrT="[Text]"/>
       <dgm:spPr/>
       <dgm:t>
@@ -1669,17 +2038,14 @@
         <a:lstStyle/>
         <a:p>
           <a:r>
-            <a:rPr lang="de-DE" dirty="0">
-              <a:solidFill>
-                <a:schemeClr val="tx2"/>
-              </a:solidFill>
-            </a:rPr>
-            <a:t>Gravity</a:t>
+            <a:rPr lang="de-DE" dirty="0" err="1"/>
+            <a:t>Health</a:t>
           </a:r>
+          <a:endParaRPr lang="de-DE" dirty="0"/>
         </a:p>
       </dgm:t>
     </dgm:pt>
-    <dgm:pt modelId="{C5B0EEC2-F72A-4250-A2E9-0D63A8054E26}" type="parTrans" cxnId="{21E2F422-A5D3-4E59-BCA5-767C99519CCF}">
+    <dgm:pt modelId="{9454E006-944F-4EC5-9B0C-0D546AFDCA4C}" type="parTrans" cxnId="{A087AD36-6855-40F3-8A09-D6BA63930125}">
       <dgm:prSet/>
       <dgm:spPr/>
       <dgm:t>
@@ -1690,7 +2056,7 @@
         </a:p>
       </dgm:t>
     </dgm:pt>
-    <dgm:pt modelId="{C213C1EF-D266-49DF-B14B-278D2C6C1ECC}" type="sibTrans" cxnId="{21E2F422-A5D3-4E59-BCA5-767C99519CCF}">
+    <dgm:pt modelId="{0E50E38B-059E-4A5E-A138-7E06C124A5A5}" type="sibTrans" cxnId="{A087AD36-6855-40F3-8A09-D6BA63930125}">
       <dgm:prSet/>
       <dgm:spPr/>
       <dgm:t>
@@ -1701,7 +2067,7 @@
         </a:p>
       </dgm:t>
     </dgm:pt>
-    <dgm:pt modelId="{D75F2E8F-BB28-4885-9B2E-0412AE085A7E}">
+    <dgm:pt modelId="{99703BD6-3D36-4621-887B-73070F53823F}">
       <dgm:prSet phldrT="[Text]"/>
       <dgm:spPr/>
       <dgm:t>
@@ -1709,30 +2075,13 @@
         <a:lstStyle/>
         <a:p>
           <a:r>
-            <a:rPr lang="de-DE" dirty="0">
-              <a:solidFill>
-                <a:schemeClr val="tx2"/>
-              </a:solidFill>
-            </a:rPr>
-            <a:t>Web </a:t>
+            <a:rPr lang="de-DE" dirty="0"/>
+            <a:t>Move/Jump</a:t>
           </a:r>
-          <a:r>
-            <a:rPr lang="de-DE" dirty="0" err="1">
-              <a:solidFill>
-                <a:schemeClr val="tx2"/>
-              </a:solidFill>
-            </a:rPr>
-            <a:t>mechanics</a:t>
-          </a:r>
-          <a:endParaRPr lang="de-DE" dirty="0">
-            <a:solidFill>
-              <a:schemeClr val="tx2"/>
-            </a:solidFill>
-          </a:endParaRPr>
         </a:p>
       </dgm:t>
     </dgm:pt>
-    <dgm:pt modelId="{EB851FC9-3C3B-43AE-A8F8-3D2E23818CBD}" type="parTrans" cxnId="{58DEB72B-A8A0-494E-A9A9-C670C23C8337}">
+    <dgm:pt modelId="{E21ED0F2-464F-43E0-8065-2A79E3EC00E8}" type="parTrans" cxnId="{D67CD87B-9FC1-4FC0-85D8-AC594EB11D94}">
       <dgm:prSet/>
       <dgm:spPr/>
       <dgm:t>
@@ -1743,7 +2092,7 @@
         </a:p>
       </dgm:t>
     </dgm:pt>
-    <dgm:pt modelId="{8EBEA159-3A11-4707-9ADA-96E43CC7C776}" type="sibTrans" cxnId="{58DEB72B-A8A0-494E-A9A9-C670C23C8337}">
+    <dgm:pt modelId="{4B925F34-8842-4A02-9E74-1885DEA161DC}" type="sibTrans" cxnId="{D67CD87B-9FC1-4FC0-85D8-AC594EB11D94}">
       <dgm:prSet/>
       <dgm:spPr/>
       <dgm:t>
@@ -1754,7 +2103,7 @@
         </a:p>
       </dgm:t>
     </dgm:pt>
-    <dgm:pt modelId="{B87186D3-EDB0-46F9-AAFC-AF1543394A81}">
+    <dgm:pt modelId="{C6EA8895-C36B-469B-B022-7F11213CFC74}">
       <dgm:prSet phldrT="[Text]"/>
       <dgm:spPr/>
       <dgm:t>
@@ -1762,54 +2111,17 @@
         <a:lstStyle/>
         <a:p>
           <a:r>
-            <a:rPr lang="de-DE" dirty="0" err="1">
-              <a:solidFill>
-                <a:schemeClr val="tx2"/>
-              </a:solidFill>
-            </a:rPr>
-            <a:t>Surfaces</a:t>
+            <a:rPr lang="de-DE" dirty="0" err="1"/>
+            <a:t>Shoot</a:t>
           </a:r>
           <a:r>
-            <a:rPr lang="de-DE" dirty="0">
-              <a:solidFill>
-                <a:schemeClr val="tx2"/>
-              </a:solidFill>
-            </a:rPr>
-            <a:t> / Block </a:t>
+            <a:rPr lang="de-DE" dirty="0"/>
+            <a:t> web</a:t>
           </a:r>
-          <a:r>
-            <a:rPr lang="de-DE" dirty="0" err="1">
-              <a:solidFill>
-                <a:schemeClr val="tx2"/>
-              </a:solidFill>
-            </a:rPr>
-            <a:t>based</a:t>
-          </a:r>
-          <a:r>
-            <a:rPr lang="de-DE" dirty="0">
-              <a:solidFill>
-                <a:schemeClr val="tx2"/>
-              </a:solidFill>
-            </a:rPr>
-            <a:t> </a:t>
-          </a:r>
-          <a:r>
-            <a:rPr lang="de-DE" dirty="0" err="1">
-              <a:solidFill>
-                <a:schemeClr val="tx2"/>
-              </a:solidFill>
-            </a:rPr>
-            <a:t>environment</a:t>
-          </a:r>
-          <a:endParaRPr lang="de-DE" dirty="0">
-            <a:solidFill>
-              <a:schemeClr val="tx2"/>
-            </a:solidFill>
-          </a:endParaRPr>
         </a:p>
       </dgm:t>
     </dgm:pt>
-    <dgm:pt modelId="{9A582448-DB28-4437-B52A-B2B5240F0D14}" type="parTrans" cxnId="{6A77D905-48E5-49D8-ABCC-5A19055C4D98}">
+    <dgm:pt modelId="{E3F8D850-A5CF-40CC-A046-8F8EB368E947}" type="parTrans" cxnId="{44FB6DBD-36F4-4A69-A476-B5763A28BAA6}">
       <dgm:prSet/>
       <dgm:spPr/>
       <dgm:t>
@@ -1820,7 +2132,7 @@
         </a:p>
       </dgm:t>
     </dgm:pt>
-    <dgm:pt modelId="{C035F0D2-B12F-4F23-9A07-0482C5FF23DA}" type="sibTrans" cxnId="{6A77D905-48E5-49D8-ABCC-5A19055C4D98}">
+    <dgm:pt modelId="{64E2E819-34FF-4042-809C-141ACB54F5B4}" type="sibTrans" cxnId="{44FB6DBD-36F4-4A69-A476-B5763A28BAA6}">
       <dgm:prSet/>
       <dgm:spPr/>
       <dgm:t>
@@ -1831,7 +2143,7 @@
         </a:p>
       </dgm:t>
     </dgm:pt>
-    <dgm:pt modelId="{9FD5897D-EAD0-471D-9E93-1ABA002B9F7D}">
+    <dgm:pt modelId="{1FD651A6-6F0F-4AEE-9499-3F0F25F14CBD}">
       <dgm:prSet phldrT="[Text]"/>
       <dgm:spPr/>
       <dgm:t>
@@ -1839,38 +2151,13 @@
         <a:lstStyle/>
         <a:p>
           <a:r>
-            <a:rPr lang="de-DE" dirty="0" err="1">
-              <a:solidFill>
-                <a:schemeClr val="tx2"/>
-              </a:solidFill>
-            </a:rPr>
-            <a:t>Fighting</a:t>
+            <a:rPr lang="de-DE" dirty="0"/>
+            <a:t>Score</a:t>
           </a:r>
-          <a:r>
-            <a:rPr lang="de-DE" dirty="0">
-              <a:solidFill>
-                <a:schemeClr val="tx2"/>
-              </a:solidFill>
-            </a:rPr>
-            <a:t> / Enemy </a:t>
-          </a:r>
-          <a:r>
-            <a:rPr lang="de-DE" dirty="0" err="1">
-              <a:solidFill>
-                <a:schemeClr val="tx2"/>
-              </a:solidFill>
-            </a:rPr>
-            <a:t>interactions</a:t>
-          </a:r>
-          <a:endParaRPr lang="de-DE" dirty="0">
-            <a:solidFill>
-              <a:schemeClr val="tx2"/>
-            </a:solidFill>
-          </a:endParaRPr>
         </a:p>
       </dgm:t>
     </dgm:pt>
-    <dgm:pt modelId="{943FED38-9C98-482C-BBCA-233AED89B599}" type="parTrans" cxnId="{0BD2CA8C-04A3-45FA-A41A-7A3925700F15}">
+    <dgm:pt modelId="{1AE918BF-12C9-42C0-887B-79F1EAD6635A}" type="parTrans" cxnId="{0AE14775-7222-465E-8DFD-EBCEAEAB4353}">
       <dgm:prSet/>
       <dgm:spPr/>
       <dgm:t>
@@ -1881,7 +2168,7 @@
         </a:p>
       </dgm:t>
     </dgm:pt>
-    <dgm:pt modelId="{BB2DA0BC-F06F-4378-A39B-452D0ABDB2EF}" type="sibTrans" cxnId="{0BD2CA8C-04A3-45FA-A41A-7A3925700F15}">
+    <dgm:pt modelId="{5B324B79-C3A9-4F58-8B88-774A375D41EC}" type="sibTrans" cxnId="{0AE14775-7222-465E-8DFD-EBCEAEAB4353}">
       <dgm:prSet/>
       <dgm:spPr/>
       <dgm:t>
@@ -1892,7 +2179,7 @@
         </a:p>
       </dgm:t>
     </dgm:pt>
-    <dgm:pt modelId="{69EEB0A9-6BB9-40F1-9AD6-7F1A683ADA84}">
+    <dgm:pt modelId="{36B13700-4142-46A5-8824-08D11ED2B850}">
       <dgm:prSet phldrT="[Text]"/>
       <dgm:spPr/>
       <dgm:t>
@@ -1900,38 +2187,13 @@
         <a:lstStyle/>
         <a:p>
           <a:r>
-            <a:rPr lang="de-DE" dirty="0" err="1">
-              <a:solidFill>
-                <a:schemeClr val="tx2"/>
-              </a:solidFill>
-            </a:rPr>
-            <a:t>Resource</a:t>
+            <a:rPr lang="de-DE" dirty="0"/>
+            <a:t>Gravity</a:t>
           </a:r>
-          <a:r>
-            <a:rPr lang="de-DE" dirty="0">
-              <a:solidFill>
-                <a:schemeClr val="tx2"/>
-              </a:solidFill>
-            </a:rPr>
-            <a:t> </a:t>
-          </a:r>
-          <a:r>
-            <a:rPr lang="de-DE" dirty="0" err="1">
-              <a:solidFill>
-                <a:schemeClr val="tx2"/>
-              </a:solidFill>
-            </a:rPr>
-            <a:t>based</a:t>
-          </a:r>
-          <a:endParaRPr lang="de-DE" dirty="0">
-            <a:solidFill>
-              <a:schemeClr val="tx2"/>
-            </a:solidFill>
-          </a:endParaRPr>
         </a:p>
       </dgm:t>
     </dgm:pt>
-    <dgm:pt modelId="{6544F20D-989C-43EE-B30D-F269D0A67F2C}" type="parTrans" cxnId="{236B1F2D-5459-4015-84A8-A2AE4FD07C5C}">
+    <dgm:pt modelId="{EC67FE58-01C1-431A-829B-1C7924DA1DD8}" type="parTrans" cxnId="{78C7FCAF-F3FA-485F-8BD7-6ABBC2A2D9D4}">
       <dgm:prSet/>
       <dgm:spPr/>
       <dgm:t>
@@ -1942,7 +2204,7 @@
         </a:p>
       </dgm:t>
     </dgm:pt>
-    <dgm:pt modelId="{E39AE10D-A84B-4B62-A197-02B55D41182A}" type="sibTrans" cxnId="{236B1F2D-5459-4015-84A8-A2AE4FD07C5C}">
+    <dgm:pt modelId="{64678572-FF22-469B-998D-36C8AE1E2272}" type="sibTrans" cxnId="{78C7FCAF-F3FA-485F-8BD7-6ABBC2A2D9D4}">
       <dgm:prSet/>
       <dgm:spPr/>
       <dgm:t>
@@ -1953,8 +2215,179 @@
         </a:p>
       </dgm:t>
     </dgm:pt>
-    <dgm:pt modelId="{4B5B11EE-CE72-4EB3-B552-D9320F6C65B6}" type="pres">
-      <dgm:prSet presAssocID="{DC51C83B-7BFB-47A6-B9A8-A4E8B122E0CC}" presName="diagram" presStyleCnt="0">
+    <dgm:pt modelId="{26BEA8CD-4ABF-43C5-9D09-C1EECBAA672A}">
+      <dgm:prSet phldrT="[Text]"/>
+      <dgm:spPr/>
+      <dgm:t>
+        <a:bodyPr/>
+        <a:lstStyle/>
+        <a:p>
+          <a:r>
+            <a:rPr lang="de-DE" dirty="0"/>
+            <a:t>Levels</a:t>
+          </a:r>
+        </a:p>
+      </dgm:t>
+    </dgm:pt>
+    <dgm:pt modelId="{6FAB29EC-8214-4423-B5CC-99264E85EC67}" type="parTrans" cxnId="{6761205E-31EB-4712-BFD3-C2B689A0F1E6}">
+      <dgm:prSet/>
+      <dgm:spPr/>
+      <dgm:t>
+        <a:bodyPr/>
+        <a:lstStyle/>
+        <a:p>
+          <a:endParaRPr lang="de-DE"/>
+        </a:p>
+      </dgm:t>
+    </dgm:pt>
+    <dgm:pt modelId="{4989A848-6074-424D-8E95-0CE691179E5F}" type="sibTrans" cxnId="{6761205E-31EB-4712-BFD3-C2B689A0F1E6}">
+      <dgm:prSet/>
+      <dgm:spPr/>
+      <dgm:t>
+        <a:bodyPr/>
+        <a:lstStyle/>
+        <a:p>
+          <a:endParaRPr lang="de-DE"/>
+        </a:p>
+      </dgm:t>
+    </dgm:pt>
+    <dgm:pt modelId="{ADBDDF2B-A3DC-4970-BF94-DE1CC8B5960C}">
+      <dgm:prSet phldrT="[Text]"/>
+      <dgm:spPr/>
+      <dgm:t>
+        <a:bodyPr/>
+        <a:lstStyle/>
+        <a:p>
+          <a:r>
+            <a:rPr lang="de-DE" dirty="0" err="1"/>
+            <a:t>Collect</a:t>
+          </a:r>
+          <a:r>
+            <a:rPr lang="de-DE" dirty="0"/>
+            <a:t> web/</a:t>
+          </a:r>
+          <a:r>
+            <a:rPr lang="de-DE" dirty="0" err="1"/>
+            <a:t>coins</a:t>
+          </a:r>
+          <a:endParaRPr lang="de-DE" dirty="0"/>
+        </a:p>
+      </dgm:t>
+    </dgm:pt>
+    <dgm:pt modelId="{E3011CC5-C7D7-4401-B76E-291505AC7482}" type="parTrans" cxnId="{D872AB42-E4F9-4073-B107-1E3CC7AEC903}">
+      <dgm:prSet/>
+      <dgm:spPr/>
+      <dgm:t>
+        <a:bodyPr/>
+        <a:lstStyle/>
+        <a:p>
+          <a:endParaRPr lang="de-DE"/>
+        </a:p>
+      </dgm:t>
+    </dgm:pt>
+    <dgm:pt modelId="{77441095-AE83-4677-B5C7-49F80D7F1076}" type="sibTrans" cxnId="{D872AB42-E4F9-4073-B107-1E3CC7AEC903}">
+      <dgm:prSet/>
+      <dgm:spPr/>
+      <dgm:t>
+        <a:bodyPr/>
+        <a:lstStyle/>
+        <a:p>
+          <a:endParaRPr lang="de-DE"/>
+        </a:p>
+      </dgm:t>
+    </dgm:pt>
+    <dgm:pt modelId="{9BBC5DB6-F79C-4A0E-8B63-6C53F208832A}">
+      <dgm:prSet phldrT="[Text]"/>
+      <dgm:spPr/>
+      <dgm:t>
+        <a:bodyPr/>
+        <a:lstStyle/>
+        <a:p>
+          <a:r>
+            <a:rPr lang="de-DE" dirty="0" err="1"/>
+            <a:t>Shoot</a:t>
+          </a:r>
+          <a:r>
+            <a:rPr lang="de-DE" dirty="0"/>
+            <a:t>/</a:t>
+          </a:r>
+          <a:r>
+            <a:rPr lang="de-DE" dirty="0" err="1"/>
+            <a:t>stun</a:t>
+          </a:r>
+          <a:r>
+            <a:rPr lang="de-DE" dirty="0"/>
+            <a:t> </a:t>
+          </a:r>
+          <a:r>
+            <a:rPr lang="de-DE" dirty="0" err="1"/>
+            <a:t>enemies</a:t>
+          </a:r>
+          <a:endParaRPr lang="de-DE" dirty="0"/>
+        </a:p>
+      </dgm:t>
+    </dgm:pt>
+    <dgm:pt modelId="{1664EBB9-3DB2-4D68-85F5-BE7E9131DC8E}" type="parTrans" cxnId="{C2D2F139-F12C-4DC9-804E-E364170A5BF5}">
+      <dgm:prSet/>
+      <dgm:spPr/>
+      <dgm:t>
+        <a:bodyPr/>
+        <a:lstStyle/>
+        <a:p>
+          <a:endParaRPr lang="de-DE"/>
+        </a:p>
+      </dgm:t>
+    </dgm:pt>
+    <dgm:pt modelId="{E5ABDC6B-B692-4991-AED2-31D9816EC879}" type="sibTrans" cxnId="{C2D2F139-F12C-4DC9-804E-E364170A5BF5}">
+      <dgm:prSet/>
+      <dgm:spPr/>
+      <dgm:t>
+        <a:bodyPr/>
+        <a:lstStyle/>
+        <a:p>
+          <a:endParaRPr lang="de-DE"/>
+        </a:p>
+      </dgm:t>
+    </dgm:pt>
+    <dgm:pt modelId="{C2578DDB-3090-4E75-814D-A0252F370710}">
+      <dgm:prSet phldrT="[Text]"/>
+      <dgm:spPr/>
+      <dgm:t>
+        <a:bodyPr/>
+        <a:lstStyle/>
+        <a:p>
+          <a:r>
+            <a:rPr lang="de-DE" dirty="0" err="1"/>
+            <a:t>Knockback</a:t>
+          </a:r>
+          <a:endParaRPr lang="de-DE" dirty="0"/>
+        </a:p>
+      </dgm:t>
+    </dgm:pt>
+    <dgm:pt modelId="{C8E2B72F-DE10-425B-83D9-265EC38D8E09}" type="parTrans" cxnId="{EE3FDC30-3B77-4C29-B014-4AFA059AC551}">
+      <dgm:prSet/>
+      <dgm:spPr/>
+      <dgm:t>
+        <a:bodyPr/>
+        <a:lstStyle/>
+        <a:p>
+          <a:endParaRPr lang="de-DE"/>
+        </a:p>
+      </dgm:t>
+    </dgm:pt>
+    <dgm:pt modelId="{4F97C3D9-A28B-44B0-B319-0A929486B904}" type="sibTrans" cxnId="{EE3FDC30-3B77-4C29-B014-4AFA059AC551}">
+      <dgm:prSet/>
+      <dgm:spPr/>
+      <dgm:t>
+        <a:bodyPr/>
+        <a:lstStyle/>
+        <a:p>
+          <a:endParaRPr lang="de-DE"/>
+        </a:p>
+      </dgm:t>
+    </dgm:pt>
+    <dgm:pt modelId="{CB7FBC21-178B-47F4-AEB4-C39161F02440}" type="pres">
+      <dgm:prSet presAssocID="{54CE5C0D-6A0B-454C-8DE4-B465E9DBAE50}" presName="diagram" presStyleCnt="0">
         <dgm:presLayoutVars>
           <dgm:dir/>
           <dgm:resizeHandles val="exact"/>
@@ -1962,56 +2395,104 @@
       </dgm:prSet>
       <dgm:spPr/>
     </dgm:pt>
-    <dgm:pt modelId="{80AEECCF-C221-4B9F-8AF5-EF56057F849F}" type="pres">
-      <dgm:prSet presAssocID="{B3E75065-89DA-474A-A09A-DC4AA2102365}" presName="node" presStyleLbl="node1" presStyleIdx="0" presStyleCnt="5">
+    <dgm:pt modelId="{7818477F-931D-4B42-A601-688F7BED628E}" type="pres">
+      <dgm:prSet presAssocID="{36B13700-4142-46A5-8824-08D11ED2B850}" presName="node" presStyleLbl="node1" presStyleIdx="0" presStyleCnt="9">
         <dgm:presLayoutVars>
           <dgm:bulletEnabled val="1"/>
         </dgm:presLayoutVars>
       </dgm:prSet>
       <dgm:spPr/>
     </dgm:pt>
-    <dgm:pt modelId="{F48C7D03-51AF-4402-90A5-59B702ED0BDC}" type="pres">
-      <dgm:prSet presAssocID="{C213C1EF-D266-49DF-B14B-278D2C6C1ECC}" presName="sibTrans" presStyleCnt="0"/>
+    <dgm:pt modelId="{6A384C33-C4C2-4D6B-876C-23496AEB33C2}" type="pres">
+      <dgm:prSet presAssocID="{64678572-FF22-469B-998D-36C8AE1E2272}" presName="sibTrans" presStyleCnt="0"/>
       <dgm:spPr/>
     </dgm:pt>
-    <dgm:pt modelId="{D09C1F29-EAEC-42DA-8A3F-2849AC0F3B64}" type="pres">
-      <dgm:prSet presAssocID="{D75F2E8F-BB28-4885-9B2E-0412AE085A7E}" presName="node" presStyleLbl="node1" presStyleIdx="1" presStyleCnt="5" custLinFactNeighborX="2596">
+    <dgm:pt modelId="{E6BB6F03-9FB2-4A60-8FC3-8923FBA98199}" type="pres">
+      <dgm:prSet presAssocID="{27E52678-A81B-44D7-99D0-AF98A22BB6CD}" presName="node" presStyleLbl="node1" presStyleIdx="1" presStyleCnt="9">
         <dgm:presLayoutVars>
           <dgm:bulletEnabled val="1"/>
         </dgm:presLayoutVars>
       </dgm:prSet>
       <dgm:spPr/>
     </dgm:pt>
-    <dgm:pt modelId="{373229D1-0DCD-45FB-8B95-0BDDAF5FF3CD}" type="pres">
-      <dgm:prSet presAssocID="{8EBEA159-3A11-4707-9ADA-96E43CC7C776}" presName="sibTrans" presStyleCnt="0"/>
+    <dgm:pt modelId="{30299E1C-BC72-4344-9AC0-164AEA859433}" type="pres">
+      <dgm:prSet presAssocID="{0E50E38B-059E-4A5E-A138-7E06C124A5A5}" presName="sibTrans" presStyleCnt="0"/>
       <dgm:spPr/>
     </dgm:pt>
-    <dgm:pt modelId="{DBC66830-3BB1-4A7D-819E-73BF2322D17A}" type="pres">
-      <dgm:prSet presAssocID="{B87186D3-EDB0-46F9-AAFC-AF1543394A81}" presName="node" presStyleLbl="node1" presStyleIdx="2" presStyleCnt="5">
+    <dgm:pt modelId="{AF97EE25-B62B-4C88-AC2D-C9F723217256}" type="pres">
+      <dgm:prSet presAssocID="{26BEA8CD-4ABF-43C5-9D09-C1EECBAA672A}" presName="node" presStyleLbl="node1" presStyleIdx="2" presStyleCnt="9">
         <dgm:presLayoutVars>
           <dgm:bulletEnabled val="1"/>
         </dgm:presLayoutVars>
       </dgm:prSet>
       <dgm:spPr/>
     </dgm:pt>
-    <dgm:pt modelId="{51237CF6-A8EE-4B2D-B8B0-FA599A7AA494}" type="pres">
-      <dgm:prSet presAssocID="{C035F0D2-B12F-4F23-9A07-0482C5FF23DA}" presName="sibTrans" presStyleCnt="0"/>
+    <dgm:pt modelId="{C5BEA6BD-AFA4-4811-B52E-C1261FAA88DF}" type="pres">
+      <dgm:prSet presAssocID="{4989A848-6074-424D-8E95-0CE691179E5F}" presName="sibTrans" presStyleCnt="0"/>
       <dgm:spPr/>
     </dgm:pt>
-    <dgm:pt modelId="{43CEE649-CC2C-4E3B-94E9-2A65438E6E73}" type="pres">
-      <dgm:prSet presAssocID="{9FD5897D-EAD0-471D-9E93-1ABA002B9F7D}" presName="node" presStyleLbl="node1" presStyleIdx="3" presStyleCnt="5">
+    <dgm:pt modelId="{3D30C428-E0B2-445B-B7B5-2E4FBB303E13}" type="pres">
+      <dgm:prSet presAssocID="{99703BD6-3D36-4621-887B-73070F53823F}" presName="node" presStyleLbl="node1" presStyleIdx="3" presStyleCnt="9">
         <dgm:presLayoutVars>
           <dgm:bulletEnabled val="1"/>
         </dgm:presLayoutVars>
       </dgm:prSet>
       <dgm:spPr/>
     </dgm:pt>
-    <dgm:pt modelId="{4FA3FB3B-89E9-4AF3-B7E8-FBBB37F3D73A}" type="pres">
-      <dgm:prSet presAssocID="{BB2DA0BC-F06F-4378-A39B-452D0ABDB2EF}" presName="sibTrans" presStyleCnt="0"/>
+    <dgm:pt modelId="{FCD39933-264E-44F3-80B5-44210D65185D}" type="pres">
+      <dgm:prSet presAssocID="{4B925F34-8842-4A02-9E74-1885DEA161DC}" presName="sibTrans" presStyleCnt="0"/>
       <dgm:spPr/>
     </dgm:pt>
-    <dgm:pt modelId="{F8A09A73-6E3D-484B-9986-C4787DAE03E3}" type="pres">
-      <dgm:prSet presAssocID="{69EEB0A9-6BB9-40F1-9AD6-7F1A683ADA84}" presName="node" presStyleLbl="node1" presStyleIdx="4" presStyleCnt="5">
+    <dgm:pt modelId="{B05C5454-F953-421D-9F48-0DFE8B6466E8}" type="pres">
+      <dgm:prSet presAssocID="{C6EA8895-C36B-469B-B022-7F11213CFC74}" presName="node" presStyleLbl="node1" presStyleIdx="4" presStyleCnt="9">
+        <dgm:presLayoutVars>
+          <dgm:bulletEnabled val="1"/>
+        </dgm:presLayoutVars>
+      </dgm:prSet>
+      <dgm:spPr/>
+    </dgm:pt>
+    <dgm:pt modelId="{EC7CBE60-44B9-4F57-955D-D19757B17BA4}" type="pres">
+      <dgm:prSet presAssocID="{64E2E819-34FF-4042-809C-141ACB54F5B4}" presName="sibTrans" presStyleCnt="0"/>
+      <dgm:spPr/>
+    </dgm:pt>
+    <dgm:pt modelId="{CE651B75-9D51-4FB2-8FB5-9C2953B2E879}" type="pres">
+      <dgm:prSet presAssocID="{ADBDDF2B-A3DC-4970-BF94-DE1CC8B5960C}" presName="node" presStyleLbl="node1" presStyleIdx="5" presStyleCnt="9">
+        <dgm:presLayoutVars>
+          <dgm:bulletEnabled val="1"/>
+        </dgm:presLayoutVars>
+      </dgm:prSet>
+      <dgm:spPr/>
+    </dgm:pt>
+    <dgm:pt modelId="{49D401DB-D299-4E0B-8BB5-0C63BE0A6A76}" type="pres">
+      <dgm:prSet presAssocID="{77441095-AE83-4677-B5C7-49F80D7F1076}" presName="sibTrans" presStyleCnt="0"/>
+      <dgm:spPr/>
+    </dgm:pt>
+    <dgm:pt modelId="{1DF979C8-03EE-45B7-BED9-4E0E1319A28C}" type="pres">
+      <dgm:prSet presAssocID="{1FD651A6-6F0F-4AEE-9499-3F0F25F14CBD}" presName="node" presStyleLbl="node1" presStyleIdx="6" presStyleCnt="9">
+        <dgm:presLayoutVars>
+          <dgm:bulletEnabled val="1"/>
+        </dgm:presLayoutVars>
+      </dgm:prSet>
+      <dgm:spPr/>
+    </dgm:pt>
+    <dgm:pt modelId="{CB26D52A-3374-4FAE-8001-060AE9D997D7}" type="pres">
+      <dgm:prSet presAssocID="{5B324B79-C3A9-4F58-8B88-774A375D41EC}" presName="sibTrans" presStyleCnt="0"/>
+      <dgm:spPr/>
+    </dgm:pt>
+    <dgm:pt modelId="{A11084D6-9B67-47A4-9B89-B6894F8921BF}" type="pres">
+      <dgm:prSet presAssocID="{9BBC5DB6-F79C-4A0E-8B63-6C53F208832A}" presName="node" presStyleLbl="node1" presStyleIdx="7" presStyleCnt="9">
+        <dgm:presLayoutVars>
+          <dgm:bulletEnabled val="1"/>
+        </dgm:presLayoutVars>
+      </dgm:prSet>
+      <dgm:spPr/>
+    </dgm:pt>
+    <dgm:pt modelId="{C8CF89FE-FBAC-4F2E-9B19-62727108D078}" type="pres">
+      <dgm:prSet presAssocID="{E5ABDC6B-B692-4991-AED2-31D9816EC879}" presName="sibTrans" presStyleCnt="0"/>
+      <dgm:spPr/>
+    </dgm:pt>
+    <dgm:pt modelId="{68582279-82D2-44C4-AA4D-0275D6612872}" type="pres">
+      <dgm:prSet presAssocID="{C2578DDB-3090-4E75-814D-A0252F370710}" presName="node" presStyleLbl="node1" presStyleIdx="8" presStyleCnt="9">
         <dgm:presLayoutVars>
           <dgm:bulletEnabled val="1"/>
         </dgm:presLayoutVars>
@@ -2020,26 +2501,42 @@
     </dgm:pt>
   </dgm:ptLst>
   <dgm:cxnLst>
-    <dgm:cxn modelId="{236B1F2D-5459-4015-84A8-A2AE4FD07C5C}" srcId="{DC51C83B-7BFB-47A6-B9A8-A4E8B122E0CC}" destId="{69EEB0A9-6BB9-40F1-9AD6-7F1A683ADA84}" srcOrd="4" destOrd="0" parTransId="{6544F20D-989C-43EE-B30D-F269D0A67F2C}" sibTransId="{E39AE10D-A84B-4B62-A197-02B55D41182A}"/>
-    <dgm:cxn modelId="{9AC3C654-DB24-4EB8-9684-36CA6C9EF8E0}" type="presOf" srcId="{D75F2E8F-BB28-4885-9B2E-0412AE085A7E}" destId="{D09C1F29-EAEC-42DA-8A3F-2849AC0F3B64}" srcOrd="0" destOrd="0" presId="urn:microsoft.com/office/officeart/2005/8/layout/default"/>
-    <dgm:cxn modelId="{F234BF8E-94CE-42CB-BB12-11ABF71036F5}" type="presOf" srcId="{69EEB0A9-6BB9-40F1-9AD6-7F1A683ADA84}" destId="{F8A09A73-6E3D-484B-9986-C4787DAE03E3}" srcOrd="0" destOrd="0" presId="urn:microsoft.com/office/officeart/2005/8/layout/default"/>
-    <dgm:cxn modelId="{23832F23-3B2F-4B84-A6BC-60E3067BCFB0}" type="presOf" srcId="{DC51C83B-7BFB-47A6-B9A8-A4E8B122E0CC}" destId="{4B5B11EE-CE72-4EB3-B552-D9320F6C65B6}" srcOrd="0" destOrd="0" presId="urn:microsoft.com/office/officeart/2005/8/layout/default"/>
-    <dgm:cxn modelId="{21E2F422-A5D3-4E59-BCA5-767C99519CCF}" srcId="{DC51C83B-7BFB-47A6-B9A8-A4E8B122E0CC}" destId="{B3E75065-89DA-474A-A09A-DC4AA2102365}" srcOrd="0" destOrd="0" parTransId="{C5B0EEC2-F72A-4250-A2E9-0D63A8054E26}" sibTransId="{C213C1EF-D266-49DF-B14B-278D2C6C1ECC}"/>
-    <dgm:cxn modelId="{0BD2CA8C-04A3-45FA-A41A-7A3925700F15}" srcId="{DC51C83B-7BFB-47A6-B9A8-A4E8B122E0CC}" destId="{9FD5897D-EAD0-471D-9E93-1ABA002B9F7D}" srcOrd="3" destOrd="0" parTransId="{943FED38-9C98-482C-BBCA-233AED89B599}" sibTransId="{BB2DA0BC-F06F-4378-A39B-452D0ABDB2EF}"/>
-    <dgm:cxn modelId="{6A77D905-48E5-49D8-ABCC-5A19055C4D98}" srcId="{DC51C83B-7BFB-47A6-B9A8-A4E8B122E0CC}" destId="{B87186D3-EDB0-46F9-AAFC-AF1543394A81}" srcOrd="2" destOrd="0" parTransId="{9A582448-DB28-4437-B52A-B2B5240F0D14}" sibTransId="{C035F0D2-B12F-4F23-9A07-0482C5FF23DA}"/>
-    <dgm:cxn modelId="{49F0A50F-3ED4-4540-AA56-E17D0633FD13}" type="presOf" srcId="{B3E75065-89DA-474A-A09A-DC4AA2102365}" destId="{80AEECCF-C221-4B9F-8AF5-EF56057F849F}" srcOrd="0" destOrd="0" presId="urn:microsoft.com/office/officeart/2005/8/layout/default"/>
-    <dgm:cxn modelId="{CBFF2AC8-2591-4849-AA7E-FE4766223EFC}" type="presOf" srcId="{9FD5897D-EAD0-471D-9E93-1ABA002B9F7D}" destId="{43CEE649-CC2C-4E3B-94E9-2A65438E6E73}" srcOrd="0" destOrd="0" presId="urn:microsoft.com/office/officeart/2005/8/layout/default"/>
-    <dgm:cxn modelId="{58DEB72B-A8A0-494E-A9A9-C670C23C8337}" srcId="{DC51C83B-7BFB-47A6-B9A8-A4E8B122E0CC}" destId="{D75F2E8F-BB28-4885-9B2E-0412AE085A7E}" srcOrd="1" destOrd="0" parTransId="{EB851FC9-3C3B-43AE-A8F8-3D2E23818CBD}" sibTransId="{8EBEA159-3A11-4707-9ADA-96E43CC7C776}"/>
-    <dgm:cxn modelId="{B1A55C21-CB9C-45AC-8A88-326D589B6DA5}" type="presOf" srcId="{B87186D3-EDB0-46F9-AAFC-AF1543394A81}" destId="{DBC66830-3BB1-4A7D-819E-73BF2322D17A}" srcOrd="0" destOrd="0" presId="urn:microsoft.com/office/officeart/2005/8/layout/default"/>
-    <dgm:cxn modelId="{41E1C8BF-98EE-477E-8137-CC494EE80E54}" type="presParOf" srcId="{4B5B11EE-CE72-4EB3-B552-D9320F6C65B6}" destId="{80AEECCF-C221-4B9F-8AF5-EF56057F849F}" srcOrd="0" destOrd="0" presId="urn:microsoft.com/office/officeart/2005/8/layout/default"/>
-    <dgm:cxn modelId="{5A80A8C3-4C1E-4FE3-9BBF-7D25A9C1F29F}" type="presParOf" srcId="{4B5B11EE-CE72-4EB3-B552-D9320F6C65B6}" destId="{F48C7D03-51AF-4402-90A5-59B702ED0BDC}" srcOrd="1" destOrd="0" presId="urn:microsoft.com/office/officeart/2005/8/layout/default"/>
-    <dgm:cxn modelId="{CE5B6441-ACA5-4351-A0D3-2E2D273C6D11}" type="presParOf" srcId="{4B5B11EE-CE72-4EB3-B552-D9320F6C65B6}" destId="{D09C1F29-EAEC-42DA-8A3F-2849AC0F3B64}" srcOrd="2" destOrd="0" presId="urn:microsoft.com/office/officeart/2005/8/layout/default"/>
-    <dgm:cxn modelId="{3F1C0563-42DC-4F24-ABDE-5DDE7193D213}" type="presParOf" srcId="{4B5B11EE-CE72-4EB3-B552-D9320F6C65B6}" destId="{373229D1-0DCD-45FB-8B95-0BDDAF5FF3CD}" srcOrd="3" destOrd="0" presId="urn:microsoft.com/office/officeart/2005/8/layout/default"/>
-    <dgm:cxn modelId="{87B2EDF2-B99B-4743-AB83-6A1694090AC3}" type="presParOf" srcId="{4B5B11EE-CE72-4EB3-B552-D9320F6C65B6}" destId="{DBC66830-3BB1-4A7D-819E-73BF2322D17A}" srcOrd="4" destOrd="0" presId="urn:microsoft.com/office/officeart/2005/8/layout/default"/>
-    <dgm:cxn modelId="{E8FF041B-D7A7-4E46-B78B-C56FC10EED77}" type="presParOf" srcId="{4B5B11EE-CE72-4EB3-B552-D9320F6C65B6}" destId="{51237CF6-A8EE-4B2D-B8B0-FA599A7AA494}" srcOrd="5" destOrd="0" presId="urn:microsoft.com/office/officeart/2005/8/layout/default"/>
-    <dgm:cxn modelId="{9CEDC47A-7374-41C5-9DD4-A0D61EAC1D92}" type="presParOf" srcId="{4B5B11EE-CE72-4EB3-B552-D9320F6C65B6}" destId="{43CEE649-CC2C-4E3B-94E9-2A65438E6E73}" srcOrd="6" destOrd="0" presId="urn:microsoft.com/office/officeart/2005/8/layout/default"/>
-    <dgm:cxn modelId="{7AA6568F-2A9E-4B33-A48F-5F6799951B8F}" type="presParOf" srcId="{4B5B11EE-CE72-4EB3-B552-D9320F6C65B6}" destId="{4FA3FB3B-89E9-4AF3-B7E8-FBBB37F3D73A}" srcOrd="7" destOrd="0" presId="urn:microsoft.com/office/officeart/2005/8/layout/default"/>
-    <dgm:cxn modelId="{7D67DE25-0771-44A8-8D16-D0B8A2B48F12}" type="presParOf" srcId="{4B5B11EE-CE72-4EB3-B552-D9320F6C65B6}" destId="{F8A09A73-6E3D-484B-9986-C4787DAE03E3}" srcOrd="8" destOrd="0" presId="urn:microsoft.com/office/officeart/2005/8/layout/default"/>
+    <dgm:cxn modelId="{D872AB42-E4F9-4073-B107-1E3CC7AEC903}" srcId="{54CE5C0D-6A0B-454C-8DE4-B465E9DBAE50}" destId="{ADBDDF2B-A3DC-4970-BF94-DE1CC8B5960C}" srcOrd="5" destOrd="0" parTransId="{E3011CC5-C7D7-4401-B76E-291505AC7482}" sibTransId="{77441095-AE83-4677-B5C7-49F80D7F1076}"/>
+    <dgm:cxn modelId="{A087AD36-6855-40F3-8A09-D6BA63930125}" srcId="{54CE5C0D-6A0B-454C-8DE4-B465E9DBAE50}" destId="{27E52678-A81B-44D7-99D0-AF98A22BB6CD}" srcOrd="1" destOrd="0" parTransId="{9454E006-944F-4EC5-9B0C-0D546AFDCA4C}" sibTransId="{0E50E38B-059E-4A5E-A138-7E06C124A5A5}"/>
+    <dgm:cxn modelId="{1D9CEB23-F763-4615-8248-BB10522B3E63}" type="presOf" srcId="{9BBC5DB6-F79C-4A0E-8B63-6C53F208832A}" destId="{A11084D6-9B67-47A4-9B89-B6894F8921BF}" srcOrd="0" destOrd="0" presId="urn:microsoft.com/office/officeart/2005/8/layout/default"/>
+    <dgm:cxn modelId="{44FB6DBD-36F4-4A69-A476-B5763A28BAA6}" srcId="{54CE5C0D-6A0B-454C-8DE4-B465E9DBAE50}" destId="{C6EA8895-C36B-469B-B022-7F11213CFC74}" srcOrd="4" destOrd="0" parTransId="{E3F8D850-A5CF-40CC-A046-8F8EB368E947}" sibTransId="{64E2E819-34FF-4042-809C-141ACB54F5B4}"/>
+    <dgm:cxn modelId="{921FA3B1-647C-4912-ABBC-E3511B443ACD}" type="presOf" srcId="{1FD651A6-6F0F-4AEE-9499-3F0F25F14CBD}" destId="{1DF979C8-03EE-45B7-BED9-4E0E1319A28C}" srcOrd="0" destOrd="0" presId="urn:microsoft.com/office/officeart/2005/8/layout/default"/>
+    <dgm:cxn modelId="{5AD6C15D-2E41-423B-8820-D541F4DE773C}" type="presOf" srcId="{C2578DDB-3090-4E75-814D-A0252F370710}" destId="{68582279-82D2-44C4-AA4D-0275D6612872}" srcOrd="0" destOrd="0" presId="urn:microsoft.com/office/officeart/2005/8/layout/default"/>
+    <dgm:cxn modelId="{9E902A0D-8725-4868-BEE1-B303E96A757F}" type="presOf" srcId="{27E52678-A81B-44D7-99D0-AF98A22BB6CD}" destId="{E6BB6F03-9FB2-4A60-8FC3-8923FBA98199}" srcOrd="0" destOrd="0" presId="urn:microsoft.com/office/officeart/2005/8/layout/default"/>
+    <dgm:cxn modelId="{034398FA-EB32-4EDC-8F1D-3248D70E3D33}" type="presOf" srcId="{C6EA8895-C36B-469B-B022-7F11213CFC74}" destId="{B05C5454-F953-421D-9F48-0DFE8B6466E8}" srcOrd="0" destOrd="0" presId="urn:microsoft.com/office/officeart/2005/8/layout/default"/>
+    <dgm:cxn modelId="{EE3FDC30-3B77-4C29-B014-4AFA059AC551}" srcId="{54CE5C0D-6A0B-454C-8DE4-B465E9DBAE50}" destId="{C2578DDB-3090-4E75-814D-A0252F370710}" srcOrd="8" destOrd="0" parTransId="{C8E2B72F-DE10-425B-83D9-265EC38D8E09}" sibTransId="{4F97C3D9-A28B-44B0-B319-0A929486B904}"/>
+    <dgm:cxn modelId="{0AE14775-7222-465E-8DFD-EBCEAEAB4353}" srcId="{54CE5C0D-6A0B-454C-8DE4-B465E9DBAE50}" destId="{1FD651A6-6F0F-4AEE-9499-3F0F25F14CBD}" srcOrd="6" destOrd="0" parTransId="{1AE918BF-12C9-42C0-887B-79F1EAD6635A}" sibTransId="{5B324B79-C3A9-4F58-8B88-774A375D41EC}"/>
+    <dgm:cxn modelId="{78C7FCAF-F3FA-485F-8BD7-6ABBC2A2D9D4}" srcId="{54CE5C0D-6A0B-454C-8DE4-B465E9DBAE50}" destId="{36B13700-4142-46A5-8824-08D11ED2B850}" srcOrd="0" destOrd="0" parTransId="{EC67FE58-01C1-431A-829B-1C7924DA1DD8}" sibTransId="{64678572-FF22-469B-998D-36C8AE1E2272}"/>
+    <dgm:cxn modelId="{D67CD87B-9FC1-4FC0-85D8-AC594EB11D94}" srcId="{54CE5C0D-6A0B-454C-8DE4-B465E9DBAE50}" destId="{99703BD6-3D36-4621-887B-73070F53823F}" srcOrd="3" destOrd="0" parTransId="{E21ED0F2-464F-43E0-8065-2A79E3EC00E8}" sibTransId="{4B925F34-8842-4A02-9E74-1885DEA161DC}"/>
+    <dgm:cxn modelId="{C2D2F139-F12C-4DC9-804E-E364170A5BF5}" srcId="{54CE5C0D-6A0B-454C-8DE4-B465E9DBAE50}" destId="{9BBC5DB6-F79C-4A0E-8B63-6C53F208832A}" srcOrd="7" destOrd="0" parTransId="{1664EBB9-3DB2-4D68-85F5-BE7E9131DC8E}" sibTransId="{E5ABDC6B-B692-4991-AED2-31D9816EC879}"/>
+    <dgm:cxn modelId="{6761205E-31EB-4712-BFD3-C2B689A0F1E6}" srcId="{54CE5C0D-6A0B-454C-8DE4-B465E9DBAE50}" destId="{26BEA8CD-4ABF-43C5-9D09-C1EECBAA672A}" srcOrd="2" destOrd="0" parTransId="{6FAB29EC-8214-4423-B5CC-99264E85EC67}" sibTransId="{4989A848-6074-424D-8E95-0CE691179E5F}"/>
+    <dgm:cxn modelId="{927EDB8A-05F0-41CA-8650-8A217316AAA7}" type="presOf" srcId="{26BEA8CD-4ABF-43C5-9D09-C1EECBAA672A}" destId="{AF97EE25-B62B-4C88-AC2D-C9F723217256}" srcOrd="0" destOrd="0" presId="urn:microsoft.com/office/officeart/2005/8/layout/default"/>
+    <dgm:cxn modelId="{FBB1B02D-D7C0-403B-8256-7E7066B613B1}" type="presOf" srcId="{ADBDDF2B-A3DC-4970-BF94-DE1CC8B5960C}" destId="{CE651B75-9D51-4FB2-8FB5-9C2953B2E879}" srcOrd="0" destOrd="0" presId="urn:microsoft.com/office/officeart/2005/8/layout/default"/>
+    <dgm:cxn modelId="{B5A84DE3-B461-4C5F-9478-4FF9B1396F96}" type="presOf" srcId="{36B13700-4142-46A5-8824-08D11ED2B850}" destId="{7818477F-931D-4B42-A601-688F7BED628E}" srcOrd="0" destOrd="0" presId="urn:microsoft.com/office/officeart/2005/8/layout/default"/>
+    <dgm:cxn modelId="{F5535ED5-C997-41E8-BFAC-6F952B916F2D}" type="presOf" srcId="{99703BD6-3D36-4621-887B-73070F53823F}" destId="{3D30C428-E0B2-445B-B7B5-2E4FBB303E13}" srcOrd="0" destOrd="0" presId="urn:microsoft.com/office/officeart/2005/8/layout/default"/>
+    <dgm:cxn modelId="{ED5DD409-BD70-4FD1-B786-96B281FF0592}" type="presOf" srcId="{54CE5C0D-6A0B-454C-8DE4-B465E9DBAE50}" destId="{CB7FBC21-178B-47F4-AEB4-C39161F02440}" srcOrd="0" destOrd="0" presId="urn:microsoft.com/office/officeart/2005/8/layout/default"/>
+    <dgm:cxn modelId="{A114E735-7AC6-4EAE-AEC3-FFA52B8DE286}" type="presParOf" srcId="{CB7FBC21-178B-47F4-AEB4-C39161F02440}" destId="{7818477F-931D-4B42-A601-688F7BED628E}" srcOrd="0" destOrd="0" presId="urn:microsoft.com/office/officeart/2005/8/layout/default"/>
+    <dgm:cxn modelId="{82E676D8-2008-4386-87B2-185833BAB2FB}" type="presParOf" srcId="{CB7FBC21-178B-47F4-AEB4-C39161F02440}" destId="{6A384C33-C4C2-4D6B-876C-23496AEB33C2}" srcOrd="1" destOrd="0" presId="urn:microsoft.com/office/officeart/2005/8/layout/default"/>
+    <dgm:cxn modelId="{D829074D-2537-476B-9AD9-63BDBD34B451}" type="presParOf" srcId="{CB7FBC21-178B-47F4-AEB4-C39161F02440}" destId="{E6BB6F03-9FB2-4A60-8FC3-8923FBA98199}" srcOrd="2" destOrd="0" presId="urn:microsoft.com/office/officeart/2005/8/layout/default"/>
+    <dgm:cxn modelId="{19C9BFDB-FFB6-4490-8891-F81CDE8EE4B4}" type="presParOf" srcId="{CB7FBC21-178B-47F4-AEB4-C39161F02440}" destId="{30299E1C-BC72-4344-9AC0-164AEA859433}" srcOrd="3" destOrd="0" presId="urn:microsoft.com/office/officeart/2005/8/layout/default"/>
+    <dgm:cxn modelId="{F304967E-6835-43CE-80E8-CCB375D2A17E}" type="presParOf" srcId="{CB7FBC21-178B-47F4-AEB4-C39161F02440}" destId="{AF97EE25-B62B-4C88-AC2D-C9F723217256}" srcOrd="4" destOrd="0" presId="urn:microsoft.com/office/officeart/2005/8/layout/default"/>
+    <dgm:cxn modelId="{52601C6F-D381-40B6-BD64-AB73F43986C6}" type="presParOf" srcId="{CB7FBC21-178B-47F4-AEB4-C39161F02440}" destId="{C5BEA6BD-AFA4-4811-B52E-C1261FAA88DF}" srcOrd="5" destOrd="0" presId="urn:microsoft.com/office/officeart/2005/8/layout/default"/>
+    <dgm:cxn modelId="{D602D1FB-5AB0-4132-BF64-CCA423E681F1}" type="presParOf" srcId="{CB7FBC21-178B-47F4-AEB4-C39161F02440}" destId="{3D30C428-E0B2-445B-B7B5-2E4FBB303E13}" srcOrd="6" destOrd="0" presId="urn:microsoft.com/office/officeart/2005/8/layout/default"/>
+    <dgm:cxn modelId="{B8445AC0-A889-4BDC-9FE7-D6151BB1B64B}" type="presParOf" srcId="{CB7FBC21-178B-47F4-AEB4-C39161F02440}" destId="{FCD39933-264E-44F3-80B5-44210D65185D}" srcOrd="7" destOrd="0" presId="urn:microsoft.com/office/officeart/2005/8/layout/default"/>
+    <dgm:cxn modelId="{EF516F15-06FC-4B3C-B5D9-5293A27DAB60}" type="presParOf" srcId="{CB7FBC21-178B-47F4-AEB4-C39161F02440}" destId="{B05C5454-F953-421D-9F48-0DFE8B6466E8}" srcOrd="8" destOrd="0" presId="urn:microsoft.com/office/officeart/2005/8/layout/default"/>
+    <dgm:cxn modelId="{1662731D-9B1E-4322-A075-A9BC29B7B42B}" type="presParOf" srcId="{CB7FBC21-178B-47F4-AEB4-C39161F02440}" destId="{EC7CBE60-44B9-4F57-955D-D19757B17BA4}" srcOrd="9" destOrd="0" presId="urn:microsoft.com/office/officeart/2005/8/layout/default"/>
+    <dgm:cxn modelId="{BEB40246-AACB-440A-90E0-9A536B848690}" type="presParOf" srcId="{CB7FBC21-178B-47F4-AEB4-C39161F02440}" destId="{CE651B75-9D51-4FB2-8FB5-9C2953B2E879}" srcOrd="10" destOrd="0" presId="urn:microsoft.com/office/officeart/2005/8/layout/default"/>
+    <dgm:cxn modelId="{65358157-CF7A-45C6-8C7E-FC922259B6B1}" type="presParOf" srcId="{CB7FBC21-178B-47F4-AEB4-C39161F02440}" destId="{49D401DB-D299-4E0B-8BB5-0C63BE0A6A76}" srcOrd="11" destOrd="0" presId="urn:microsoft.com/office/officeart/2005/8/layout/default"/>
+    <dgm:cxn modelId="{210AB660-A4E9-4C9A-B71E-208B1DAB10E2}" type="presParOf" srcId="{CB7FBC21-178B-47F4-AEB4-C39161F02440}" destId="{1DF979C8-03EE-45B7-BED9-4E0E1319A28C}" srcOrd="12" destOrd="0" presId="urn:microsoft.com/office/officeart/2005/8/layout/default"/>
+    <dgm:cxn modelId="{1316B307-23B3-498C-AA7C-BF8B68045A9E}" type="presParOf" srcId="{CB7FBC21-178B-47F4-AEB4-C39161F02440}" destId="{CB26D52A-3374-4FAE-8001-060AE9D997D7}" srcOrd="13" destOrd="0" presId="urn:microsoft.com/office/officeart/2005/8/layout/default"/>
+    <dgm:cxn modelId="{B6834666-E2B3-43EF-AA7F-D7AB755B4B98}" type="presParOf" srcId="{CB7FBC21-178B-47F4-AEB4-C39161F02440}" destId="{A11084D6-9B67-47A4-9B89-B6894F8921BF}" srcOrd="14" destOrd="0" presId="urn:microsoft.com/office/officeart/2005/8/layout/default"/>
+    <dgm:cxn modelId="{88DE9DAB-25E1-4824-AD44-2968B7BF233D}" type="presParOf" srcId="{CB7FBC21-178B-47F4-AEB4-C39161F02440}" destId="{C8CF89FE-FBAC-4F2E-9B19-62727108D078}" srcOrd="15" destOrd="0" presId="urn:microsoft.com/office/officeart/2005/8/layout/default"/>
+    <dgm:cxn modelId="{8C7265DF-687B-4D37-8573-3BAA26D77CE6}" type="presParOf" srcId="{CB7FBC21-178B-47F4-AEB4-C39161F02440}" destId="{68582279-82D2-44C4-AA4D-0275D6612872}" srcOrd="16" destOrd="0" presId="urn:microsoft.com/office/officeart/2005/8/layout/default"/>
   </dgm:cxnLst>
   <dgm:bg/>
   <dgm:whole/>
@@ -2059,6 +2556,559 @@
       <dsp:cNvGrpSpPr/>
     </dsp:nvGrpSpPr>
     <dsp:grpSpPr/>
+    <dsp:sp modelId="{1F7D3490-F7C6-4000-9950-C10A59E7E359}">
+      <dsp:nvSpPr>
+        <dsp:cNvPr id="0" name=""/>
+        <dsp:cNvSpPr/>
+      </dsp:nvSpPr>
+      <dsp:spPr>
+        <a:xfrm>
+          <a:off x="0" y="50482"/>
+          <a:ext cx="10018712" cy="551655"/>
+        </a:xfrm>
+        <a:prstGeom prst="roundRect">
+          <a:avLst/>
+        </a:prstGeom>
+        <a:gradFill rotWithShape="0">
+          <a:gsLst>
+            <a:gs pos="0">
+              <a:schemeClr val="accent1">
+                <a:hueOff val="0"/>
+                <a:satOff val="0"/>
+                <a:lumOff val="0"/>
+                <a:alphaOff val="0"/>
+                <a:tint val="96000"/>
+                <a:lumMod val="102000"/>
+              </a:schemeClr>
+            </a:gs>
+            <a:gs pos="100000">
+              <a:schemeClr val="accent1">
+                <a:hueOff val="0"/>
+                <a:satOff val="0"/>
+                <a:lumOff val="0"/>
+                <a:alphaOff val="0"/>
+                <a:shade val="88000"/>
+                <a:lumMod val="94000"/>
+              </a:schemeClr>
+            </a:gs>
+          </a:gsLst>
+          <a:path path="circle">
+            <a:fillToRect l="50000" t="100000" r="100000" b="50000"/>
+          </a:path>
+        </a:gradFill>
+        <a:ln>
+          <a:noFill/>
+        </a:ln>
+        <a:effectLst>
+          <a:reflection blurRad="12700" stA="26000" endPos="32000" dist="12700" dir="5400000" sy="-100000" rotWithShape="0"/>
+        </a:effectLst>
+      </dsp:spPr>
+      <dsp:style>
+        <a:lnRef idx="0">
+          <a:scrgbClr r="0" g="0" b="0"/>
+        </a:lnRef>
+        <a:fillRef idx="3">
+          <a:scrgbClr r="0" g="0" b="0"/>
+        </a:fillRef>
+        <a:effectRef idx="2">
+          <a:scrgbClr r="0" g="0" b="0"/>
+        </a:effectRef>
+        <a:fontRef idx="minor">
+          <a:schemeClr val="lt1"/>
+        </a:fontRef>
+      </dsp:style>
+      <dsp:txBody>
+        <a:bodyPr spcFirstLastPara="0" vert="horz" wrap="square" lIns="87630" tIns="87630" rIns="87630" bIns="87630" numCol="1" spcCol="1270" anchor="ctr" anchorCtr="0">
+          <a:noAutofit/>
+        </a:bodyPr>
+        <a:lstStyle/>
+        <a:p>
+          <a:pPr marL="0" lvl="0" indent="0" algn="l" defTabSz="1022350">
+            <a:lnSpc>
+              <a:spcPct val="90000"/>
+            </a:lnSpc>
+            <a:spcBef>
+              <a:spcPct val="0"/>
+            </a:spcBef>
+            <a:spcAft>
+              <a:spcPct val="35000"/>
+            </a:spcAft>
+            <a:buNone/>
+          </a:pPr>
+          <a:r>
+            <a:rPr lang="de-DE" sz="2300" kern="1200" dirty="0"/>
+            <a:t>Traverse </a:t>
+          </a:r>
+          <a:r>
+            <a:rPr lang="de-DE" sz="2300" kern="1200" dirty="0" err="1"/>
+            <a:t>through</a:t>
+          </a:r>
+          <a:r>
+            <a:rPr lang="de-DE" sz="2300" kern="1200" dirty="0"/>
+            <a:t> </a:t>
+          </a:r>
+          <a:r>
+            <a:rPr lang="de-DE" sz="2300" kern="1200" dirty="0" err="1"/>
+            <a:t>the</a:t>
+          </a:r>
+          <a:r>
+            <a:rPr lang="de-DE" sz="2300" kern="1200" dirty="0"/>
+            <a:t> </a:t>
+          </a:r>
+          <a:r>
+            <a:rPr lang="de-DE" sz="2300" kern="1200" dirty="0" err="1"/>
+            <a:t>environment</a:t>
+          </a:r>
+          <a:r>
+            <a:rPr lang="de-DE" sz="2300" kern="1200" dirty="0"/>
+            <a:t> </a:t>
+          </a:r>
+          <a:r>
+            <a:rPr lang="de-DE" sz="2300" kern="1200" dirty="0" err="1"/>
+            <a:t>by</a:t>
+          </a:r>
+          <a:r>
+            <a:rPr lang="de-DE" sz="2300" kern="1200" dirty="0"/>
+            <a:t> </a:t>
+          </a:r>
+          <a:r>
+            <a:rPr lang="de-DE" sz="2300" kern="1200" dirty="0" err="1"/>
+            <a:t>moving</a:t>
+          </a:r>
+          <a:r>
+            <a:rPr lang="de-DE" sz="2300" kern="1200" dirty="0"/>
+            <a:t> on </a:t>
+          </a:r>
+          <a:r>
+            <a:rPr lang="de-DE" sz="2300" kern="1200" dirty="0" err="1"/>
+            <a:t>foot</a:t>
+          </a:r>
+          <a:r>
+            <a:rPr lang="de-DE" sz="2300" kern="1200" dirty="0"/>
+            <a:t> </a:t>
+          </a:r>
+          <a:r>
+            <a:rPr lang="de-DE" sz="2300" kern="1200" dirty="0" err="1"/>
+            <a:t>and</a:t>
+          </a:r>
+          <a:r>
+            <a:rPr lang="de-DE" sz="2300" kern="1200" dirty="0"/>
+            <a:t> via web</a:t>
+          </a:r>
+        </a:p>
+      </dsp:txBody>
+      <dsp:txXfrm>
+        <a:off x="26930" y="77412"/>
+        <a:ext cx="9964852" cy="497795"/>
+      </dsp:txXfrm>
+    </dsp:sp>
+    <dsp:sp modelId="{9C5B23EE-B410-426F-9144-C0469A1A42FB}">
+      <dsp:nvSpPr>
+        <dsp:cNvPr id="0" name=""/>
+        <dsp:cNvSpPr/>
+      </dsp:nvSpPr>
+      <dsp:spPr>
+        <a:xfrm>
+          <a:off x="0" y="668377"/>
+          <a:ext cx="10018712" cy="551655"/>
+        </a:xfrm>
+        <a:prstGeom prst="roundRect">
+          <a:avLst/>
+        </a:prstGeom>
+        <a:gradFill rotWithShape="0">
+          <a:gsLst>
+            <a:gs pos="0">
+              <a:schemeClr val="accent1">
+                <a:hueOff val="0"/>
+                <a:satOff val="0"/>
+                <a:lumOff val="0"/>
+                <a:alphaOff val="0"/>
+                <a:tint val="96000"/>
+                <a:lumMod val="102000"/>
+              </a:schemeClr>
+            </a:gs>
+            <a:gs pos="100000">
+              <a:schemeClr val="accent1">
+                <a:hueOff val="0"/>
+                <a:satOff val="0"/>
+                <a:lumOff val="0"/>
+                <a:alphaOff val="0"/>
+                <a:shade val="88000"/>
+                <a:lumMod val="94000"/>
+              </a:schemeClr>
+            </a:gs>
+          </a:gsLst>
+          <a:path path="circle">
+            <a:fillToRect l="50000" t="100000" r="100000" b="50000"/>
+          </a:path>
+        </a:gradFill>
+        <a:ln>
+          <a:noFill/>
+        </a:ln>
+        <a:effectLst>
+          <a:reflection blurRad="12700" stA="26000" endPos="32000" dist="12700" dir="5400000" sy="-100000" rotWithShape="0"/>
+        </a:effectLst>
+      </dsp:spPr>
+      <dsp:style>
+        <a:lnRef idx="0">
+          <a:scrgbClr r="0" g="0" b="0"/>
+        </a:lnRef>
+        <a:fillRef idx="3">
+          <a:scrgbClr r="0" g="0" b="0"/>
+        </a:fillRef>
+        <a:effectRef idx="2">
+          <a:scrgbClr r="0" g="0" b="0"/>
+        </a:effectRef>
+        <a:fontRef idx="minor">
+          <a:schemeClr val="lt1"/>
+        </a:fontRef>
+      </dsp:style>
+      <dsp:txBody>
+        <a:bodyPr spcFirstLastPara="0" vert="horz" wrap="square" lIns="87630" tIns="87630" rIns="87630" bIns="87630" numCol="1" spcCol="1270" anchor="ctr" anchorCtr="0">
+          <a:noAutofit/>
+        </a:bodyPr>
+        <a:lstStyle/>
+        <a:p>
+          <a:pPr marL="0" lvl="0" indent="0" algn="l" defTabSz="1022350">
+            <a:lnSpc>
+              <a:spcPct val="90000"/>
+            </a:lnSpc>
+            <a:spcBef>
+              <a:spcPct val="0"/>
+            </a:spcBef>
+            <a:spcAft>
+              <a:spcPct val="35000"/>
+            </a:spcAft>
+            <a:buNone/>
+          </a:pPr>
+          <a:r>
+            <a:rPr lang="de-DE" sz="2300" kern="1200" dirty="0"/>
+            <a:t>Manage </a:t>
+          </a:r>
+          <a:r>
+            <a:rPr lang="de-DE" sz="2300" kern="1200" dirty="0" err="1"/>
+            <a:t>your</a:t>
+          </a:r>
+          <a:r>
+            <a:rPr lang="de-DE" sz="2300" kern="1200" dirty="0"/>
+            <a:t> web </a:t>
+          </a:r>
+          <a:r>
+            <a:rPr lang="de-DE" sz="2300" kern="1200" dirty="0" err="1"/>
+            <a:t>resource</a:t>
+          </a:r>
+          <a:endParaRPr lang="de-DE" sz="2300" kern="1200" dirty="0"/>
+        </a:p>
+      </dsp:txBody>
+      <dsp:txXfrm>
+        <a:off x="26930" y="695307"/>
+        <a:ext cx="9964852" cy="497795"/>
+      </dsp:txXfrm>
+    </dsp:sp>
+    <dsp:sp modelId="{1435D441-FAEC-48BD-9D2B-8301AE89DE9B}">
+      <dsp:nvSpPr>
+        <dsp:cNvPr id="0" name=""/>
+        <dsp:cNvSpPr/>
+      </dsp:nvSpPr>
+      <dsp:spPr>
+        <a:xfrm>
+          <a:off x="0" y="1286272"/>
+          <a:ext cx="10018712" cy="551655"/>
+        </a:xfrm>
+        <a:prstGeom prst="roundRect">
+          <a:avLst/>
+        </a:prstGeom>
+        <a:gradFill rotWithShape="0">
+          <a:gsLst>
+            <a:gs pos="0">
+              <a:schemeClr val="accent1">
+                <a:hueOff val="0"/>
+                <a:satOff val="0"/>
+                <a:lumOff val="0"/>
+                <a:alphaOff val="0"/>
+                <a:tint val="96000"/>
+                <a:lumMod val="102000"/>
+              </a:schemeClr>
+            </a:gs>
+            <a:gs pos="100000">
+              <a:schemeClr val="accent1">
+                <a:hueOff val="0"/>
+                <a:satOff val="0"/>
+                <a:lumOff val="0"/>
+                <a:alphaOff val="0"/>
+                <a:shade val="88000"/>
+                <a:lumMod val="94000"/>
+              </a:schemeClr>
+            </a:gs>
+          </a:gsLst>
+          <a:path path="circle">
+            <a:fillToRect l="50000" t="100000" r="100000" b="50000"/>
+          </a:path>
+        </a:gradFill>
+        <a:ln>
+          <a:noFill/>
+        </a:ln>
+        <a:effectLst>
+          <a:reflection blurRad="12700" stA="26000" endPos="32000" dist="12700" dir="5400000" sy="-100000" rotWithShape="0"/>
+        </a:effectLst>
+      </dsp:spPr>
+      <dsp:style>
+        <a:lnRef idx="0">
+          <a:scrgbClr r="0" g="0" b="0"/>
+        </a:lnRef>
+        <a:fillRef idx="3">
+          <a:scrgbClr r="0" g="0" b="0"/>
+        </a:fillRef>
+        <a:effectRef idx="2">
+          <a:scrgbClr r="0" g="0" b="0"/>
+        </a:effectRef>
+        <a:fontRef idx="minor">
+          <a:schemeClr val="lt1"/>
+        </a:fontRef>
+      </dsp:style>
+      <dsp:txBody>
+        <a:bodyPr spcFirstLastPara="0" vert="horz" wrap="square" lIns="87630" tIns="87630" rIns="87630" bIns="87630" numCol="1" spcCol="1270" anchor="ctr" anchorCtr="0">
+          <a:noAutofit/>
+        </a:bodyPr>
+        <a:lstStyle/>
+        <a:p>
+          <a:pPr marL="0" lvl="0" indent="0" algn="l" defTabSz="1022350">
+            <a:lnSpc>
+              <a:spcPct val="90000"/>
+            </a:lnSpc>
+            <a:spcBef>
+              <a:spcPct val="0"/>
+            </a:spcBef>
+            <a:spcAft>
+              <a:spcPct val="35000"/>
+            </a:spcAft>
+            <a:buNone/>
+          </a:pPr>
+          <a:r>
+            <a:rPr lang="de-DE" sz="2300" kern="1200" dirty="0" err="1"/>
+            <a:t>Avoid</a:t>
+          </a:r>
+          <a:r>
+            <a:rPr lang="de-DE" sz="2300" kern="1200" dirty="0"/>
+            <a:t> </a:t>
+          </a:r>
+          <a:r>
+            <a:rPr lang="de-DE" sz="2300" kern="1200" dirty="0" err="1"/>
+            <a:t>or</a:t>
+          </a:r>
+          <a:r>
+            <a:rPr lang="de-DE" sz="2300" kern="1200" dirty="0"/>
+            <a:t> </a:t>
+          </a:r>
+          <a:r>
+            <a:rPr lang="de-DE" sz="2300" kern="1200" dirty="0" err="1"/>
+            <a:t>fight</a:t>
+          </a:r>
+          <a:r>
+            <a:rPr lang="de-DE" sz="2300" kern="1200" dirty="0"/>
+            <a:t> </a:t>
+          </a:r>
+          <a:r>
+            <a:rPr lang="de-DE" sz="2300" kern="1200" dirty="0" err="1"/>
+            <a:t>enemies</a:t>
+          </a:r>
+          <a:endParaRPr lang="de-DE" sz="2300" kern="1200" dirty="0"/>
+        </a:p>
+      </dsp:txBody>
+      <dsp:txXfrm>
+        <a:off x="26930" y="1313202"/>
+        <a:ext cx="9964852" cy="497795"/>
+      </dsp:txXfrm>
+    </dsp:sp>
+    <dsp:sp modelId="{E3DF8443-2694-436A-BD7F-83AFEE989C7B}">
+      <dsp:nvSpPr>
+        <dsp:cNvPr id="0" name=""/>
+        <dsp:cNvSpPr/>
+      </dsp:nvSpPr>
+      <dsp:spPr>
+        <a:xfrm>
+          <a:off x="0" y="1904167"/>
+          <a:ext cx="10018712" cy="551655"/>
+        </a:xfrm>
+        <a:prstGeom prst="roundRect">
+          <a:avLst/>
+        </a:prstGeom>
+        <a:gradFill rotWithShape="0">
+          <a:gsLst>
+            <a:gs pos="0">
+              <a:schemeClr val="accent1">
+                <a:hueOff val="0"/>
+                <a:satOff val="0"/>
+                <a:lumOff val="0"/>
+                <a:alphaOff val="0"/>
+                <a:tint val="96000"/>
+                <a:lumMod val="102000"/>
+              </a:schemeClr>
+            </a:gs>
+            <a:gs pos="100000">
+              <a:schemeClr val="accent1">
+                <a:hueOff val="0"/>
+                <a:satOff val="0"/>
+                <a:lumOff val="0"/>
+                <a:alphaOff val="0"/>
+                <a:shade val="88000"/>
+                <a:lumMod val="94000"/>
+              </a:schemeClr>
+            </a:gs>
+          </a:gsLst>
+          <a:path path="circle">
+            <a:fillToRect l="50000" t="100000" r="100000" b="50000"/>
+          </a:path>
+        </a:gradFill>
+        <a:ln>
+          <a:noFill/>
+        </a:ln>
+        <a:effectLst>
+          <a:reflection blurRad="12700" stA="26000" endPos="32000" dist="12700" dir="5400000" sy="-100000" rotWithShape="0"/>
+        </a:effectLst>
+      </dsp:spPr>
+      <dsp:style>
+        <a:lnRef idx="0">
+          <a:scrgbClr r="0" g="0" b="0"/>
+        </a:lnRef>
+        <a:fillRef idx="3">
+          <a:scrgbClr r="0" g="0" b="0"/>
+        </a:fillRef>
+        <a:effectRef idx="2">
+          <a:scrgbClr r="0" g="0" b="0"/>
+        </a:effectRef>
+        <a:fontRef idx="minor">
+          <a:schemeClr val="lt1"/>
+        </a:fontRef>
+      </dsp:style>
+      <dsp:txBody>
+        <a:bodyPr spcFirstLastPara="0" vert="horz" wrap="square" lIns="87630" tIns="87630" rIns="87630" bIns="87630" numCol="1" spcCol="1270" anchor="ctr" anchorCtr="0">
+          <a:noAutofit/>
+        </a:bodyPr>
+        <a:lstStyle/>
+        <a:p>
+          <a:pPr marL="0" lvl="0" indent="0" algn="l" defTabSz="1022350">
+            <a:lnSpc>
+              <a:spcPct val="90000"/>
+            </a:lnSpc>
+            <a:spcBef>
+              <a:spcPct val="0"/>
+            </a:spcBef>
+            <a:spcAft>
+              <a:spcPct val="35000"/>
+            </a:spcAft>
+            <a:buNone/>
+          </a:pPr>
+          <a:r>
+            <a:rPr lang="de-DE" sz="2300" kern="1200" dirty="0" err="1"/>
+            <a:t>Avoid</a:t>
+          </a:r>
+          <a:r>
+            <a:rPr lang="de-DE" sz="2300" kern="1200" dirty="0"/>
+            <a:t> traps</a:t>
+          </a:r>
+        </a:p>
+      </dsp:txBody>
+      <dsp:txXfrm>
+        <a:off x="26930" y="1931097"/>
+        <a:ext cx="9964852" cy="497795"/>
+      </dsp:txXfrm>
+    </dsp:sp>
+    <dsp:sp modelId="{5FF643DA-1CF2-4B88-BF26-171AC2F95DDA}">
+      <dsp:nvSpPr>
+        <dsp:cNvPr id="0" name=""/>
+        <dsp:cNvSpPr/>
+      </dsp:nvSpPr>
+      <dsp:spPr>
+        <a:xfrm>
+          <a:off x="0" y="2522062"/>
+          <a:ext cx="10018712" cy="551655"/>
+        </a:xfrm>
+        <a:prstGeom prst="roundRect">
+          <a:avLst/>
+        </a:prstGeom>
+        <a:gradFill rotWithShape="0">
+          <a:gsLst>
+            <a:gs pos="0">
+              <a:schemeClr val="accent1">
+                <a:hueOff val="0"/>
+                <a:satOff val="0"/>
+                <a:lumOff val="0"/>
+                <a:alphaOff val="0"/>
+                <a:tint val="96000"/>
+                <a:lumMod val="102000"/>
+              </a:schemeClr>
+            </a:gs>
+            <a:gs pos="100000">
+              <a:schemeClr val="accent1">
+                <a:hueOff val="0"/>
+                <a:satOff val="0"/>
+                <a:lumOff val="0"/>
+                <a:alphaOff val="0"/>
+                <a:shade val="88000"/>
+                <a:lumMod val="94000"/>
+              </a:schemeClr>
+            </a:gs>
+          </a:gsLst>
+          <a:path path="circle">
+            <a:fillToRect l="50000" t="100000" r="100000" b="50000"/>
+          </a:path>
+        </a:gradFill>
+        <a:ln>
+          <a:noFill/>
+        </a:ln>
+        <a:effectLst>
+          <a:reflection blurRad="12700" stA="26000" endPos="32000" dist="12700" dir="5400000" sy="-100000" rotWithShape="0"/>
+        </a:effectLst>
+      </dsp:spPr>
+      <dsp:style>
+        <a:lnRef idx="0">
+          <a:scrgbClr r="0" g="0" b="0"/>
+        </a:lnRef>
+        <a:fillRef idx="3">
+          <a:scrgbClr r="0" g="0" b="0"/>
+        </a:fillRef>
+        <a:effectRef idx="2">
+          <a:scrgbClr r="0" g="0" b="0"/>
+        </a:effectRef>
+        <a:fontRef idx="minor">
+          <a:schemeClr val="lt1"/>
+        </a:fontRef>
+      </dsp:style>
+      <dsp:txBody>
+        <a:bodyPr spcFirstLastPara="0" vert="horz" wrap="square" lIns="87630" tIns="87630" rIns="87630" bIns="87630" numCol="1" spcCol="1270" anchor="ctr" anchorCtr="0">
+          <a:noAutofit/>
+        </a:bodyPr>
+        <a:lstStyle/>
+        <a:p>
+          <a:pPr marL="0" lvl="0" indent="0" algn="l" defTabSz="1022350">
+            <a:lnSpc>
+              <a:spcPct val="90000"/>
+            </a:lnSpc>
+            <a:spcBef>
+              <a:spcPct val="0"/>
+            </a:spcBef>
+            <a:spcAft>
+              <a:spcPct val="35000"/>
+            </a:spcAft>
+            <a:buNone/>
+          </a:pPr>
+          <a:r>
+            <a:rPr lang="de-DE" sz="2300" kern="1200" dirty="0"/>
+            <a:t>Finish </a:t>
+          </a:r>
+          <a:r>
+            <a:rPr lang="de-DE" sz="2300" kern="1200" dirty="0" err="1"/>
+            <a:t>levels</a:t>
+          </a:r>
+          <a:endParaRPr lang="de-DE" sz="2300" kern="1200" dirty="0"/>
+        </a:p>
+      </dsp:txBody>
+      <dsp:txXfrm>
+        <a:off x="26930" y="2548992"/>
+        <a:ext cx="9964852" cy="497795"/>
+      </dsp:txXfrm>
+    </dsp:sp>
   </dsp:spTree>
 </dsp:drawing>
 </file>
@@ -2071,45 +3121,61 @@
       <dsp:cNvGrpSpPr/>
     </dsp:nvGrpSpPr>
     <dsp:grpSpPr/>
-    <dsp:sp modelId="{80AEECCF-C221-4B9F-8AF5-EF56057F849F}">
+    <dsp:sp modelId="{7818477F-931D-4B42-A601-688F7BED628E}">
       <dsp:nvSpPr>
         <dsp:cNvPr id="0" name=""/>
         <dsp:cNvSpPr/>
       </dsp:nvSpPr>
       <dsp:spPr>
         <a:xfrm>
-          <a:off x="1166240" y="834"/>
-          <a:ext cx="2401947" cy="1441168"/>
+          <a:off x="437604" y="3572"/>
+          <a:ext cx="2091927" cy="1255156"/>
         </a:xfrm>
         <a:prstGeom prst="rect">
           <a:avLst/>
         </a:prstGeom>
-        <a:solidFill>
-          <a:schemeClr val="accent1">
-            <a:hueOff val="0"/>
-            <a:satOff val="0"/>
-            <a:lumOff val="0"/>
-            <a:alphaOff val="0"/>
-          </a:schemeClr>
-        </a:solidFill>
+        <a:gradFill rotWithShape="0">
+          <a:gsLst>
+            <a:gs pos="0">
+              <a:schemeClr val="accent1">
+                <a:hueOff val="0"/>
+                <a:satOff val="0"/>
+                <a:lumOff val="0"/>
+                <a:alphaOff val="0"/>
+                <a:tint val="96000"/>
+                <a:lumMod val="102000"/>
+              </a:schemeClr>
+            </a:gs>
+            <a:gs pos="100000">
+              <a:schemeClr val="accent1">
+                <a:hueOff val="0"/>
+                <a:satOff val="0"/>
+                <a:lumOff val="0"/>
+                <a:alphaOff val="0"/>
+                <a:shade val="88000"/>
+                <a:lumMod val="94000"/>
+              </a:schemeClr>
+            </a:gs>
+          </a:gsLst>
+          <a:path path="circle">
+            <a:fillToRect l="50000" t="100000" r="100000" b="50000"/>
+          </a:path>
+        </a:gradFill>
         <a:ln>
           <a:noFill/>
         </a:ln>
-        <a:effectLst/>
-        <a:sp3d extrusionH="381000" contourW="38100" prstMaterial="matte">
-          <a:contourClr>
-            <a:schemeClr val="lt1"/>
-          </a:contourClr>
-        </a:sp3d>
+        <a:effectLst>
+          <a:reflection blurRad="12700" stA="26000" endPos="32000" dist="12700" dir="5400000" sy="-100000" rotWithShape="0"/>
+        </a:effectLst>
       </dsp:spPr>
       <dsp:style>
         <a:lnRef idx="0">
           <a:scrgbClr r="0" g="0" b="0"/>
         </a:lnRef>
-        <a:fillRef idx="1">
+        <a:fillRef idx="3">
           <a:scrgbClr r="0" g="0" b="0"/>
         </a:fillRef>
-        <a:effectRef idx="0">
+        <a:effectRef idx="2">
           <a:scrgbClr r="0" g="0" b="0"/>
         </a:effectRef>
         <a:fontRef idx="minor">
@@ -2117,12 +3183,12 @@
         </a:fontRef>
       </dsp:style>
       <dsp:txBody>
-        <a:bodyPr spcFirstLastPara="0" vert="horz" wrap="square" lIns="110490" tIns="110490" rIns="110490" bIns="110490" numCol="1" spcCol="1270" anchor="ctr" anchorCtr="0">
+        <a:bodyPr spcFirstLastPara="0" vert="horz" wrap="square" lIns="114300" tIns="114300" rIns="114300" bIns="114300" numCol="1" spcCol="1270" anchor="ctr" anchorCtr="0">
           <a:noAutofit/>
         </a:bodyPr>
         <a:lstStyle/>
         <a:p>
-          <a:pPr marL="0" lvl="0" indent="0" algn="ctr" defTabSz="1289050">
+          <a:pPr marL="0" lvl="0" indent="0" algn="ctr" defTabSz="1333500">
             <a:lnSpc>
               <a:spcPct val="90000"/>
             </a:lnSpc>
@@ -2135,59 +3201,71 @@
             <a:buNone/>
           </a:pPr>
           <a:r>
-            <a:rPr lang="de-DE" sz="2900" kern="1200" dirty="0">
-              <a:solidFill>
-                <a:schemeClr val="tx2"/>
-              </a:solidFill>
-            </a:rPr>
+            <a:rPr lang="de-DE" sz="3000" kern="1200" dirty="0"/>
             <a:t>Gravity</a:t>
           </a:r>
         </a:p>
       </dsp:txBody>
       <dsp:txXfrm>
-        <a:off x="1166240" y="834"/>
-        <a:ext cx="2401947" cy="1441168"/>
+        <a:off x="437604" y="3572"/>
+        <a:ext cx="2091927" cy="1255156"/>
       </dsp:txXfrm>
     </dsp:sp>
-    <dsp:sp modelId="{D09C1F29-EAEC-42DA-8A3F-2849AC0F3B64}">
+    <dsp:sp modelId="{E6BB6F03-9FB2-4A60-8FC3-8923FBA98199}">
       <dsp:nvSpPr>
         <dsp:cNvPr id="0" name=""/>
         <dsp:cNvSpPr/>
       </dsp:nvSpPr>
       <dsp:spPr>
         <a:xfrm>
-          <a:off x="3870737" y="834"/>
-          <a:ext cx="2401947" cy="1441168"/>
+          <a:off x="2738724" y="3572"/>
+          <a:ext cx="2091927" cy="1255156"/>
         </a:xfrm>
         <a:prstGeom prst="rect">
           <a:avLst/>
         </a:prstGeom>
-        <a:solidFill>
-          <a:schemeClr val="accent1">
-            <a:hueOff val="0"/>
-            <a:satOff val="0"/>
-            <a:lumOff val="0"/>
-            <a:alphaOff val="0"/>
-          </a:schemeClr>
-        </a:solidFill>
+        <a:gradFill rotWithShape="0">
+          <a:gsLst>
+            <a:gs pos="0">
+              <a:schemeClr val="accent1">
+                <a:hueOff val="0"/>
+                <a:satOff val="0"/>
+                <a:lumOff val="0"/>
+                <a:alphaOff val="0"/>
+                <a:tint val="96000"/>
+                <a:lumMod val="102000"/>
+              </a:schemeClr>
+            </a:gs>
+            <a:gs pos="100000">
+              <a:schemeClr val="accent1">
+                <a:hueOff val="0"/>
+                <a:satOff val="0"/>
+                <a:lumOff val="0"/>
+                <a:alphaOff val="0"/>
+                <a:shade val="88000"/>
+                <a:lumMod val="94000"/>
+              </a:schemeClr>
+            </a:gs>
+          </a:gsLst>
+          <a:path path="circle">
+            <a:fillToRect l="50000" t="100000" r="100000" b="50000"/>
+          </a:path>
+        </a:gradFill>
         <a:ln>
           <a:noFill/>
         </a:ln>
-        <a:effectLst/>
-        <a:sp3d extrusionH="381000" contourW="38100" prstMaterial="matte">
-          <a:contourClr>
-            <a:schemeClr val="lt1"/>
-          </a:contourClr>
-        </a:sp3d>
+        <a:effectLst>
+          <a:reflection blurRad="12700" stA="26000" endPos="32000" dist="12700" dir="5400000" sy="-100000" rotWithShape="0"/>
+        </a:effectLst>
       </dsp:spPr>
       <dsp:style>
         <a:lnRef idx="0">
           <a:scrgbClr r="0" g="0" b="0"/>
         </a:lnRef>
-        <a:fillRef idx="1">
+        <a:fillRef idx="3">
           <a:scrgbClr r="0" g="0" b="0"/>
         </a:fillRef>
-        <a:effectRef idx="0">
+        <a:effectRef idx="2">
           <a:scrgbClr r="0" g="0" b="0"/>
         </a:effectRef>
         <a:fontRef idx="minor">
@@ -2195,12 +3273,12 @@
         </a:fontRef>
       </dsp:style>
       <dsp:txBody>
-        <a:bodyPr spcFirstLastPara="0" vert="horz" wrap="square" lIns="110490" tIns="110490" rIns="110490" bIns="110490" numCol="1" spcCol="1270" anchor="ctr" anchorCtr="0">
+        <a:bodyPr spcFirstLastPara="0" vert="horz" wrap="square" lIns="114300" tIns="114300" rIns="114300" bIns="114300" numCol="1" spcCol="1270" anchor="ctr" anchorCtr="0">
           <a:noAutofit/>
         </a:bodyPr>
         <a:lstStyle/>
         <a:p>
-          <a:pPr marL="0" lvl="0" indent="0" algn="ctr" defTabSz="1289050">
+          <a:pPr marL="0" lvl="0" indent="0" algn="ctr" defTabSz="1333500">
             <a:lnSpc>
               <a:spcPct val="90000"/>
             </a:lnSpc>
@@ -2213,72 +3291,72 @@
             <a:buNone/>
           </a:pPr>
           <a:r>
-            <a:rPr lang="de-DE" sz="2900" kern="1200" dirty="0">
-              <a:solidFill>
-                <a:schemeClr val="tx2"/>
-              </a:solidFill>
-            </a:rPr>
-            <a:t>Web </a:t>
+            <a:rPr lang="de-DE" sz="3000" kern="1200" dirty="0" err="1"/>
+            <a:t>Health</a:t>
           </a:r>
-          <a:r>
-            <a:rPr lang="de-DE" sz="2900" kern="1200" dirty="0" err="1">
-              <a:solidFill>
-                <a:schemeClr val="tx2"/>
-              </a:solidFill>
-            </a:rPr>
-            <a:t>mechanics</a:t>
-          </a:r>
-          <a:endParaRPr lang="de-DE" sz="2900" kern="1200" dirty="0">
-            <a:solidFill>
-              <a:schemeClr val="tx2"/>
-            </a:solidFill>
-          </a:endParaRPr>
+          <a:endParaRPr lang="de-DE" sz="3000" kern="1200" dirty="0"/>
         </a:p>
       </dsp:txBody>
       <dsp:txXfrm>
-        <a:off x="3870737" y="834"/>
-        <a:ext cx="2401947" cy="1441168"/>
+        <a:off x="2738724" y="3572"/>
+        <a:ext cx="2091927" cy="1255156"/>
       </dsp:txXfrm>
     </dsp:sp>
-    <dsp:sp modelId="{DBC66830-3BB1-4A7D-819E-73BF2322D17A}">
+    <dsp:sp modelId="{AF97EE25-B62B-4C88-AC2D-C9F723217256}">
       <dsp:nvSpPr>
         <dsp:cNvPr id="0" name=""/>
         <dsp:cNvSpPr/>
       </dsp:nvSpPr>
       <dsp:spPr>
         <a:xfrm>
-          <a:off x="6450524" y="834"/>
-          <a:ext cx="2401947" cy="1441168"/>
+          <a:off x="5039844" y="3572"/>
+          <a:ext cx="2091927" cy="1255156"/>
         </a:xfrm>
         <a:prstGeom prst="rect">
           <a:avLst/>
         </a:prstGeom>
-        <a:solidFill>
-          <a:schemeClr val="accent1">
-            <a:hueOff val="0"/>
-            <a:satOff val="0"/>
-            <a:lumOff val="0"/>
-            <a:alphaOff val="0"/>
-          </a:schemeClr>
-        </a:solidFill>
+        <a:gradFill rotWithShape="0">
+          <a:gsLst>
+            <a:gs pos="0">
+              <a:schemeClr val="accent1">
+                <a:hueOff val="0"/>
+                <a:satOff val="0"/>
+                <a:lumOff val="0"/>
+                <a:alphaOff val="0"/>
+                <a:tint val="96000"/>
+                <a:lumMod val="102000"/>
+              </a:schemeClr>
+            </a:gs>
+            <a:gs pos="100000">
+              <a:schemeClr val="accent1">
+                <a:hueOff val="0"/>
+                <a:satOff val="0"/>
+                <a:lumOff val="0"/>
+                <a:alphaOff val="0"/>
+                <a:shade val="88000"/>
+                <a:lumMod val="94000"/>
+              </a:schemeClr>
+            </a:gs>
+          </a:gsLst>
+          <a:path path="circle">
+            <a:fillToRect l="50000" t="100000" r="100000" b="50000"/>
+          </a:path>
+        </a:gradFill>
         <a:ln>
           <a:noFill/>
         </a:ln>
-        <a:effectLst/>
-        <a:sp3d extrusionH="381000" contourW="38100" prstMaterial="matte">
-          <a:contourClr>
-            <a:schemeClr val="lt1"/>
-          </a:contourClr>
-        </a:sp3d>
+        <a:effectLst>
+          <a:reflection blurRad="12700" stA="26000" endPos="32000" dist="12700" dir="5400000" sy="-100000" rotWithShape="0"/>
+        </a:effectLst>
       </dsp:spPr>
       <dsp:style>
         <a:lnRef idx="0">
           <a:scrgbClr r="0" g="0" b="0"/>
         </a:lnRef>
-        <a:fillRef idx="1">
+        <a:fillRef idx="3">
           <a:scrgbClr r="0" g="0" b="0"/>
         </a:fillRef>
-        <a:effectRef idx="0">
+        <a:effectRef idx="2">
           <a:scrgbClr r="0" g="0" b="0"/>
         </a:effectRef>
         <a:fontRef idx="minor">
@@ -2286,12 +3364,12 @@
         </a:fontRef>
       </dsp:style>
       <dsp:txBody>
-        <a:bodyPr spcFirstLastPara="0" vert="horz" wrap="square" lIns="110490" tIns="110490" rIns="110490" bIns="110490" numCol="1" spcCol="1270" anchor="ctr" anchorCtr="0">
+        <a:bodyPr spcFirstLastPara="0" vert="horz" wrap="square" lIns="114300" tIns="114300" rIns="114300" bIns="114300" numCol="1" spcCol="1270" anchor="ctr" anchorCtr="0">
           <a:noAutofit/>
         </a:bodyPr>
         <a:lstStyle/>
         <a:p>
-          <a:pPr marL="0" lvl="0" indent="0" algn="ctr" defTabSz="1289050">
+          <a:pPr marL="0" lvl="0" indent="0" algn="ctr" defTabSz="1333500">
             <a:lnSpc>
               <a:spcPct val="90000"/>
             </a:lnSpc>
@@ -2304,96 +3382,71 @@
             <a:buNone/>
           </a:pPr>
           <a:r>
-            <a:rPr lang="de-DE" sz="2900" kern="1200" dirty="0" err="1">
-              <a:solidFill>
-                <a:schemeClr val="tx2"/>
-              </a:solidFill>
-            </a:rPr>
-            <a:t>Surfaces</a:t>
+            <a:rPr lang="de-DE" sz="3000" kern="1200" dirty="0"/>
+            <a:t>Levels</a:t>
           </a:r>
-          <a:r>
-            <a:rPr lang="de-DE" sz="2900" kern="1200" dirty="0">
-              <a:solidFill>
-                <a:schemeClr val="tx2"/>
-              </a:solidFill>
-            </a:rPr>
-            <a:t> / Block </a:t>
-          </a:r>
-          <a:r>
-            <a:rPr lang="de-DE" sz="2900" kern="1200" dirty="0" err="1">
-              <a:solidFill>
-                <a:schemeClr val="tx2"/>
-              </a:solidFill>
-            </a:rPr>
-            <a:t>based</a:t>
-          </a:r>
-          <a:r>
-            <a:rPr lang="de-DE" sz="2900" kern="1200" dirty="0">
-              <a:solidFill>
-                <a:schemeClr val="tx2"/>
-              </a:solidFill>
-            </a:rPr>
-            <a:t> </a:t>
-          </a:r>
-          <a:r>
-            <a:rPr lang="de-DE" sz="2900" kern="1200" dirty="0" err="1">
-              <a:solidFill>
-                <a:schemeClr val="tx2"/>
-              </a:solidFill>
-            </a:rPr>
-            <a:t>environment</a:t>
-          </a:r>
-          <a:endParaRPr lang="de-DE" sz="2900" kern="1200" dirty="0">
-            <a:solidFill>
-              <a:schemeClr val="tx2"/>
-            </a:solidFill>
-          </a:endParaRPr>
         </a:p>
       </dsp:txBody>
       <dsp:txXfrm>
-        <a:off x="6450524" y="834"/>
-        <a:ext cx="2401947" cy="1441168"/>
+        <a:off x="5039844" y="3572"/>
+        <a:ext cx="2091927" cy="1255156"/>
       </dsp:txXfrm>
     </dsp:sp>
-    <dsp:sp modelId="{43CEE649-CC2C-4E3B-94E9-2A65438E6E73}">
+    <dsp:sp modelId="{3D30C428-E0B2-445B-B7B5-2E4FBB303E13}">
       <dsp:nvSpPr>
         <dsp:cNvPr id="0" name=""/>
         <dsp:cNvSpPr/>
       </dsp:nvSpPr>
       <dsp:spPr>
         <a:xfrm>
-          <a:off x="2487311" y="1682197"/>
-          <a:ext cx="2401947" cy="1441168"/>
+          <a:off x="437604" y="1467921"/>
+          <a:ext cx="2091927" cy="1255156"/>
         </a:xfrm>
         <a:prstGeom prst="rect">
           <a:avLst/>
         </a:prstGeom>
-        <a:solidFill>
-          <a:schemeClr val="accent1">
-            <a:hueOff val="0"/>
-            <a:satOff val="0"/>
-            <a:lumOff val="0"/>
-            <a:alphaOff val="0"/>
-          </a:schemeClr>
-        </a:solidFill>
+        <a:gradFill rotWithShape="0">
+          <a:gsLst>
+            <a:gs pos="0">
+              <a:schemeClr val="accent1">
+                <a:hueOff val="0"/>
+                <a:satOff val="0"/>
+                <a:lumOff val="0"/>
+                <a:alphaOff val="0"/>
+                <a:tint val="96000"/>
+                <a:lumMod val="102000"/>
+              </a:schemeClr>
+            </a:gs>
+            <a:gs pos="100000">
+              <a:schemeClr val="accent1">
+                <a:hueOff val="0"/>
+                <a:satOff val="0"/>
+                <a:lumOff val="0"/>
+                <a:alphaOff val="0"/>
+                <a:shade val="88000"/>
+                <a:lumMod val="94000"/>
+              </a:schemeClr>
+            </a:gs>
+          </a:gsLst>
+          <a:path path="circle">
+            <a:fillToRect l="50000" t="100000" r="100000" b="50000"/>
+          </a:path>
+        </a:gradFill>
         <a:ln>
           <a:noFill/>
         </a:ln>
-        <a:effectLst/>
-        <a:sp3d extrusionH="381000" contourW="38100" prstMaterial="matte">
-          <a:contourClr>
-            <a:schemeClr val="lt1"/>
-          </a:contourClr>
-        </a:sp3d>
+        <a:effectLst>
+          <a:reflection blurRad="12700" stA="26000" endPos="32000" dist="12700" dir="5400000" sy="-100000" rotWithShape="0"/>
+        </a:effectLst>
       </dsp:spPr>
       <dsp:style>
         <a:lnRef idx="0">
           <a:scrgbClr r="0" g="0" b="0"/>
         </a:lnRef>
-        <a:fillRef idx="1">
+        <a:fillRef idx="3">
           <a:scrgbClr r="0" g="0" b="0"/>
         </a:fillRef>
-        <a:effectRef idx="0">
+        <a:effectRef idx="2">
           <a:scrgbClr r="0" g="0" b="0"/>
         </a:effectRef>
         <a:fontRef idx="minor">
@@ -2401,12 +3454,12 @@
         </a:fontRef>
       </dsp:style>
       <dsp:txBody>
-        <a:bodyPr spcFirstLastPara="0" vert="horz" wrap="square" lIns="110490" tIns="110490" rIns="110490" bIns="110490" numCol="1" spcCol="1270" anchor="ctr" anchorCtr="0">
+        <a:bodyPr spcFirstLastPara="0" vert="horz" wrap="square" lIns="114300" tIns="114300" rIns="114300" bIns="114300" numCol="1" spcCol="1270" anchor="ctr" anchorCtr="0">
           <a:noAutofit/>
         </a:bodyPr>
         <a:lstStyle/>
         <a:p>
-          <a:pPr marL="0" lvl="0" indent="0" algn="ctr" defTabSz="1289050">
+          <a:pPr marL="0" lvl="0" indent="0" algn="ctr" defTabSz="1333500">
             <a:lnSpc>
               <a:spcPct val="90000"/>
             </a:lnSpc>
@@ -2419,80 +3472,71 @@
             <a:buNone/>
           </a:pPr>
           <a:r>
-            <a:rPr lang="de-DE" sz="2900" kern="1200" dirty="0" err="1">
-              <a:solidFill>
-                <a:schemeClr val="tx2"/>
-              </a:solidFill>
-            </a:rPr>
-            <a:t>Fighting</a:t>
+            <a:rPr lang="de-DE" sz="3000" kern="1200" dirty="0"/>
+            <a:t>Move/Jump</a:t>
           </a:r>
-          <a:r>
-            <a:rPr lang="de-DE" sz="2900" kern="1200" dirty="0">
-              <a:solidFill>
-                <a:schemeClr val="tx2"/>
-              </a:solidFill>
-            </a:rPr>
-            <a:t> / Enemy </a:t>
-          </a:r>
-          <a:r>
-            <a:rPr lang="de-DE" sz="2900" kern="1200" dirty="0" err="1">
-              <a:solidFill>
-                <a:schemeClr val="tx2"/>
-              </a:solidFill>
-            </a:rPr>
-            <a:t>interactions</a:t>
-          </a:r>
-          <a:endParaRPr lang="de-DE" sz="2900" kern="1200" dirty="0">
-            <a:solidFill>
-              <a:schemeClr val="tx2"/>
-            </a:solidFill>
-          </a:endParaRPr>
         </a:p>
       </dsp:txBody>
       <dsp:txXfrm>
-        <a:off x="2487311" y="1682197"/>
-        <a:ext cx="2401947" cy="1441168"/>
+        <a:off x="437604" y="1467921"/>
+        <a:ext cx="2091927" cy="1255156"/>
       </dsp:txXfrm>
     </dsp:sp>
-    <dsp:sp modelId="{F8A09A73-6E3D-484B-9986-C4787DAE03E3}">
+    <dsp:sp modelId="{B05C5454-F953-421D-9F48-0DFE8B6466E8}">
       <dsp:nvSpPr>
         <dsp:cNvPr id="0" name=""/>
         <dsp:cNvSpPr/>
       </dsp:nvSpPr>
       <dsp:spPr>
         <a:xfrm>
-          <a:off x="5129453" y="1682197"/>
-          <a:ext cx="2401947" cy="1441168"/>
+          <a:off x="2738724" y="1467921"/>
+          <a:ext cx="2091927" cy="1255156"/>
         </a:xfrm>
         <a:prstGeom prst="rect">
           <a:avLst/>
         </a:prstGeom>
-        <a:solidFill>
-          <a:schemeClr val="accent1">
-            <a:hueOff val="0"/>
-            <a:satOff val="0"/>
-            <a:lumOff val="0"/>
-            <a:alphaOff val="0"/>
-          </a:schemeClr>
-        </a:solidFill>
+        <a:gradFill rotWithShape="0">
+          <a:gsLst>
+            <a:gs pos="0">
+              <a:schemeClr val="accent1">
+                <a:hueOff val="0"/>
+                <a:satOff val="0"/>
+                <a:lumOff val="0"/>
+                <a:alphaOff val="0"/>
+                <a:tint val="96000"/>
+                <a:lumMod val="102000"/>
+              </a:schemeClr>
+            </a:gs>
+            <a:gs pos="100000">
+              <a:schemeClr val="accent1">
+                <a:hueOff val="0"/>
+                <a:satOff val="0"/>
+                <a:lumOff val="0"/>
+                <a:alphaOff val="0"/>
+                <a:shade val="88000"/>
+                <a:lumMod val="94000"/>
+              </a:schemeClr>
+            </a:gs>
+          </a:gsLst>
+          <a:path path="circle">
+            <a:fillToRect l="50000" t="100000" r="100000" b="50000"/>
+          </a:path>
+        </a:gradFill>
         <a:ln>
           <a:noFill/>
         </a:ln>
-        <a:effectLst/>
-        <a:sp3d extrusionH="381000" contourW="38100" prstMaterial="matte">
-          <a:contourClr>
-            <a:schemeClr val="lt1"/>
-          </a:contourClr>
-        </a:sp3d>
+        <a:effectLst>
+          <a:reflection blurRad="12700" stA="26000" endPos="32000" dist="12700" dir="5400000" sy="-100000" rotWithShape="0"/>
+        </a:effectLst>
       </dsp:spPr>
       <dsp:style>
         <a:lnRef idx="0">
           <a:scrgbClr r="0" g="0" b="0"/>
         </a:lnRef>
-        <a:fillRef idx="1">
+        <a:fillRef idx="3">
           <a:scrgbClr r="0" g="0" b="0"/>
         </a:fillRef>
-        <a:effectRef idx="0">
+        <a:effectRef idx="2">
           <a:scrgbClr r="0" g="0" b="0"/>
         </a:effectRef>
         <a:fontRef idx="minor">
@@ -2500,12 +3544,12 @@
         </a:fontRef>
       </dsp:style>
       <dsp:txBody>
-        <a:bodyPr spcFirstLastPara="0" vert="horz" wrap="square" lIns="110490" tIns="110490" rIns="110490" bIns="110490" numCol="1" spcCol="1270" anchor="ctr" anchorCtr="0">
+        <a:bodyPr spcFirstLastPara="0" vert="horz" wrap="square" lIns="114300" tIns="114300" rIns="114300" bIns="114300" numCol="1" spcCol="1270" anchor="ctr" anchorCtr="0">
           <a:noAutofit/>
         </a:bodyPr>
         <a:lstStyle/>
         <a:p>
-          <a:pPr marL="0" lvl="0" indent="0" algn="ctr" defTabSz="1289050">
+          <a:pPr marL="0" lvl="0" indent="0" algn="ctr" defTabSz="1333500">
             <a:lnSpc>
               <a:spcPct val="90000"/>
             </a:lnSpc>
@@ -2518,39 +3562,405 @@
             <a:buNone/>
           </a:pPr>
           <a:r>
-            <a:rPr lang="de-DE" sz="2900" kern="1200" dirty="0" err="1">
-              <a:solidFill>
-                <a:schemeClr val="tx2"/>
-              </a:solidFill>
-            </a:rPr>
-            <a:t>Resource</a:t>
+            <a:rPr lang="de-DE" sz="3000" kern="1200" dirty="0" err="1"/>
+            <a:t>Shoot</a:t>
           </a:r>
           <a:r>
-            <a:rPr lang="de-DE" sz="2900" kern="1200" dirty="0">
-              <a:solidFill>
-                <a:schemeClr val="tx2"/>
-              </a:solidFill>
-            </a:rPr>
+            <a:rPr lang="de-DE" sz="3000" kern="1200" dirty="0"/>
+            <a:t> web</a:t>
+          </a:r>
+        </a:p>
+      </dsp:txBody>
+      <dsp:txXfrm>
+        <a:off x="2738724" y="1467921"/>
+        <a:ext cx="2091927" cy="1255156"/>
+      </dsp:txXfrm>
+    </dsp:sp>
+    <dsp:sp modelId="{CE651B75-9D51-4FB2-8FB5-9C2953B2E879}">
+      <dsp:nvSpPr>
+        <dsp:cNvPr id="0" name=""/>
+        <dsp:cNvSpPr/>
+      </dsp:nvSpPr>
+      <dsp:spPr>
+        <a:xfrm>
+          <a:off x="5039844" y="1467921"/>
+          <a:ext cx="2091927" cy="1255156"/>
+        </a:xfrm>
+        <a:prstGeom prst="rect">
+          <a:avLst/>
+        </a:prstGeom>
+        <a:gradFill rotWithShape="0">
+          <a:gsLst>
+            <a:gs pos="0">
+              <a:schemeClr val="accent1">
+                <a:hueOff val="0"/>
+                <a:satOff val="0"/>
+                <a:lumOff val="0"/>
+                <a:alphaOff val="0"/>
+                <a:tint val="96000"/>
+                <a:lumMod val="102000"/>
+              </a:schemeClr>
+            </a:gs>
+            <a:gs pos="100000">
+              <a:schemeClr val="accent1">
+                <a:hueOff val="0"/>
+                <a:satOff val="0"/>
+                <a:lumOff val="0"/>
+                <a:alphaOff val="0"/>
+                <a:shade val="88000"/>
+                <a:lumMod val="94000"/>
+              </a:schemeClr>
+            </a:gs>
+          </a:gsLst>
+          <a:path path="circle">
+            <a:fillToRect l="50000" t="100000" r="100000" b="50000"/>
+          </a:path>
+        </a:gradFill>
+        <a:ln>
+          <a:noFill/>
+        </a:ln>
+        <a:effectLst>
+          <a:reflection blurRad="12700" stA="26000" endPos="32000" dist="12700" dir="5400000" sy="-100000" rotWithShape="0"/>
+        </a:effectLst>
+      </dsp:spPr>
+      <dsp:style>
+        <a:lnRef idx="0">
+          <a:scrgbClr r="0" g="0" b="0"/>
+        </a:lnRef>
+        <a:fillRef idx="3">
+          <a:scrgbClr r="0" g="0" b="0"/>
+        </a:fillRef>
+        <a:effectRef idx="2">
+          <a:scrgbClr r="0" g="0" b="0"/>
+        </a:effectRef>
+        <a:fontRef idx="minor">
+          <a:schemeClr val="lt1"/>
+        </a:fontRef>
+      </dsp:style>
+      <dsp:txBody>
+        <a:bodyPr spcFirstLastPara="0" vert="horz" wrap="square" lIns="114300" tIns="114300" rIns="114300" bIns="114300" numCol="1" spcCol="1270" anchor="ctr" anchorCtr="0">
+          <a:noAutofit/>
+        </a:bodyPr>
+        <a:lstStyle/>
+        <a:p>
+          <a:pPr marL="0" lvl="0" indent="0" algn="ctr" defTabSz="1333500">
+            <a:lnSpc>
+              <a:spcPct val="90000"/>
+            </a:lnSpc>
+            <a:spcBef>
+              <a:spcPct val="0"/>
+            </a:spcBef>
+            <a:spcAft>
+              <a:spcPct val="35000"/>
+            </a:spcAft>
+            <a:buNone/>
+          </a:pPr>
+          <a:r>
+            <a:rPr lang="de-DE" sz="3000" kern="1200" dirty="0" err="1"/>
+            <a:t>Collect</a:t>
+          </a:r>
+          <a:r>
+            <a:rPr lang="de-DE" sz="3000" kern="1200" dirty="0"/>
+            <a:t> web/</a:t>
+          </a:r>
+          <a:r>
+            <a:rPr lang="de-DE" sz="3000" kern="1200" dirty="0" err="1"/>
+            <a:t>coins</a:t>
+          </a:r>
+          <a:endParaRPr lang="de-DE" sz="3000" kern="1200" dirty="0"/>
+        </a:p>
+      </dsp:txBody>
+      <dsp:txXfrm>
+        <a:off x="5039844" y="1467921"/>
+        <a:ext cx="2091927" cy="1255156"/>
+      </dsp:txXfrm>
+    </dsp:sp>
+    <dsp:sp modelId="{1DF979C8-03EE-45B7-BED9-4E0E1319A28C}">
+      <dsp:nvSpPr>
+        <dsp:cNvPr id="0" name=""/>
+        <dsp:cNvSpPr/>
+      </dsp:nvSpPr>
+      <dsp:spPr>
+        <a:xfrm>
+          <a:off x="437604" y="2932270"/>
+          <a:ext cx="2091927" cy="1255156"/>
+        </a:xfrm>
+        <a:prstGeom prst="rect">
+          <a:avLst/>
+        </a:prstGeom>
+        <a:gradFill rotWithShape="0">
+          <a:gsLst>
+            <a:gs pos="0">
+              <a:schemeClr val="accent1">
+                <a:hueOff val="0"/>
+                <a:satOff val="0"/>
+                <a:lumOff val="0"/>
+                <a:alphaOff val="0"/>
+                <a:tint val="96000"/>
+                <a:lumMod val="102000"/>
+              </a:schemeClr>
+            </a:gs>
+            <a:gs pos="100000">
+              <a:schemeClr val="accent1">
+                <a:hueOff val="0"/>
+                <a:satOff val="0"/>
+                <a:lumOff val="0"/>
+                <a:alphaOff val="0"/>
+                <a:shade val="88000"/>
+                <a:lumMod val="94000"/>
+              </a:schemeClr>
+            </a:gs>
+          </a:gsLst>
+          <a:path path="circle">
+            <a:fillToRect l="50000" t="100000" r="100000" b="50000"/>
+          </a:path>
+        </a:gradFill>
+        <a:ln>
+          <a:noFill/>
+        </a:ln>
+        <a:effectLst>
+          <a:reflection blurRad="12700" stA="26000" endPos="32000" dist="12700" dir="5400000" sy="-100000" rotWithShape="0"/>
+        </a:effectLst>
+      </dsp:spPr>
+      <dsp:style>
+        <a:lnRef idx="0">
+          <a:scrgbClr r="0" g="0" b="0"/>
+        </a:lnRef>
+        <a:fillRef idx="3">
+          <a:scrgbClr r="0" g="0" b="0"/>
+        </a:fillRef>
+        <a:effectRef idx="2">
+          <a:scrgbClr r="0" g="0" b="0"/>
+        </a:effectRef>
+        <a:fontRef idx="minor">
+          <a:schemeClr val="lt1"/>
+        </a:fontRef>
+      </dsp:style>
+      <dsp:txBody>
+        <a:bodyPr spcFirstLastPara="0" vert="horz" wrap="square" lIns="114300" tIns="114300" rIns="114300" bIns="114300" numCol="1" spcCol="1270" anchor="ctr" anchorCtr="0">
+          <a:noAutofit/>
+        </a:bodyPr>
+        <a:lstStyle/>
+        <a:p>
+          <a:pPr marL="0" lvl="0" indent="0" algn="ctr" defTabSz="1333500">
+            <a:lnSpc>
+              <a:spcPct val="90000"/>
+            </a:lnSpc>
+            <a:spcBef>
+              <a:spcPct val="0"/>
+            </a:spcBef>
+            <a:spcAft>
+              <a:spcPct val="35000"/>
+            </a:spcAft>
+            <a:buNone/>
+          </a:pPr>
+          <a:r>
+            <a:rPr lang="de-DE" sz="3000" kern="1200" dirty="0"/>
+            <a:t>Score</a:t>
+          </a:r>
+        </a:p>
+      </dsp:txBody>
+      <dsp:txXfrm>
+        <a:off x="437604" y="2932270"/>
+        <a:ext cx="2091927" cy="1255156"/>
+      </dsp:txXfrm>
+    </dsp:sp>
+    <dsp:sp modelId="{A11084D6-9B67-47A4-9B89-B6894F8921BF}">
+      <dsp:nvSpPr>
+        <dsp:cNvPr id="0" name=""/>
+        <dsp:cNvSpPr/>
+      </dsp:nvSpPr>
+      <dsp:spPr>
+        <a:xfrm>
+          <a:off x="2738724" y="2932270"/>
+          <a:ext cx="2091927" cy="1255156"/>
+        </a:xfrm>
+        <a:prstGeom prst="rect">
+          <a:avLst/>
+        </a:prstGeom>
+        <a:gradFill rotWithShape="0">
+          <a:gsLst>
+            <a:gs pos="0">
+              <a:schemeClr val="accent1">
+                <a:hueOff val="0"/>
+                <a:satOff val="0"/>
+                <a:lumOff val="0"/>
+                <a:alphaOff val="0"/>
+                <a:tint val="96000"/>
+                <a:lumMod val="102000"/>
+              </a:schemeClr>
+            </a:gs>
+            <a:gs pos="100000">
+              <a:schemeClr val="accent1">
+                <a:hueOff val="0"/>
+                <a:satOff val="0"/>
+                <a:lumOff val="0"/>
+                <a:alphaOff val="0"/>
+                <a:shade val="88000"/>
+                <a:lumMod val="94000"/>
+              </a:schemeClr>
+            </a:gs>
+          </a:gsLst>
+          <a:path path="circle">
+            <a:fillToRect l="50000" t="100000" r="100000" b="50000"/>
+          </a:path>
+        </a:gradFill>
+        <a:ln>
+          <a:noFill/>
+        </a:ln>
+        <a:effectLst>
+          <a:reflection blurRad="12700" stA="26000" endPos="32000" dist="12700" dir="5400000" sy="-100000" rotWithShape="0"/>
+        </a:effectLst>
+      </dsp:spPr>
+      <dsp:style>
+        <a:lnRef idx="0">
+          <a:scrgbClr r="0" g="0" b="0"/>
+        </a:lnRef>
+        <a:fillRef idx="3">
+          <a:scrgbClr r="0" g="0" b="0"/>
+        </a:fillRef>
+        <a:effectRef idx="2">
+          <a:scrgbClr r="0" g="0" b="0"/>
+        </a:effectRef>
+        <a:fontRef idx="minor">
+          <a:schemeClr val="lt1"/>
+        </a:fontRef>
+      </dsp:style>
+      <dsp:txBody>
+        <a:bodyPr spcFirstLastPara="0" vert="horz" wrap="square" lIns="114300" tIns="114300" rIns="114300" bIns="114300" numCol="1" spcCol="1270" anchor="ctr" anchorCtr="0">
+          <a:noAutofit/>
+        </a:bodyPr>
+        <a:lstStyle/>
+        <a:p>
+          <a:pPr marL="0" lvl="0" indent="0" algn="ctr" defTabSz="1333500">
+            <a:lnSpc>
+              <a:spcPct val="90000"/>
+            </a:lnSpc>
+            <a:spcBef>
+              <a:spcPct val="0"/>
+            </a:spcBef>
+            <a:spcAft>
+              <a:spcPct val="35000"/>
+            </a:spcAft>
+            <a:buNone/>
+          </a:pPr>
+          <a:r>
+            <a:rPr lang="de-DE" sz="3000" kern="1200" dirty="0" err="1"/>
+            <a:t>Shoot</a:t>
+          </a:r>
+          <a:r>
+            <a:rPr lang="de-DE" sz="3000" kern="1200" dirty="0"/>
+            <a:t>/</a:t>
+          </a:r>
+          <a:r>
+            <a:rPr lang="de-DE" sz="3000" kern="1200" dirty="0" err="1"/>
+            <a:t>stun</a:t>
+          </a:r>
+          <a:r>
+            <a:rPr lang="de-DE" sz="3000" kern="1200" dirty="0"/>
             <a:t> </a:t>
           </a:r>
           <a:r>
-            <a:rPr lang="de-DE" sz="2900" kern="1200" dirty="0" err="1">
-              <a:solidFill>
-                <a:schemeClr val="tx2"/>
-              </a:solidFill>
-            </a:rPr>
-            <a:t>based</a:t>
+            <a:rPr lang="de-DE" sz="3000" kern="1200" dirty="0" err="1"/>
+            <a:t>enemies</a:t>
           </a:r>
-          <a:endParaRPr lang="de-DE" sz="2900" kern="1200" dirty="0">
-            <a:solidFill>
-              <a:schemeClr val="tx2"/>
-            </a:solidFill>
-          </a:endParaRPr>
+          <a:endParaRPr lang="de-DE" sz="3000" kern="1200" dirty="0"/>
         </a:p>
       </dsp:txBody>
       <dsp:txXfrm>
-        <a:off x="5129453" y="1682197"/>
-        <a:ext cx="2401947" cy="1441168"/>
+        <a:off x="2738724" y="2932270"/>
+        <a:ext cx="2091927" cy="1255156"/>
+      </dsp:txXfrm>
+    </dsp:sp>
+    <dsp:sp modelId="{68582279-82D2-44C4-AA4D-0275D6612872}">
+      <dsp:nvSpPr>
+        <dsp:cNvPr id="0" name=""/>
+        <dsp:cNvSpPr/>
+      </dsp:nvSpPr>
+      <dsp:spPr>
+        <a:xfrm>
+          <a:off x="5039844" y="2932270"/>
+          <a:ext cx="2091927" cy="1255156"/>
+        </a:xfrm>
+        <a:prstGeom prst="rect">
+          <a:avLst/>
+        </a:prstGeom>
+        <a:gradFill rotWithShape="0">
+          <a:gsLst>
+            <a:gs pos="0">
+              <a:schemeClr val="accent1">
+                <a:hueOff val="0"/>
+                <a:satOff val="0"/>
+                <a:lumOff val="0"/>
+                <a:alphaOff val="0"/>
+                <a:tint val="96000"/>
+                <a:lumMod val="102000"/>
+              </a:schemeClr>
+            </a:gs>
+            <a:gs pos="100000">
+              <a:schemeClr val="accent1">
+                <a:hueOff val="0"/>
+                <a:satOff val="0"/>
+                <a:lumOff val="0"/>
+                <a:alphaOff val="0"/>
+                <a:shade val="88000"/>
+                <a:lumMod val="94000"/>
+              </a:schemeClr>
+            </a:gs>
+          </a:gsLst>
+          <a:path path="circle">
+            <a:fillToRect l="50000" t="100000" r="100000" b="50000"/>
+          </a:path>
+        </a:gradFill>
+        <a:ln>
+          <a:noFill/>
+        </a:ln>
+        <a:effectLst>
+          <a:reflection blurRad="12700" stA="26000" endPos="32000" dist="12700" dir="5400000" sy="-100000" rotWithShape="0"/>
+        </a:effectLst>
+      </dsp:spPr>
+      <dsp:style>
+        <a:lnRef idx="0">
+          <a:scrgbClr r="0" g="0" b="0"/>
+        </a:lnRef>
+        <a:fillRef idx="3">
+          <a:scrgbClr r="0" g="0" b="0"/>
+        </a:fillRef>
+        <a:effectRef idx="2">
+          <a:scrgbClr r="0" g="0" b="0"/>
+        </a:effectRef>
+        <a:fontRef idx="minor">
+          <a:schemeClr val="lt1"/>
+        </a:fontRef>
+      </dsp:style>
+      <dsp:txBody>
+        <a:bodyPr spcFirstLastPara="0" vert="horz" wrap="square" lIns="114300" tIns="114300" rIns="114300" bIns="114300" numCol="1" spcCol="1270" anchor="ctr" anchorCtr="0">
+          <a:noAutofit/>
+        </a:bodyPr>
+        <a:lstStyle/>
+        <a:p>
+          <a:pPr marL="0" lvl="0" indent="0" algn="ctr" defTabSz="1333500">
+            <a:lnSpc>
+              <a:spcPct val="90000"/>
+            </a:lnSpc>
+            <a:spcBef>
+              <a:spcPct val="0"/>
+            </a:spcBef>
+            <a:spcAft>
+              <a:spcPct val="35000"/>
+            </a:spcAft>
+            <a:buNone/>
+          </a:pPr>
+          <a:r>
+            <a:rPr lang="de-DE" sz="3000" kern="1200" dirty="0" err="1"/>
+            <a:t>Knockback</a:t>
+          </a:r>
+          <a:endParaRPr lang="de-DE" sz="3000" kern="1200" dirty="0"/>
+        </a:p>
+      </dsp:txBody>
+      <dsp:txXfrm>
+        <a:off x="5039844" y="2932270"/>
+        <a:ext cx="2091927" cy="1255156"/>
       </dsp:txXfrm>
     </dsp:sp>
   </dsp:spTree>
@@ -2558,12 +3968,12 @@
 </file>
 
 <file path=ppt/diagrams/layout1.xml><?xml version="1.0" encoding="utf-8"?>
-<dgm:layoutDef xmlns:dgm="http://schemas.openxmlformats.org/drawingml/2006/diagram" xmlns:a="http://schemas.openxmlformats.org/drawingml/2006/main" uniqueId="urn:microsoft.com/office/officeart/2005/8/layout/hList1">
+<dgm:layoutDef xmlns:dgm="http://schemas.openxmlformats.org/drawingml/2006/diagram" xmlns:a="http://schemas.openxmlformats.org/drawingml/2006/main" uniqueId="urn:microsoft.com/office/officeart/2005/8/layout/vList2">
   <dgm:title val=""/>
   <dgm:desc val=""/>
   <dgm:catLst>
-    <dgm:cat type="list" pri="5000"/>
-    <dgm:cat type="convert" pri="5000"/>
+    <dgm:cat type="list" pri="3000"/>
+    <dgm:cat type="convert" pri="1000"/>
   </dgm:catLst>
   <dgm:sampData>
     <dgm:dataModel>
@@ -2575,38 +3985,18 @@
         <dgm:pt modelId="11">
           <dgm:prSet phldr="1"/>
         </dgm:pt>
-        <dgm:pt modelId="12">
-          <dgm:prSet phldr="1"/>
-        </dgm:pt>
         <dgm:pt modelId="2">
           <dgm:prSet phldr="1"/>
         </dgm:pt>
         <dgm:pt modelId="21">
           <dgm:prSet phldr="1"/>
         </dgm:pt>
-        <dgm:pt modelId="22">
-          <dgm:prSet phldr="1"/>
-        </dgm:pt>
-        <dgm:pt modelId="3">
-          <dgm:prSet phldr="1"/>
-        </dgm:pt>
-        <dgm:pt modelId="31">
-          <dgm:prSet phldr="1"/>
-        </dgm:pt>
-        <dgm:pt modelId="32">
-          <dgm:prSet phldr="1"/>
-        </dgm:pt>
       </dgm:ptLst>
       <dgm:cxnLst>
         <dgm:cxn modelId="4" srcId="0" destId="1" srcOrd="0" destOrd="0"/>
         <dgm:cxn modelId="5" srcId="0" destId="2" srcOrd="1" destOrd="0"/>
-        <dgm:cxn modelId="6" srcId="0" destId="3" srcOrd="2" destOrd="0"/>
-        <dgm:cxn modelId="13" srcId="1" destId="11" srcOrd="0" destOrd="0"/>
-        <dgm:cxn modelId="14" srcId="1" destId="12" srcOrd="1" destOrd="0"/>
+        <dgm:cxn modelId="12" srcId="1" destId="11" srcOrd="0" destOrd="0"/>
         <dgm:cxn modelId="23" srcId="2" destId="21" srcOrd="0" destOrd="0"/>
-        <dgm:cxn modelId="24" srcId="2" destId="22" srcOrd="1" destOrd="0"/>
-        <dgm:cxn modelId="33" srcId="3" destId="31" srcOrd="0" destOrd="0"/>
-        <dgm:cxn modelId="34" srcId="3" destId="32" srcOrd="1" destOrd="0"/>
       </dgm:cxnLst>
       <dgm:bg/>
       <dgm:whole/>
@@ -2616,12 +4006,8 @@
     <dgm:dataModel>
       <dgm:ptLst>
         <dgm:pt modelId="0" type="doc"/>
-        <dgm:pt modelId="1">
-          <dgm:prSet phldr="1"/>
-        </dgm:pt>
-        <dgm:pt modelId="2">
-          <dgm:prSet phldr="1"/>
-        </dgm:pt>
+        <dgm:pt modelId="1"/>
+        <dgm:pt modelId="2"/>
       </dgm:ptLst>
       <dgm:cxnLst>
         <dgm:cxn modelId="3" srcId="0" destId="1" srcOrd="0" destOrd="0"/>
@@ -2635,18 +4021,10 @@
     <dgm:dataModel>
       <dgm:ptLst>
         <dgm:pt modelId="0" type="doc"/>
-        <dgm:pt modelId="1">
-          <dgm:prSet phldr="1"/>
-        </dgm:pt>
-        <dgm:pt modelId="2">
-          <dgm:prSet phldr="1"/>
-        </dgm:pt>
-        <dgm:pt modelId="3">
-          <dgm:prSet phldr="1"/>
-        </dgm:pt>
-        <dgm:pt modelId="4">
-          <dgm:prSet phldr="1"/>
-        </dgm:pt>
+        <dgm:pt modelId="1"/>
+        <dgm:pt modelId="2"/>
+        <dgm:pt modelId="3"/>
+        <dgm:pt modelId="4"/>
       </dgm:ptLst>
       <dgm:cxnLst>
         <dgm:cxn modelId="5" srcId="0" destId="1" srcOrd="0" destOrd="0"/>
@@ -2658,117 +4036,99 @@
       <dgm:whole/>
     </dgm:dataModel>
   </dgm:clrData>
-  <dgm:layoutNode name="Name0">
+  <dgm:layoutNode name="linear">
     <dgm:varLst>
-      <dgm:dir/>
       <dgm:animLvl val="lvl"/>
       <dgm:resizeHandles val="exact"/>
     </dgm:varLst>
-    <dgm:choose name="Name1">
-      <dgm:if name="Name2" func="var" arg="dir" op="equ" val="norm">
-        <dgm:alg type="lin"/>
-      </dgm:if>
-      <dgm:else name="Name3">
-        <dgm:alg type="lin">
-          <dgm:param type="linDir" val="fromR"/>
-        </dgm:alg>
-      </dgm:else>
-    </dgm:choose>
+    <dgm:alg type="lin">
+      <dgm:param type="linDir" val="fromT"/>
+      <dgm:param type="vertAlign" val="mid"/>
+    </dgm:alg>
     <dgm:shape xmlns:r="http://schemas.openxmlformats.org/officeDocument/2006/relationships" r:blip="">
       <dgm:adjLst/>
     </dgm:shape>
     <dgm:presOf/>
     <dgm:constrLst>
-      <dgm:constr type="h" for="ch" forName="composite" refType="h"/>
-      <dgm:constr type="w" for="ch" forName="composite" refType="w"/>
-      <dgm:constr type="w" for="des" forName="parTx"/>
-      <dgm:constr type="h" for="des" forName="parTx" op="equ"/>
-      <dgm:constr type="w" for="des" forName="desTx"/>
-      <dgm:constr type="h" for="des" forName="desTx" op="equ"/>
-      <dgm:constr type="primFontSz" for="des" forName="parTx" val="65"/>
-      <dgm:constr type="secFontSz" for="des" forName="desTx" refType="primFontSz" refFor="des" refForName="parTx" op="equ"/>
-      <dgm:constr type="h" for="des" forName="parTx" refType="primFontSz" refFor="des" refForName="parTx" fact="0.8"/>
-      <dgm:constr type="h" for="des" forName="desTx" refType="primFontSz" refFor="des" refForName="parTx" fact="1.22"/>
-      <dgm:constr type="w" for="ch" forName="space" refType="w" refFor="ch" refForName="composite" op="equ" fact="0.14"/>
+      <dgm:constr type="w" for="ch" forName="parentText" refType="w"/>
+      <dgm:constr type="h" for="ch" forName="parentText" refType="primFontSz" refFor="ch" refForName="parentText" fact="0.52"/>
+      <dgm:constr type="w" for="ch" forName="childText" refType="w"/>
+      <dgm:constr type="h" for="ch" forName="childText" refType="primFontSz" refFor="ch" refForName="parentText" fact="0.46"/>
+      <dgm:constr type="h" for="ch" forName="parentText" op="equ"/>
+      <dgm:constr type="primFontSz" for="ch" forName="parentText" op="equ" val="65"/>
+      <dgm:constr type="primFontSz" for="ch" forName="childText" refType="primFontSz" refFor="ch" refForName="parentText" op="equ"/>
+      <dgm:constr type="h" for="ch" forName="spacer" refType="primFontSz" refFor="ch" refForName="parentText" fact="0.08"/>
     </dgm:constrLst>
     <dgm:ruleLst>
-      <dgm:rule type="w" for="ch" forName="composite" val="0" fact="NaN" max="NaN"/>
-      <dgm:rule type="primFontSz" for="des" forName="parTx" val="5" fact="NaN" max="NaN"/>
+      <dgm:rule type="primFontSz" for="ch" forName="parentText" val="5" fact="NaN" max="NaN"/>
     </dgm:ruleLst>
-    <dgm:forEach name="Name4" axis="ch" ptType="node">
-      <dgm:layoutNode name="composite">
-        <dgm:alg type="composite"/>
-        <dgm:shape xmlns:r="http://schemas.openxmlformats.org/officeDocument/2006/relationships" r:blip="">
+    <dgm:forEach name="Name0" axis="ch" ptType="node">
+      <dgm:layoutNode name="parentText" styleLbl="node1">
+        <dgm:varLst>
+          <dgm:chMax val="0"/>
+          <dgm:bulletEnabled val="1"/>
+        </dgm:varLst>
+        <dgm:alg type="tx">
+          <dgm:param type="parTxLTRAlign" val="l"/>
+          <dgm:param type="parTxRTLAlign" val="r"/>
+        </dgm:alg>
+        <dgm:shape xmlns:r="http://schemas.openxmlformats.org/officeDocument/2006/relationships" type="roundRect" r:blip="">
           <dgm:adjLst/>
         </dgm:shape>
-        <dgm:presOf/>
+        <dgm:presOf axis="self"/>
         <dgm:constrLst>
-          <dgm:constr type="l" for="ch" forName="parTx"/>
-          <dgm:constr type="w" for="ch" forName="parTx" refType="w"/>
-          <dgm:constr type="t" for="ch" forName="parTx"/>
-          <dgm:constr type="l" for="ch" forName="desTx"/>
-          <dgm:constr type="w" for="ch" forName="desTx" refType="w" refFor="ch" refForName="parTx"/>
-          <dgm:constr type="t" for="ch" forName="desTx" refType="h" refFor="ch" refForName="parTx"/>
+          <dgm:constr type="tMarg" refType="primFontSz" fact="0.3"/>
+          <dgm:constr type="bMarg" refType="primFontSz" fact="0.3"/>
+          <dgm:constr type="lMarg" refType="primFontSz" fact="0.3"/>
+          <dgm:constr type="rMarg" refType="primFontSz" fact="0.3"/>
         </dgm:constrLst>
         <dgm:ruleLst>
           <dgm:rule type="h" val="INF" fact="NaN" max="NaN"/>
         </dgm:ruleLst>
-        <dgm:layoutNode name="parTx" styleLbl="alignNode1">
-          <dgm:varLst>
-            <dgm:chMax val="0"/>
-            <dgm:chPref val="0"/>
-            <dgm:bulletEnabled val="1"/>
-          </dgm:varLst>
-          <dgm:alg type="tx"/>
-          <dgm:shape xmlns:r="http://schemas.openxmlformats.org/officeDocument/2006/relationships" type="rect" r:blip="">
-            <dgm:adjLst/>
-          </dgm:shape>
-          <dgm:presOf axis="self" ptType="node"/>
-          <dgm:constrLst>
-            <dgm:constr type="h" refType="w" op="lte" fact="0.4"/>
-            <dgm:constr type="h"/>
-            <dgm:constr type="tMarg" refType="primFontSz" fact="0.32"/>
-            <dgm:constr type="bMarg" refType="primFontSz" fact="0.32"/>
-          </dgm:constrLst>
-          <dgm:ruleLst>
-            <dgm:rule type="h" val="INF" fact="NaN" max="NaN"/>
-          </dgm:ruleLst>
-        </dgm:layoutNode>
-        <dgm:layoutNode name="desTx" styleLbl="alignAccFollowNode1">
-          <dgm:varLst>
-            <dgm:bulletEnabled val="1"/>
-          </dgm:varLst>
-          <dgm:alg type="tx">
-            <dgm:param type="stBulletLvl" val="1"/>
-          </dgm:alg>
-          <dgm:shape xmlns:r="http://schemas.openxmlformats.org/officeDocument/2006/relationships" type="rect" r:blip="">
-            <dgm:adjLst/>
-          </dgm:shape>
-          <dgm:presOf axis="des" ptType="node"/>
-          <dgm:constrLst>
-            <dgm:constr type="secFontSz" val="65"/>
-            <dgm:constr type="primFontSz" refType="secFontSz"/>
-            <dgm:constr type="h"/>
-            <dgm:constr type="lMarg" refType="primFontSz" fact="0.42"/>
-            <dgm:constr type="tMarg" refType="primFontSz" fact="0.42"/>
-            <dgm:constr type="bMarg" refType="primFontSz" fact="0.63"/>
-          </dgm:constrLst>
-          <dgm:ruleLst>
-            <dgm:rule type="h" val="INF" fact="NaN" max="NaN"/>
-          </dgm:ruleLst>
-        </dgm:layoutNode>
       </dgm:layoutNode>
-      <dgm:forEach name="Name5" axis="followSib" ptType="sibTrans" cnt="1">
-        <dgm:layoutNode name="space">
-          <dgm:alg type="sp"/>
-          <dgm:shape xmlns:r="http://schemas.openxmlformats.org/officeDocument/2006/relationships" r:blip="">
-            <dgm:adjLst/>
-          </dgm:shape>
-          <dgm:presOf/>
-          <dgm:constrLst/>
-          <dgm:ruleLst/>
-        </dgm:layoutNode>
-      </dgm:forEach>
+      <dgm:choose name="Name1">
+        <dgm:if name="Name2" axis="ch" ptType="node" func="cnt" op="gte" val="1">
+          <dgm:layoutNode name="childText" styleLbl="revTx">
+            <dgm:varLst>
+              <dgm:bulletEnabled val="1"/>
+            </dgm:varLst>
+            <dgm:alg type="tx">
+              <dgm:param type="stBulletLvl" val="1"/>
+              <dgm:param type="lnSpAfChP" val="20"/>
+            </dgm:alg>
+            <dgm:shape xmlns:r="http://schemas.openxmlformats.org/officeDocument/2006/relationships" type="rect" r:blip="">
+              <dgm:adjLst/>
+            </dgm:shape>
+            <dgm:presOf axis="des" ptType="node"/>
+            <dgm:constrLst>
+              <dgm:constr type="tMarg" refType="primFontSz" fact="0.1"/>
+              <dgm:constr type="bMarg" refType="primFontSz" fact="0.1"/>
+              <dgm:constr type="lMarg" refType="w" fact="0.09"/>
+            </dgm:constrLst>
+            <dgm:ruleLst>
+              <dgm:rule type="h" val="INF" fact="NaN" max="NaN"/>
+            </dgm:ruleLst>
+          </dgm:layoutNode>
+        </dgm:if>
+        <dgm:else name="Name3">
+          <dgm:choose name="Name4">
+            <dgm:if name="Name5" axis="par ch" ptType="doc node" func="cnt" op="gte" val="2">
+              <dgm:forEach name="Name6" axis="followSib" ptType="sibTrans" cnt="1">
+                <dgm:layoutNode name="spacer">
+                  <dgm:alg type="sp"/>
+                  <dgm:shape xmlns:r="http://schemas.openxmlformats.org/officeDocument/2006/relationships" r:blip="">
+                    <dgm:adjLst/>
+                  </dgm:shape>
+                  <dgm:presOf/>
+                  <dgm:constrLst/>
+                  <dgm:ruleLst/>
+                </dgm:layoutNode>
+              </dgm:forEach>
+            </dgm:if>
+            <dgm:else name="Name7"/>
+          </dgm:choose>
+        </dgm:else>
+      </dgm:choose>
     </dgm:forEach>
   </dgm:layoutNode>
 </dgm:layoutDef>
@@ -2922,35 +4282,31 @@
 </file>
 
 <file path=ppt/diagrams/quickStyle1.xml><?xml version="1.0" encoding="utf-8"?>
-<dgm:styleDef xmlns:dgm="http://schemas.openxmlformats.org/drawingml/2006/diagram" xmlns:a="http://schemas.openxmlformats.org/drawingml/2006/main" uniqueId="urn:microsoft.com/office/officeart/2005/8/quickstyle/3d5">
+<dgm:styleDef xmlns:dgm="http://schemas.openxmlformats.org/drawingml/2006/diagram" xmlns:a="http://schemas.openxmlformats.org/drawingml/2006/main" uniqueId="urn:microsoft.com/office/officeart/2005/8/quickstyle/simple4">
   <dgm:title val=""/>
   <dgm:desc val=""/>
   <dgm:catLst>
-    <dgm:cat type="3D" pri="11500"/>
+    <dgm:cat type="simple" pri="10400"/>
   </dgm:catLst>
   <dgm:scene3d>
-    <a:camera prst="isometricOffAxis2Left" zoom="95000"/>
-    <a:lightRig rig="flat" dir="t"/>
+    <a:camera prst="orthographicFront"/>
+    <a:lightRig rig="threePt" dir="t"/>
   </dgm:scene3d>
   <dgm:styleLbl name="node0">
     <dgm:scene3d>
       <a:camera prst="orthographicFront"/>
       <a:lightRig rig="threePt" dir="t"/>
     </dgm:scene3d>
-    <dgm:sp3d extrusionH="381000" contourW="38100" prstMaterial="matte">
-      <a:contourClr>
-        <a:schemeClr val="lt1"/>
-      </a:contourClr>
-    </dgm:sp3d>
+    <dgm:sp3d/>
     <dgm:txPr/>
     <dgm:style>
       <a:lnRef idx="0">
         <a:scrgbClr r="0" g="0" b="0"/>
       </a:lnRef>
-      <a:fillRef idx="1">
+      <a:fillRef idx="3">
         <a:scrgbClr r="0" g="0" b="0"/>
       </a:fillRef>
-      <a:effectRef idx="0">
+      <a:effectRef idx="2">
         <a:scrgbClr r="0" g="0" b="0"/>
       </a:effectRef>
       <a:fontRef idx="minor">
@@ -2963,20 +4319,16 @@
       <a:camera prst="orthographicFront"/>
       <a:lightRig rig="threePt" dir="t"/>
     </dgm:scene3d>
-    <dgm:sp3d extrusionH="381000" contourW="38100" prstMaterial="matte">
-      <a:contourClr>
-        <a:schemeClr val="lt1"/>
-      </a:contourClr>
-    </dgm:sp3d>
+    <dgm:sp3d/>
     <dgm:txPr/>
     <dgm:style>
-      <a:lnRef idx="0">
+      <a:lnRef idx="1">
         <a:scrgbClr r="0" g="0" b="0"/>
       </a:lnRef>
-      <a:fillRef idx="1">
+      <a:fillRef idx="3">
         <a:scrgbClr r="0" g="0" b="0"/>
       </a:fillRef>
-      <a:effectRef idx="0">
+      <a:effectRef idx="2">
         <a:scrgbClr r="0" g="0" b="0"/>
       </a:effectRef>
       <a:fontRef idx="minor">
@@ -2989,17 +4341,13 @@
       <a:camera prst="orthographicFront"/>
       <a:lightRig rig="threePt" dir="t"/>
     </dgm:scene3d>
-    <dgm:sp3d extrusionH="381000" contourW="38100" prstMaterial="matte">
-      <a:contourClr>
-        <a:schemeClr val="lt1"/>
-      </a:contourClr>
-    </dgm:sp3d>
+    <dgm:sp3d/>
     <dgm:txPr/>
     <dgm:style>
       <a:lnRef idx="0">
         <a:scrgbClr r="0" g="0" b="0"/>
       </a:lnRef>
-      <a:fillRef idx="1">
+      <a:fillRef idx="3">
         <a:scrgbClr r="0" g="0" b="0"/>
       </a:fillRef>
       <a:effectRef idx="0">
@@ -3015,20 +4363,16 @@
       <a:camera prst="orthographicFront"/>
       <a:lightRig rig="threePt" dir="t"/>
     </dgm:scene3d>
-    <dgm:sp3d extrusionH="381000" contourW="38100" prstMaterial="matte">
-      <a:contourClr>
-        <a:schemeClr val="lt1"/>
-      </a:contourClr>
-    </dgm:sp3d>
+    <dgm:sp3d/>
     <dgm:txPr/>
     <dgm:style>
       <a:lnRef idx="1">
         <a:scrgbClr r="0" g="0" b="0"/>
       </a:lnRef>
-      <a:fillRef idx="1">
+      <a:fillRef idx="3">
         <a:scrgbClr r="0" g="0" b="0"/>
       </a:fillRef>
-      <a:effectRef idx="0">
+      <a:effectRef idx="2">
         <a:scrgbClr r="0" g="0" b="0"/>
       </a:effectRef>
       <a:fontRef idx="minor">
@@ -3041,20 +4385,16 @@
       <a:camera prst="orthographicFront"/>
       <a:lightRig rig="threePt" dir="t"/>
     </dgm:scene3d>
-    <dgm:sp3d extrusionH="381000" contourW="38100" prstMaterial="matte">
-      <a:contourClr>
-        <a:schemeClr val="lt1"/>
-      </a:contourClr>
-    </dgm:sp3d>
+    <dgm:sp3d/>
     <dgm:txPr/>
     <dgm:style>
       <a:lnRef idx="0">
         <a:scrgbClr r="0" g="0" b="0"/>
       </a:lnRef>
-      <a:fillRef idx="1">
+      <a:fillRef idx="3">
         <a:scrgbClr r="0" g="0" b="0"/>
       </a:fillRef>
-      <a:effectRef idx="0">
+      <a:effectRef idx="2">
         <a:scrgbClr r="0" g="0" b="0"/>
       </a:effectRef>
       <a:fontRef idx="minor">
@@ -3067,20 +4407,16 @@
       <a:camera prst="orthographicFront"/>
       <a:lightRig rig="threePt" dir="t"/>
     </dgm:scene3d>
-    <dgm:sp3d extrusionH="381000" contourW="38100" prstMaterial="matte">
-      <a:contourClr>
-        <a:schemeClr val="lt1"/>
-      </a:contourClr>
-    </dgm:sp3d>
+    <dgm:sp3d/>
     <dgm:txPr/>
     <dgm:style>
       <a:lnRef idx="0">
         <a:scrgbClr r="0" g="0" b="0"/>
       </a:lnRef>
-      <a:fillRef idx="1">
+      <a:fillRef idx="3">
         <a:scrgbClr r="0" g="0" b="0"/>
       </a:fillRef>
-      <a:effectRef idx="0">
+      <a:effectRef idx="2">
         <a:scrgbClr r="0" g="0" b="0"/>
       </a:effectRef>
       <a:fontRef idx="minor">
@@ -3093,20 +4429,16 @@
       <a:camera prst="orthographicFront"/>
       <a:lightRig rig="threePt" dir="t"/>
     </dgm:scene3d>
-    <dgm:sp3d extrusionH="381000" contourW="38100" prstMaterial="matte">
-      <a:contourClr>
-        <a:schemeClr val="lt1"/>
-      </a:contourClr>
-    </dgm:sp3d>
+    <dgm:sp3d/>
     <dgm:txPr/>
     <dgm:style>
       <a:lnRef idx="0">
         <a:scrgbClr r="0" g="0" b="0"/>
       </a:lnRef>
-      <a:fillRef idx="1">
+      <a:fillRef idx="3">
         <a:scrgbClr r="0" g="0" b="0"/>
       </a:fillRef>
-      <a:effectRef idx="0">
+      <a:effectRef idx="2">
         <a:scrgbClr r="0" g="0" b="0"/>
       </a:effectRef>
       <a:fontRef idx="minor">
@@ -3119,20 +4451,16 @@
       <a:camera prst="orthographicFront"/>
       <a:lightRig rig="threePt" dir="t"/>
     </dgm:scene3d>
-    <dgm:sp3d extrusionH="381000" contourW="38100" prstMaterial="matte">
-      <a:contourClr>
-        <a:schemeClr val="lt1"/>
-      </a:contourClr>
-    </dgm:sp3d>
+    <dgm:sp3d/>
     <dgm:txPr/>
     <dgm:style>
       <a:lnRef idx="0">
         <a:scrgbClr r="0" g="0" b="0"/>
       </a:lnRef>
-      <a:fillRef idx="1">
+      <a:fillRef idx="3">
         <a:scrgbClr r="0" g="0" b="0"/>
       </a:fillRef>
-      <a:effectRef idx="0">
+      <a:effectRef idx="2">
         <a:scrgbClr r="0" g="0" b="0"/>
       </a:effectRef>
       <a:fontRef idx="minor">
@@ -3145,11 +4473,7 @@
       <a:camera prst="orthographicFront"/>
       <a:lightRig rig="threePt" dir="t"/>
     </dgm:scene3d>
-    <dgm:sp3d z="57150" extrusionH="63500" contourW="12700" prstMaterial="matte">
-      <a:contourClr>
-        <a:schemeClr val="lt1"/>
-      </a:contourClr>
-    </dgm:sp3d>
+    <dgm:sp3d/>
     <dgm:txPr/>
     <dgm:style>
       <a:lnRef idx="0">
@@ -3158,7 +4482,7 @@
       <a:fillRef idx="1">
         <a:scrgbClr r="0" g="0" b="0"/>
       </a:fillRef>
-      <a:effectRef idx="0">
+      <a:effectRef idx="2">
         <a:scrgbClr r="0" g="0" b="0"/>
       </a:effectRef>
       <a:fontRef idx="minor"/>
@@ -3169,11 +4493,7 @@
       <a:camera prst="orthographicFront"/>
       <a:lightRig rig="threePt" dir="t"/>
     </dgm:scene3d>
-    <dgm:sp3d extrusionH="63500" contourW="12700" prstMaterial="matte">
-      <a:contourClr>
-        <a:schemeClr val="lt1"/>
-      </a:contourClr>
-    </dgm:sp3d>
+    <dgm:sp3d/>
     <dgm:txPr/>
     <dgm:style>
       <a:lnRef idx="0">
@@ -3182,7 +4502,7 @@
       <a:fillRef idx="1">
         <a:scrgbClr r="0" g="0" b="0"/>
       </a:fillRef>
-      <a:effectRef idx="0">
+      <a:effectRef idx="2">
         <a:scrgbClr r="0" g="0" b="0"/>
       </a:effectRef>
       <a:fontRef idx="minor"/>
@@ -3193,11 +4513,7 @@
       <a:camera prst="orthographicFront"/>
       <a:lightRig rig="threePt" dir="t"/>
     </dgm:scene3d>
-    <dgm:sp3d z="-381000" extrusionH="63500" contourW="12700" prstMaterial="matte">
-      <a:contourClr>
-        <a:schemeClr val="lt1"/>
-      </a:contourClr>
-    </dgm:sp3d>
+    <dgm:sp3d/>
     <dgm:txPr/>
     <dgm:style>
       <a:lnRef idx="0">
@@ -3206,7 +4522,7 @@
       <a:fillRef idx="1">
         <a:scrgbClr r="0" g="0" b="0"/>
       </a:fillRef>
-      <a:effectRef idx="0">
+      <a:effectRef idx="2">
         <a:scrgbClr r="0" g="0" b="0"/>
       </a:effectRef>
       <a:fontRef idx="minor"/>
@@ -3217,20 +4533,16 @@
       <a:camera prst="orthographicFront"/>
       <a:lightRig rig="threePt" dir="t"/>
     </dgm:scene3d>
-    <dgm:sp3d z="-52400" extrusionH="181000" contourW="38100" prstMaterial="matte">
-      <a:contourClr>
-        <a:schemeClr val="lt1"/>
-      </a:contourClr>
-    </dgm:sp3d>
+    <dgm:sp3d/>
     <dgm:txPr/>
     <dgm:style>
       <a:lnRef idx="0">
         <a:scrgbClr r="0" g="0" b="0"/>
       </a:lnRef>
-      <a:fillRef idx="1">
+      <a:fillRef idx="3">
         <a:scrgbClr r="0" g="0" b="0"/>
       </a:fillRef>
-      <a:effectRef idx="0">
+      <a:effectRef idx="2">
         <a:scrgbClr r="0" g="0" b="0"/>
       </a:effectRef>
       <a:fontRef idx="minor">
@@ -3243,22 +4555,16 @@
       <a:camera prst="orthographicFront"/>
       <a:lightRig rig="threePt" dir="t"/>
     </dgm:scene3d>
-    <dgm:sp3d z="57150" extrusionH="63500" contourW="12700" prstMaterial="matte">
-      <a:contourClr>
-        <a:schemeClr val="dk1">
-          <a:tint val="20000"/>
-        </a:schemeClr>
-      </a:contourClr>
-    </dgm:sp3d>
+    <dgm:sp3d/>
     <dgm:txPr/>
     <dgm:style>
       <a:lnRef idx="0">
         <a:scrgbClr r="0" g="0" b="0"/>
       </a:lnRef>
-      <a:fillRef idx="1">
+      <a:fillRef idx="3">
         <a:scrgbClr r="0" g="0" b="0"/>
       </a:fillRef>
-      <a:effectRef idx="0">
+      <a:effectRef idx="2">
         <a:scrgbClr r="0" g="0" b="0"/>
       </a:effectRef>
       <a:fontRef idx="minor">
@@ -3271,22 +4577,16 @@
       <a:camera prst="orthographicFront"/>
       <a:lightRig rig="threePt" dir="t"/>
     </dgm:scene3d>
-    <dgm:sp3d z="-381000" extrusionH="63500" contourW="12700" prstMaterial="matte">
-      <a:contourClr>
-        <a:schemeClr val="dk1">
-          <a:tint val="20000"/>
-        </a:schemeClr>
-      </a:contourClr>
-    </dgm:sp3d>
+    <dgm:sp3d/>
     <dgm:txPr/>
     <dgm:style>
       <a:lnRef idx="0">
         <a:scrgbClr r="0" g="0" b="0"/>
       </a:lnRef>
-      <a:fillRef idx="1">
+      <a:fillRef idx="3">
         <a:scrgbClr r="0" g="0" b="0"/>
       </a:fillRef>
-      <a:effectRef idx="0">
+      <a:effectRef idx="2">
         <a:scrgbClr r="0" g="0" b="0"/>
       </a:effectRef>
       <a:fontRef idx="minor">
@@ -3299,7 +4599,7 @@
       <a:camera prst="orthographicFront"/>
       <a:lightRig rig="threePt" dir="t"/>
     </dgm:scene3d>
-    <dgm:sp3d z="-40000" prstMaterial="matte"/>
+    <dgm:sp3d/>
     <dgm:txPr/>
     <dgm:style>
       <a:lnRef idx="1">
@@ -3319,7 +4619,7 @@
       <a:camera prst="orthographicFront"/>
       <a:lightRig rig="threePt" dir="t"/>
     </dgm:scene3d>
-    <dgm:sp3d z="127000" prstMaterial="matte"/>
+    <dgm:sp3d/>
     <dgm:txPr/>
     <dgm:style>
       <a:lnRef idx="2">
@@ -3328,7 +4628,7 @@
       <a:fillRef idx="1">
         <a:scrgbClr r="0" g="0" b="0"/>
       </a:fillRef>
-      <a:effectRef idx="0">
+      <a:effectRef idx="1">
         <a:scrgbClr r="0" g="0" b="0"/>
       </a:effectRef>
       <a:fontRef idx="minor"/>
@@ -3339,20 +4639,16 @@
       <a:camera prst="orthographicFront"/>
       <a:lightRig rig="threePt" dir="t"/>
     </dgm:scene3d>
-    <dgm:sp3d extrusionH="381000" contourW="38100" prstMaterial="matte">
-      <a:contourClr>
-        <a:schemeClr val="lt1"/>
-      </a:contourClr>
-    </dgm:sp3d>
+    <dgm:sp3d/>
     <dgm:txPr/>
     <dgm:style>
       <a:lnRef idx="0">
         <a:scrgbClr r="0" g="0" b="0"/>
       </a:lnRef>
-      <a:fillRef idx="1">
+      <a:fillRef idx="3">
         <a:scrgbClr r="0" g="0" b="0"/>
       </a:fillRef>
-      <a:effectRef idx="0">
+      <a:effectRef idx="2">
         <a:scrgbClr r="0" g="0" b="0"/>
       </a:effectRef>
       <a:fontRef idx="minor">
@@ -3365,20 +4661,16 @@
       <a:camera prst="orthographicFront"/>
       <a:lightRig rig="threePt" dir="t"/>
     </dgm:scene3d>
-    <dgm:sp3d extrusionH="381000" contourW="38100" prstMaterial="matte">
-      <a:contourClr>
-        <a:schemeClr val="lt1"/>
-      </a:contourClr>
-    </dgm:sp3d>
+    <dgm:sp3d/>
     <dgm:txPr/>
     <dgm:style>
       <a:lnRef idx="0">
         <a:scrgbClr r="0" g="0" b="0"/>
       </a:lnRef>
-      <a:fillRef idx="1">
+      <a:fillRef idx="3">
         <a:scrgbClr r="0" g="0" b="0"/>
       </a:fillRef>
-      <a:effectRef idx="0">
+      <a:effectRef idx="2">
         <a:scrgbClr r="0" g="0" b="0"/>
       </a:effectRef>
       <a:fontRef idx="minor">
@@ -3391,20 +4683,16 @@
       <a:camera prst="orthographicFront"/>
       <a:lightRig rig="threePt" dir="t"/>
     </dgm:scene3d>
-    <dgm:sp3d extrusionH="381000" contourW="38100" prstMaterial="matte">
-      <a:contourClr>
-        <a:schemeClr val="lt1"/>
-      </a:contourClr>
-    </dgm:sp3d>
+    <dgm:sp3d/>
     <dgm:txPr/>
     <dgm:style>
       <a:lnRef idx="0">
         <a:scrgbClr r="0" g="0" b="0"/>
       </a:lnRef>
-      <a:fillRef idx="1">
+      <a:fillRef idx="3">
         <a:scrgbClr r="0" g="0" b="0"/>
       </a:fillRef>
-      <a:effectRef idx="0">
+      <a:effectRef idx="2">
         <a:scrgbClr r="0" g="0" b="0"/>
       </a:effectRef>
       <a:fontRef idx="minor">
@@ -3417,20 +4705,16 @@
       <a:camera prst="orthographicFront"/>
       <a:lightRig rig="threePt" dir="t"/>
     </dgm:scene3d>
-    <dgm:sp3d extrusionH="381000" contourW="38100" prstMaterial="matte">
-      <a:contourClr>
-        <a:schemeClr val="lt1"/>
-      </a:contourClr>
-    </dgm:sp3d>
+    <dgm:sp3d/>
     <dgm:txPr/>
     <dgm:style>
       <a:lnRef idx="0">
         <a:scrgbClr r="0" g="0" b="0"/>
       </a:lnRef>
-      <a:fillRef idx="1">
+      <a:fillRef idx="3">
         <a:scrgbClr r="0" g="0" b="0"/>
       </a:fillRef>
-      <a:effectRef idx="0">
+      <a:effectRef idx="2">
         <a:scrgbClr r="0" g="0" b="0"/>
       </a:effectRef>
       <a:fontRef idx="minor">
@@ -3438,25 +4722,43 @@
       </a:fontRef>
     </dgm:style>
   </dgm:styleLbl>
+  <dgm:styleLbl name="asst4">
+    <dgm:scene3d>
+      <a:camera prst="orthographicFront"/>
+      <a:lightRig rig="threePt" dir="t"/>
+    </dgm:scene3d>
+    <dgm:sp3d/>
+    <dgm:txPr/>
+    <dgm:style>
+      <a:lnRef idx="0">
+        <a:scrgbClr r="0" g="0" b="0"/>
+      </a:lnRef>
+      <a:fillRef idx="3">
+        <a:scrgbClr r="0" g="0" b="0"/>
+      </a:fillRef>
+      <a:effectRef idx="2">
+        <a:scrgbClr r="0" g="0" b="0"/>
+      </a:effectRef>
+      <a:fontRef idx="minor">
+        <a:schemeClr val="lt1"/>
+      </a:fontRef>
+    </dgm:style>
+  </dgm:styleLbl>
   <dgm:styleLbl name="parChTrans2D1">
     <dgm:scene3d>
       <a:camera prst="orthographicFront"/>
       <a:lightRig rig="threePt" dir="t"/>
     </dgm:scene3d>
-    <dgm:sp3d z="52400" extrusionH="381000" contourW="38100" prstMaterial="matte">
-      <a:contourClr>
-        <a:schemeClr val="lt1"/>
-      </a:contourClr>
-    </dgm:sp3d>
+    <dgm:sp3d/>
     <dgm:txPr/>
     <dgm:style>
       <a:lnRef idx="0">
         <a:scrgbClr r="0" g="0" b="0"/>
       </a:lnRef>
-      <a:fillRef idx="1">
+      <a:fillRef idx="3">
         <a:scrgbClr r="0" g="0" b="0"/>
       </a:fillRef>
-      <a:effectRef idx="0">
+      <a:effectRef idx="2">
         <a:scrgbClr r="0" g="0" b="0"/>
       </a:effectRef>
       <a:fontRef idx="minor">
@@ -3469,20 +4771,16 @@
       <a:camera prst="orthographicFront"/>
       <a:lightRig rig="threePt" dir="t"/>
     </dgm:scene3d>
-    <dgm:sp3d z="52400" extrusionH="381000" contourW="38100" prstMaterial="matte">
-      <a:contourClr>
-        <a:schemeClr val="lt1"/>
-      </a:contourClr>
-    </dgm:sp3d>
+    <dgm:sp3d/>
     <dgm:txPr/>
     <dgm:style>
       <a:lnRef idx="0">
         <a:scrgbClr r="0" g="0" b="0"/>
       </a:lnRef>
-      <a:fillRef idx="1">
+      <a:fillRef idx="3">
         <a:scrgbClr r="0" g="0" b="0"/>
       </a:fillRef>
-      <a:effectRef idx="0">
+      <a:effectRef idx="2">
         <a:scrgbClr r="0" g="0" b="0"/>
       </a:effectRef>
       <a:fontRef idx="minor">
@@ -3495,19 +4793,16 @@
       <a:camera prst="orthographicFront"/>
       <a:lightRig rig="threePt" dir="t"/>
     </dgm:scene3d>
-    <dgm:sp3d z="60000" prstMaterial="flat">
-      <a:bevelT w="120900" h="88900"/>
-      <a:bevelB w="88900" h="31750" prst="angle"/>
-    </dgm:sp3d>
+    <dgm:sp3d/>
     <dgm:txPr/>
     <dgm:style>
-      <a:lnRef idx="0">
+      <a:lnRef idx="1">
         <a:scrgbClr r="0" g="0" b="0"/>
       </a:lnRef>
       <a:fillRef idx="3">
         <a:scrgbClr r="0" g="0" b="0"/>
       </a:fillRef>
-      <a:effectRef idx="1">
+      <a:effectRef idx="2">
         <a:scrgbClr r="0" g="0" b="0"/>
       </a:effectRef>
       <a:fontRef idx="minor">
@@ -3520,19 +4815,16 @@
       <a:camera prst="orthographicFront"/>
       <a:lightRig rig="threePt" dir="t"/>
     </dgm:scene3d>
-    <dgm:sp3d z="60000" prstMaterial="flat">
-      <a:bevelT w="120900" h="88900"/>
-      <a:bevelB w="88900" h="31750" prst="angle"/>
-    </dgm:sp3d>
+    <dgm:sp3d/>
     <dgm:txPr/>
     <dgm:style>
-      <a:lnRef idx="0">
+      <a:lnRef idx="1">
         <a:scrgbClr r="0" g="0" b="0"/>
       </a:lnRef>
       <a:fillRef idx="3">
         <a:scrgbClr r="0" g="0" b="0"/>
       </a:fillRef>
-      <a:effectRef idx="1">
+      <a:effectRef idx="2">
         <a:scrgbClr r="0" g="0" b="0"/>
       </a:effectRef>
       <a:fontRef idx="minor">
@@ -3545,10 +4837,10 @@
       <a:camera prst="orthographicFront"/>
       <a:lightRig rig="threePt" dir="t"/>
     </dgm:scene3d>
-    <dgm:sp3d z="-40000" prstMaterial="matte"/>
+    <dgm:sp3d/>
     <dgm:txPr/>
     <dgm:style>
-      <a:lnRef idx="2">
+      <a:lnRef idx="1">
         <a:scrgbClr r="0" g="0" b="0"/>
       </a:lnRef>
       <a:fillRef idx="0">
@@ -3565,10 +4857,10 @@
       <a:camera prst="orthographicFront"/>
       <a:lightRig rig="threePt" dir="t"/>
     </dgm:scene3d>
-    <dgm:sp3d z="-40000" prstMaterial="matte"/>
+    <dgm:sp3d/>
     <dgm:txPr/>
     <dgm:style>
-      <a:lnRef idx="2">
+      <a:lnRef idx="1">
         <a:scrgbClr r="0" g="0" b="0"/>
       </a:lnRef>
       <a:fillRef idx="0">
@@ -3585,10 +4877,10 @@
       <a:camera prst="orthographicFront"/>
       <a:lightRig rig="threePt" dir="t"/>
     </dgm:scene3d>
-    <dgm:sp3d z="-40000" prstMaterial="matte"/>
+    <dgm:sp3d/>
     <dgm:txPr/>
     <dgm:style>
-      <a:lnRef idx="2">
+      <a:lnRef idx="1">
         <a:scrgbClr r="0" g="0" b="0"/>
       </a:lnRef>
       <a:fillRef idx="0">
@@ -3605,10 +4897,10 @@
       <a:camera prst="orthographicFront"/>
       <a:lightRig rig="threePt" dir="t"/>
     </dgm:scene3d>
-    <dgm:sp3d z="-40000" prstMaterial="matte"/>
+    <dgm:sp3d/>
     <dgm:txPr/>
     <dgm:style>
-      <a:lnRef idx="2">
+      <a:lnRef idx="1">
         <a:scrgbClr r="0" g="0" b="0"/>
       </a:lnRef>
       <a:fillRef idx="0">
@@ -3625,7 +4917,7 @@
       <a:camera prst="orthographicFront"/>
       <a:lightRig rig="threePt" dir="t"/>
     </dgm:scene3d>
-    <dgm:sp3d z="57150" extrusionH="63500" prstMaterial="matte"/>
+    <dgm:sp3d/>
     <dgm:txPr/>
     <dgm:style>
       <a:lnRef idx="1">
@@ -3645,7 +4937,7 @@
       <a:camera prst="orthographicFront"/>
       <a:lightRig rig="threePt" dir="t"/>
     </dgm:scene3d>
-    <dgm:sp3d z="-60000" extrusionH="63500" prstMaterial="matte"/>
+    <dgm:sp3d/>
     <dgm:txPr/>
     <dgm:style>
       <a:lnRef idx="1">
@@ -3665,7 +4957,7 @@
       <a:camera prst="orthographicFront"/>
       <a:lightRig rig="threePt" dir="t"/>
     </dgm:scene3d>
-    <dgm:sp3d z="-60000" extrusionH="63500" prstMaterial="matte"/>
+    <dgm:sp3d/>
     <dgm:txPr/>
     <dgm:style>
       <a:lnRef idx="1">
@@ -3685,7 +4977,7 @@
       <a:camera prst="orthographicFront"/>
       <a:lightRig rig="threePt" dir="t"/>
     </dgm:scene3d>
-    <dgm:sp3d extrusionH="381000" prstMaterial="matte"/>
+    <dgm:sp3d/>
     <dgm:txPr/>
     <dgm:style>
       <a:lnRef idx="1">
@@ -3705,7 +4997,7 @@
       <a:camera prst="orthographicFront"/>
       <a:lightRig rig="threePt" dir="t"/>
     </dgm:scene3d>
-    <dgm:sp3d z="-400500" extrusionH="63500" prstMaterial="matte"/>
+    <dgm:sp3d/>
     <dgm:txPr/>
     <dgm:style>
       <a:lnRef idx="1">
@@ -3725,9 +5017,7 @@
       <a:camera prst="orthographicFront"/>
       <a:lightRig rig="threePt" dir="t"/>
     </dgm:scene3d>
-    <dgm:sp3d z="57150" extrusionH="12700" prstMaterial="flat">
-      <a:bevelT w="50800" h="50800"/>
-    </dgm:sp3d>
+    <dgm:sp3d/>
     <dgm:txPr/>
     <dgm:style>
       <a:lnRef idx="1">
@@ -3736,7 +5026,7 @@
       <a:fillRef idx="1">
         <a:scrgbClr r="0" g="0" b="0"/>
       </a:fillRef>
-      <a:effectRef idx="2">
+      <a:effectRef idx="0">
         <a:scrgbClr r="0" g="0" b="0"/>
       </a:effectRef>
       <a:fontRef idx="minor"/>
@@ -3747,9 +5037,7 @@
       <a:camera prst="orthographicFront"/>
       <a:lightRig rig="threePt" dir="t"/>
     </dgm:scene3d>
-    <dgm:sp3d extrusionH="12700" prstMaterial="flat">
-      <a:bevelT w="50800" h="50800"/>
-    </dgm:sp3d>
+    <dgm:sp3d/>
     <dgm:txPr/>
     <dgm:style>
       <a:lnRef idx="1">
@@ -3758,7 +5046,7 @@
       <a:fillRef idx="1">
         <a:scrgbClr r="0" g="0" b="0"/>
       </a:fillRef>
-      <a:effectRef idx="2">
+      <a:effectRef idx="0">
         <a:scrgbClr r="0" g="0" b="0"/>
       </a:effectRef>
       <a:fontRef idx="minor"/>
@@ -3769,7 +5057,7 @@
       <a:camera prst="orthographicFront"/>
       <a:lightRig rig="threePt" dir="t"/>
     </dgm:scene3d>
-    <dgm:sp3d z="-63500" extrusionH="63500" prstMaterial="matte"/>
+    <dgm:sp3d/>
     <dgm:txPr/>
     <dgm:style>
       <a:lnRef idx="1">
@@ -3789,16 +5077,10 @@
       <a:camera prst="orthographicFront"/>
       <a:lightRig rig="threePt" dir="t"/>
     </dgm:scene3d>
-    <dgm:sp3d z="57150" extrusionH="63500" contourW="12700" prstMaterial="matte">
-      <a:contourClr>
-        <a:schemeClr val="dk1">
-          <a:tint val="20000"/>
-        </a:schemeClr>
-      </a:contourClr>
-    </dgm:sp3d>
+    <dgm:sp3d/>
     <dgm:txPr/>
     <dgm:style>
-      <a:lnRef idx="0">
+      <a:lnRef idx="1">
         <a:scrgbClr r="0" g="0" b="0"/>
       </a:lnRef>
       <a:fillRef idx="1">
@@ -3815,14 +5097,10 @@
       <a:camera prst="orthographicFront"/>
       <a:lightRig rig="threePt" dir="t"/>
     </dgm:scene3d>
-    <dgm:sp3d extrusionH="381000" contourW="38100" prstMaterial="matte">
-      <a:contourClr>
-        <a:schemeClr val="lt1"/>
-      </a:contourClr>
-    </dgm:sp3d>
+    <dgm:sp3d/>
     <dgm:txPr/>
     <dgm:style>
-      <a:lnRef idx="0">
+      <a:lnRef idx="1">
         <a:scrgbClr r="0" g="0" b="0"/>
       </a:lnRef>
       <a:fillRef idx="1">
@@ -3839,20 +5117,16 @@
       <a:camera prst="orthographicFront"/>
       <a:lightRig rig="threePt" dir="t"/>
     </dgm:scene3d>
-    <dgm:sp3d z="-400500" extrusionH="63500" contourW="12700" prstMaterial="matte">
-      <a:contourClr>
-        <a:schemeClr val="lt1"/>
-      </a:contourClr>
-    </dgm:sp3d>
+    <dgm:sp3d/>
     <dgm:txPr/>
     <dgm:style>
-      <a:lnRef idx="0">
+      <a:lnRef idx="1">
         <a:scrgbClr r="0" g="0" b="0"/>
       </a:lnRef>
       <a:fillRef idx="1">
         <a:scrgbClr r="0" g="0" b="0"/>
       </a:fillRef>
-      <a:effectRef idx="2">
+      <a:effectRef idx="0">
         <a:scrgbClr r="0" g="0" b="0"/>
       </a:effectRef>
       <a:fontRef idx="minor"/>
@@ -3863,7 +5137,7 @@
       <a:camera prst="orthographicFront"/>
       <a:lightRig rig="threePt" dir="t"/>
     </dgm:scene3d>
-    <dgm:sp3d z="57150" extrusionH="63500" prstMaterial="matte"/>
+    <dgm:sp3d/>
     <dgm:txPr/>
     <dgm:style>
       <a:lnRef idx="1">
@@ -3883,7 +5157,7 @@
       <a:camera prst="orthographicFront"/>
       <a:lightRig rig="threePt" dir="t"/>
     </dgm:scene3d>
-    <dgm:sp3d z="57150" extrusionH="63500" prstMaterial="matte"/>
+    <dgm:sp3d/>
     <dgm:txPr/>
     <dgm:style>
       <a:lnRef idx="1">
@@ -3903,7 +5177,7 @@
       <a:camera prst="orthographicFront"/>
       <a:lightRig rig="threePt" dir="t"/>
     </dgm:scene3d>
-    <dgm:sp3d z="57150" extrusionH="63500" prstMaterial="matte"/>
+    <dgm:sp3d/>
     <dgm:txPr/>
     <dgm:style>
       <a:lnRef idx="1">
@@ -3923,7 +5197,7 @@
       <a:camera prst="orthographicFront"/>
       <a:lightRig rig="threePt" dir="t"/>
     </dgm:scene3d>
-    <dgm:sp3d z="57150" extrusionH="63500" prstMaterial="matte"/>
+    <dgm:sp3d/>
     <dgm:txPr/>
     <dgm:style>
       <a:lnRef idx="1">
@@ -3943,13 +5217,7 @@
       <a:camera prst="orthographicFront"/>
       <a:lightRig rig="threePt" dir="t"/>
     </dgm:scene3d>
-    <dgm:sp3d z="-400500" extrusionH="63500" contourW="12700" prstMaterial="matte">
-      <a:contourClr>
-        <a:schemeClr val="lt1">
-          <a:tint val="50000"/>
-        </a:schemeClr>
-      </a:contourClr>
-    </dgm:sp3d>
+    <dgm:sp3d/>
     <dgm:txPr/>
     <dgm:style>
       <a:lnRef idx="0">
@@ -3958,7 +5226,7 @@
       <a:fillRef idx="1">
         <a:scrgbClr r="0" g="0" b="0"/>
       </a:fillRef>
-      <a:effectRef idx="0">
+      <a:effectRef idx="2">
         <a:scrgbClr r="0" g="0" b="0"/>
       </a:effectRef>
       <a:fontRef idx="minor"/>
@@ -3969,11 +5237,7 @@
       <a:camera prst="orthographicFront"/>
       <a:lightRig rig="threePt" dir="t"/>
     </dgm:scene3d>
-    <dgm:sp3d extrusionH="381000" contourW="38100" prstMaterial="matte">
-      <a:contourClr>
-        <a:schemeClr val="lt1"/>
-      </a:contourClr>
-    </dgm:sp3d>
+    <dgm:sp3d/>
     <dgm:txPr/>
     <dgm:style>
       <a:lnRef idx="0">
@@ -3982,12 +5246,10 @@
       <a:fillRef idx="1">
         <a:scrgbClr r="0" g="0" b="0"/>
       </a:fillRef>
-      <a:effectRef idx="0">
+      <a:effectRef idx="2">
         <a:scrgbClr r="0" g="0" b="0"/>
       </a:effectRef>
-      <a:fontRef idx="minor">
-        <a:schemeClr val="lt1"/>
-      </a:fontRef>
+      <a:fontRef idx="minor"/>
     </dgm:style>
   </dgm:styleLbl>
   <dgm:styleLbl name="trBgShp">
@@ -3995,7 +5257,7 @@
       <a:camera prst="orthographicFront"/>
       <a:lightRig rig="threePt" dir="t"/>
     </dgm:scene3d>
-    <dgm:sp3d z="-400500" prstMaterial="matte"/>
+    <dgm:sp3d/>
     <dgm:txPr/>
     <dgm:style>
       <a:lnRef idx="0">
@@ -4015,22 +5277,16 @@
       <a:camera prst="orthographicFront"/>
       <a:lightRig rig="threePt" dir="t"/>
     </dgm:scene3d>
-    <dgm:sp3d z="57150" extrusionH="63500" contourW="12700" prstMaterial="matte">
-      <a:contourClr>
-        <a:schemeClr val="lt1">
-          <a:tint val="50000"/>
-        </a:schemeClr>
-      </a:contourClr>
-    </dgm:sp3d>
+    <dgm:sp3d/>
     <dgm:txPr/>
     <dgm:style>
       <a:lnRef idx="0">
         <a:scrgbClr r="0" g="0" b="0"/>
       </a:lnRef>
-      <a:fillRef idx="1">
+      <a:fillRef idx="3">
         <a:scrgbClr r="0" g="0" b="0"/>
       </a:fillRef>
-      <a:effectRef idx="0">
+      <a:effectRef idx="2">
         <a:scrgbClr r="0" g="0" b="0"/>
       </a:effectRef>
       <a:fontRef idx="minor"/>
@@ -4060,35 +5316,31 @@
 </file>
 
 <file path=ppt/diagrams/quickStyle2.xml><?xml version="1.0" encoding="utf-8"?>
-<dgm:styleDef xmlns:dgm="http://schemas.openxmlformats.org/drawingml/2006/diagram" xmlns:a="http://schemas.openxmlformats.org/drawingml/2006/main" uniqueId="urn:microsoft.com/office/officeart/2005/8/quickstyle/3d5">
+<dgm:styleDef xmlns:dgm="http://schemas.openxmlformats.org/drawingml/2006/diagram" xmlns:a="http://schemas.openxmlformats.org/drawingml/2006/main" uniqueId="urn:microsoft.com/office/officeart/2005/8/quickstyle/simple4">
   <dgm:title val=""/>
   <dgm:desc val=""/>
   <dgm:catLst>
-    <dgm:cat type="3D" pri="11500"/>
+    <dgm:cat type="simple" pri="10400"/>
   </dgm:catLst>
   <dgm:scene3d>
-    <a:camera prst="isometricOffAxis2Left" zoom="95000"/>
-    <a:lightRig rig="flat" dir="t"/>
+    <a:camera prst="orthographicFront"/>
+    <a:lightRig rig="threePt" dir="t"/>
   </dgm:scene3d>
   <dgm:styleLbl name="node0">
     <dgm:scene3d>
       <a:camera prst="orthographicFront"/>
       <a:lightRig rig="threePt" dir="t"/>
     </dgm:scene3d>
-    <dgm:sp3d extrusionH="381000" contourW="38100" prstMaterial="matte">
-      <a:contourClr>
-        <a:schemeClr val="lt1"/>
-      </a:contourClr>
-    </dgm:sp3d>
+    <dgm:sp3d/>
     <dgm:txPr/>
     <dgm:style>
       <a:lnRef idx="0">
         <a:scrgbClr r="0" g="0" b="0"/>
       </a:lnRef>
-      <a:fillRef idx="1">
+      <a:fillRef idx="3">
         <a:scrgbClr r="0" g="0" b="0"/>
       </a:fillRef>
-      <a:effectRef idx="0">
+      <a:effectRef idx="2">
         <a:scrgbClr r="0" g="0" b="0"/>
       </a:effectRef>
       <a:fontRef idx="minor">
@@ -4101,20 +5353,16 @@
       <a:camera prst="orthographicFront"/>
       <a:lightRig rig="threePt" dir="t"/>
     </dgm:scene3d>
-    <dgm:sp3d extrusionH="381000" contourW="38100" prstMaterial="matte">
-      <a:contourClr>
-        <a:schemeClr val="lt1"/>
-      </a:contourClr>
-    </dgm:sp3d>
+    <dgm:sp3d/>
     <dgm:txPr/>
     <dgm:style>
-      <a:lnRef idx="0">
+      <a:lnRef idx="1">
         <a:scrgbClr r="0" g="0" b="0"/>
       </a:lnRef>
-      <a:fillRef idx="1">
+      <a:fillRef idx="3">
         <a:scrgbClr r="0" g="0" b="0"/>
       </a:fillRef>
-      <a:effectRef idx="0">
+      <a:effectRef idx="2">
         <a:scrgbClr r="0" g="0" b="0"/>
       </a:effectRef>
       <a:fontRef idx="minor">
@@ -4127,17 +5375,13 @@
       <a:camera prst="orthographicFront"/>
       <a:lightRig rig="threePt" dir="t"/>
     </dgm:scene3d>
-    <dgm:sp3d extrusionH="381000" contourW="38100" prstMaterial="matte">
-      <a:contourClr>
-        <a:schemeClr val="lt1"/>
-      </a:contourClr>
-    </dgm:sp3d>
+    <dgm:sp3d/>
     <dgm:txPr/>
     <dgm:style>
       <a:lnRef idx="0">
         <a:scrgbClr r="0" g="0" b="0"/>
       </a:lnRef>
-      <a:fillRef idx="1">
+      <a:fillRef idx="3">
         <a:scrgbClr r="0" g="0" b="0"/>
       </a:fillRef>
       <a:effectRef idx="0">
@@ -4153,20 +5397,16 @@
       <a:camera prst="orthographicFront"/>
       <a:lightRig rig="threePt" dir="t"/>
     </dgm:scene3d>
-    <dgm:sp3d extrusionH="381000" contourW="38100" prstMaterial="matte">
-      <a:contourClr>
-        <a:schemeClr val="lt1"/>
-      </a:contourClr>
-    </dgm:sp3d>
+    <dgm:sp3d/>
     <dgm:txPr/>
     <dgm:style>
       <a:lnRef idx="1">
         <a:scrgbClr r="0" g="0" b="0"/>
       </a:lnRef>
-      <a:fillRef idx="1">
+      <a:fillRef idx="3">
         <a:scrgbClr r="0" g="0" b="0"/>
       </a:fillRef>
-      <a:effectRef idx="0">
+      <a:effectRef idx="2">
         <a:scrgbClr r="0" g="0" b="0"/>
       </a:effectRef>
       <a:fontRef idx="minor">
@@ -4179,20 +5419,16 @@
       <a:camera prst="orthographicFront"/>
       <a:lightRig rig="threePt" dir="t"/>
     </dgm:scene3d>
-    <dgm:sp3d extrusionH="381000" contourW="38100" prstMaterial="matte">
-      <a:contourClr>
-        <a:schemeClr val="lt1"/>
-      </a:contourClr>
-    </dgm:sp3d>
+    <dgm:sp3d/>
     <dgm:txPr/>
     <dgm:style>
       <a:lnRef idx="0">
         <a:scrgbClr r="0" g="0" b="0"/>
       </a:lnRef>
-      <a:fillRef idx="1">
+      <a:fillRef idx="3">
         <a:scrgbClr r="0" g="0" b="0"/>
       </a:fillRef>
-      <a:effectRef idx="0">
+      <a:effectRef idx="2">
         <a:scrgbClr r="0" g="0" b="0"/>
       </a:effectRef>
       <a:fontRef idx="minor">
@@ -4205,20 +5441,16 @@
       <a:camera prst="orthographicFront"/>
       <a:lightRig rig="threePt" dir="t"/>
     </dgm:scene3d>
-    <dgm:sp3d extrusionH="381000" contourW="38100" prstMaterial="matte">
-      <a:contourClr>
-        <a:schemeClr val="lt1"/>
-      </a:contourClr>
-    </dgm:sp3d>
+    <dgm:sp3d/>
     <dgm:txPr/>
     <dgm:style>
       <a:lnRef idx="0">
         <a:scrgbClr r="0" g="0" b="0"/>
       </a:lnRef>
-      <a:fillRef idx="1">
+      <a:fillRef idx="3">
         <a:scrgbClr r="0" g="0" b="0"/>
       </a:fillRef>
-      <a:effectRef idx="0">
+      <a:effectRef idx="2">
         <a:scrgbClr r="0" g="0" b="0"/>
       </a:effectRef>
       <a:fontRef idx="minor">
@@ -4231,20 +5463,16 @@
       <a:camera prst="orthographicFront"/>
       <a:lightRig rig="threePt" dir="t"/>
     </dgm:scene3d>
-    <dgm:sp3d extrusionH="381000" contourW="38100" prstMaterial="matte">
-      <a:contourClr>
-        <a:schemeClr val="lt1"/>
-      </a:contourClr>
-    </dgm:sp3d>
+    <dgm:sp3d/>
     <dgm:txPr/>
     <dgm:style>
       <a:lnRef idx="0">
         <a:scrgbClr r="0" g="0" b="0"/>
       </a:lnRef>
-      <a:fillRef idx="1">
+      <a:fillRef idx="3">
         <a:scrgbClr r="0" g="0" b="0"/>
       </a:fillRef>
-      <a:effectRef idx="0">
+      <a:effectRef idx="2">
         <a:scrgbClr r="0" g="0" b="0"/>
       </a:effectRef>
       <a:fontRef idx="minor">
@@ -4257,20 +5485,16 @@
       <a:camera prst="orthographicFront"/>
       <a:lightRig rig="threePt" dir="t"/>
     </dgm:scene3d>
-    <dgm:sp3d extrusionH="381000" contourW="38100" prstMaterial="matte">
-      <a:contourClr>
-        <a:schemeClr val="lt1"/>
-      </a:contourClr>
-    </dgm:sp3d>
+    <dgm:sp3d/>
     <dgm:txPr/>
     <dgm:style>
       <a:lnRef idx="0">
         <a:scrgbClr r="0" g="0" b="0"/>
       </a:lnRef>
-      <a:fillRef idx="1">
+      <a:fillRef idx="3">
         <a:scrgbClr r="0" g="0" b="0"/>
       </a:fillRef>
-      <a:effectRef idx="0">
+      <a:effectRef idx="2">
         <a:scrgbClr r="0" g="0" b="0"/>
       </a:effectRef>
       <a:fontRef idx="minor">
@@ -4283,11 +5507,7 @@
       <a:camera prst="orthographicFront"/>
       <a:lightRig rig="threePt" dir="t"/>
     </dgm:scene3d>
-    <dgm:sp3d z="57150" extrusionH="63500" contourW="12700" prstMaterial="matte">
-      <a:contourClr>
-        <a:schemeClr val="lt1"/>
-      </a:contourClr>
-    </dgm:sp3d>
+    <dgm:sp3d/>
     <dgm:txPr/>
     <dgm:style>
       <a:lnRef idx="0">
@@ -4296,7 +5516,7 @@
       <a:fillRef idx="1">
         <a:scrgbClr r="0" g="0" b="0"/>
       </a:fillRef>
-      <a:effectRef idx="0">
+      <a:effectRef idx="2">
         <a:scrgbClr r="0" g="0" b="0"/>
       </a:effectRef>
       <a:fontRef idx="minor"/>
@@ -4307,11 +5527,7 @@
       <a:camera prst="orthographicFront"/>
       <a:lightRig rig="threePt" dir="t"/>
     </dgm:scene3d>
-    <dgm:sp3d extrusionH="63500" contourW="12700" prstMaterial="matte">
-      <a:contourClr>
-        <a:schemeClr val="lt1"/>
-      </a:contourClr>
-    </dgm:sp3d>
+    <dgm:sp3d/>
     <dgm:txPr/>
     <dgm:style>
       <a:lnRef idx="0">
@@ -4320,7 +5536,7 @@
       <a:fillRef idx="1">
         <a:scrgbClr r="0" g="0" b="0"/>
       </a:fillRef>
-      <a:effectRef idx="0">
+      <a:effectRef idx="2">
         <a:scrgbClr r="0" g="0" b="0"/>
       </a:effectRef>
       <a:fontRef idx="minor"/>
@@ -4331,11 +5547,7 @@
       <a:camera prst="orthographicFront"/>
       <a:lightRig rig="threePt" dir="t"/>
     </dgm:scene3d>
-    <dgm:sp3d z="-381000" extrusionH="63500" contourW="12700" prstMaterial="matte">
-      <a:contourClr>
-        <a:schemeClr val="lt1"/>
-      </a:contourClr>
-    </dgm:sp3d>
+    <dgm:sp3d/>
     <dgm:txPr/>
     <dgm:style>
       <a:lnRef idx="0">
@@ -4344,7 +5556,7 @@
       <a:fillRef idx="1">
         <a:scrgbClr r="0" g="0" b="0"/>
       </a:fillRef>
-      <a:effectRef idx="0">
+      <a:effectRef idx="2">
         <a:scrgbClr r="0" g="0" b="0"/>
       </a:effectRef>
       <a:fontRef idx="minor"/>
@@ -4355,20 +5567,16 @@
       <a:camera prst="orthographicFront"/>
       <a:lightRig rig="threePt" dir="t"/>
     </dgm:scene3d>
-    <dgm:sp3d z="-52400" extrusionH="181000" contourW="38100" prstMaterial="matte">
-      <a:contourClr>
-        <a:schemeClr val="lt1"/>
-      </a:contourClr>
-    </dgm:sp3d>
+    <dgm:sp3d/>
     <dgm:txPr/>
     <dgm:style>
       <a:lnRef idx="0">
         <a:scrgbClr r="0" g="0" b="0"/>
       </a:lnRef>
-      <a:fillRef idx="1">
+      <a:fillRef idx="3">
         <a:scrgbClr r="0" g="0" b="0"/>
       </a:fillRef>
-      <a:effectRef idx="0">
+      <a:effectRef idx="2">
         <a:scrgbClr r="0" g="0" b="0"/>
       </a:effectRef>
       <a:fontRef idx="minor">
@@ -4381,22 +5589,16 @@
       <a:camera prst="orthographicFront"/>
       <a:lightRig rig="threePt" dir="t"/>
     </dgm:scene3d>
-    <dgm:sp3d z="57150" extrusionH="63500" contourW="12700" prstMaterial="matte">
-      <a:contourClr>
-        <a:schemeClr val="dk1">
-          <a:tint val="20000"/>
-        </a:schemeClr>
-      </a:contourClr>
-    </dgm:sp3d>
+    <dgm:sp3d/>
     <dgm:txPr/>
     <dgm:style>
       <a:lnRef idx="0">
         <a:scrgbClr r="0" g="0" b="0"/>
       </a:lnRef>
-      <a:fillRef idx="1">
+      <a:fillRef idx="3">
         <a:scrgbClr r="0" g="0" b="0"/>
       </a:fillRef>
-      <a:effectRef idx="0">
+      <a:effectRef idx="2">
         <a:scrgbClr r="0" g="0" b="0"/>
       </a:effectRef>
       <a:fontRef idx="minor">
@@ -4409,22 +5611,16 @@
       <a:camera prst="orthographicFront"/>
       <a:lightRig rig="threePt" dir="t"/>
     </dgm:scene3d>
-    <dgm:sp3d z="-381000" extrusionH="63500" contourW="12700" prstMaterial="matte">
-      <a:contourClr>
-        <a:schemeClr val="dk1">
-          <a:tint val="20000"/>
-        </a:schemeClr>
-      </a:contourClr>
-    </dgm:sp3d>
+    <dgm:sp3d/>
     <dgm:txPr/>
     <dgm:style>
       <a:lnRef idx="0">
         <a:scrgbClr r="0" g="0" b="0"/>
       </a:lnRef>
-      <a:fillRef idx="1">
+      <a:fillRef idx="3">
         <a:scrgbClr r="0" g="0" b="0"/>
       </a:fillRef>
-      <a:effectRef idx="0">
+      <a:effectRef idx="2">
         <a:scrgbClr r="0" g="0" b="0"/>
       </a:effectRef>
       <a:fontRef idx="minor">
@@ -4437,7 +5633,7 @@
       <a:camera prst="orthographicFront"/>
       <a:lightRig rig="threePt" dir="t"/>
     </dgm:scene3d>
-    <dgm:sp3d z="-40000" prstMaterial="matte"/>
+    <dgm:sp3d/>
     <dgm:txPr/>
     <dgm:style>
       <a:lnRef idx="1">
@@ -4457,7 +5653,7 @@
       <a:camera prst="orthographicFront"/>
       <a:lightRig rig="threePt" dir="t"/>
     </dgm:scene3d>
-    <dgm:sp3d z="127000" prstMaterial="matte"/>
+    <dgm:sp3d/>
     <dgm:txPr/>
     <dgm:style>
       <a:lnRef idx="2">
@@ -4466,7 +5662,7 @@
       <a:fillRef idx="1">
         <a:scrgbClr r="0" g="0" b="0"/>
       </a:fillRef>
-      <a:effectRef idx="0">
+      <a:effectRef idx="1">
         <a:scrgbClr r="0" g="0" b="0"/>
       </a:effectRef>
       <a:fontRef idx="minor"/>
@@ -4477,20 +5673,16 @@
       <a:camera prst="orthographicFront"/>
       <a:lightRig rig="threePt" dir="t"/>
     </dgm:scene3d>
-    <dgm:sp3d extrusionH="381000" contourW="38100" prstMaterial="matte">
-      <a:contourClr>
-        <a:schemeClr val="lt1"/>
-      </a:contourClr>
-    </dgm:sp3d>
+    <dgm:sp3d/>
     <dgm:txPr/>
     <dgm:style>
       <a:lnRef idx="0">
         <a:scrgbClr r="0" g="0" b="0"/>
       </a:lnRef>
-      <a:fillRef idx="1">
+      <a:fillRef idx="3">
         <a:scrgbClr r="0" g="0" b="0"/>
       </a:fillRef>
-      <a:effectRef idx="0">
+      <a:effectRef idx="2">
         <a:scrgbClr r="0" g="0" b="0"/>
       </a:effectRef>
       <a:fontRef idx="minor">
@@ -4503,20 +5695,16 @@
       <a:camera prst="orthographicFront"/>
       <a:lightRig rig="threePt" dir="t"/>
     </dgm:scene3d>
-    <dgm:sp3d extrusionH="381000" contourW="38100" prstMaterial="matte">
-      <a:contourClr>
-        <a:schemeClr val="lt1"/>
-      </a:contourClr>
-    </dgm:sp3d>
+    <dgm:sp3d/>
     <dgm:txPr/>
     <dgm:style>
       <a:lnRef idx="0">
         <a:scrgbClr r="0" g="0" b="0"/>
       </a:lnRef>
-      <a:fillRef idx="1">
+      <a:fillRef idx="3">
         <a:scrgbClr r="0" g="0" b="0"/>
       </a:fillRef>
-      <a:effectRef idx="0">
+      <a:effectRef idx="2">
         <a:scrgbClr r="0" g="0" b="0"/>
       </a:effectRef>
       <a:fontRef idx="minor">
@@ -4529,20 +5717,16 @@
       <a:camera prst="orthographicFront"/>
       <a:lightRig rig="threePt" dir="t"/>
     </dgm:scene3d>
-    <dgm:sp3d extrusionH="381000" contourW="38100" prstMaterial="matte">
-      <a:contourClr>
-        <a:schemeClr val="lt1"/>
-      </a:contourClr>
-    </dgm:sp3d>
+    <dgm:sp3d/>
     <dgm:txPr/>
     <dgm:style>
       <a:lnRef idx="0">
         <a:scrgbClr r="0" g="0" b="0"/>
       </a:lnRef>
-      <a:fillRef idx="1">
+      <a:fillRef idx="3">
         <a:scrgbClr r="0" g="0" b="0"/>
       </a:fillRef>
-      <a:effectRef idx="0">
+      <a:effectRef idx="2">
         <a:scrgbClr r="0" g="0" b="0"/>
       </a:effectRef>
       <a:fontRef idx="minor">
@@ -4555,20 +5739,16 @@
       <a:camera prst="orthographicFront"/>
       <a:lightRig rig="threePt" dir="t"/>
     </dgm:scene3d>
-    <dgm:sp3d extrusionH="381000" contourW="38100" prstMaterial="matte">
-      <a:contourClr>
-        <a:schemeClr val="lt1"/>
-      </a:contourClr>
-    </dgm:sp3d>
+    <dgm:sp3d/>
     <dgm:txPr/>
     <dgm:style>
       <a:lnRef idx="0">
         <a:scrgbClr r="0" g="0" b="0"/>
       </a:lnRef>
-      <a:fillRef idx="1">
+      <a:fillRef idx="3">
         <a:scrgbClr r="0" g="0" b="0"/>
       </a:fillRef>
-      <a:effectRef idx="0">
+      <a:effectRef idx="2">
         <a:scrgbClr r="0" g="0" b="0"/>
       </a:effectRef>
       <a:fontRef idx="minor">
@@ -4576,25 +5756,43 @@
       </a:fontRef>
     </dgm:style>
   </dgm:styleLbl>
+  <dgm:styleLbl name="asst4">
+    <dgm:scene3d>
+      <a:camera prst="orthographicFront"/>
+      <a:lightRig rig="threePt" dir="t"/>
+    </dgm:scene3d>
+    <dgm:sp3d/>
+    <dgm:txPr/>
+    <dgm:style>
+      <a:lnRef idx="0">
+        <a:scrgbClr r="0" g="0" b="0"/>
+      </a:lnRef>
+      <a:fillRef idx="3">
+        <a:scrgbClr r="0" g="0" b="0"/>
+      </a:fillRef>
+      <a:effectRef idx="2">
+        <a:scrgbClr r="0" g="0" b="0"/>
+      </a:effectRef>
+      <a:fontRef idx="minor">
+        <a:schemeClr val="lt1"/>
+      </a:fontRef>
+    </dgm:style>
+  </dgm:styleLbl>
   <dgm:styleLbl name="parChTrans2D1">
     <dgm:scene3d>
       <a:camera prst="orthographicFront"/>
       <a:lightRig rig="threePt" dir="t"/>
     </dgm:scene3d>
-    <dgm:sp3d z="52400" extrusionH="381000" contourW="38100" prstMaterial="matte">
-      <a:contourClr>
-        <a:schemeClr val="lt1"/>
-      </a:contourClr>
-    </dgm:sp3d>
+    <dgm:sp3d/>
     <dgm:txPr/>
     <dgm:style>
       <a:lnRef idx="0">
         <a:scrgbClr r="0" g="0" b="0"/>
       </a:lnRef>
-      <a:fillRef idx="1">
+      <a:fillRef idx="3">
         <a:scrgbClr r="0" g="0" b="0"/>
       </a:fillRef>
-      <a:effectRef idx="0">
+      <a:effectRef idx="2">
         <a:scrgbClr r="0" g="0" b="0"/>
       </a:effectRef>
       <a:fontRef idx="minor">
@@ -4607,20 +5805,16 @@
       <a:camera prst="orthographicFront"/>
       <a:lightRig rig="threePt" dir="t"/>
     </dgm:scene3d>
-    <dgm:sp3d z="52400" extrusionH="381000" contourW="38100" prstMaterial="matte">
-      <a:contourClr>
-        <a:schemeClr val="lt1"/>
-      </a:contourClr>
-    </dgm:sp3d>
+    <dgm:sp3d/>
     <dgm:txPr/>
     <dgm:style>
       <a:lnRef idx="0">
         <a:scrgbClr r="0" g="0" b="0"/>
       </a:lnRef>
-      <a:fillRef idx="1">
+      <a:fillRef idx="3">
         <a:scrgbClr r="0" g="0" b="0"/>
       </a:fillRef>
-      <a:effectRef idx="0">
+      <a:effectRef idx="2">
         <a:scrgbClr r="0" g="0" b="0"/>
       </a:effectRef>
       <a:fontRef idx="minor">
@@ -4633,19 +5827,16 @@
       <a:camera prst="orthographicFront"/>
       <a:lightRig rig="threePt" dir="t"/>
     </dgm:scene3d>
-    <dgm:sp3d z="60000" prstMaterial="flat">
-      <a:bevelT w="120900" h="88900"/>
-      <a:bevelB w="88900" h="31750" prst="angle"/>
-    </dgm:sp3d>
+    <dgm:sp3d/>
     <dgm:txPr/>
     <dgm:style>
-      <a:lnRef idx="0">
+      <a:lnRef idx="1">
         <a:scrgbClr r="0" g="0" b="0"/>
       </a:lnRef>
       <a:fillRef idx="3">
         <a:scrgbClr r="0" g="0" b="0"/>
       </a:fillRef>
-      <a:effectRef idx="1">
+      <a:effectRef idx="2">
         <a:scrgbClr r="0" g="0" b="0"/>
       </a:effectRef>
       <a:fontRef idx="minor">
@@ -4658,19 +5849,16 @@
       <a:camera prst="orthographicFront"/>
       <a:lightRig rig="threePt" dir="t"/>
     </dgm:scene3d>
-    <dgm:sp3d z="60000" prstMaterial="flat">
-      <a:bevelT w="120900" h="88900"/>
-      <a:bevelB w="88900" h="31750" prst="angle"/>
-    </dgm:sp3d>
+    <dgm:sp3d/>
     <dgm:txPr/>
     <dgm:style>
-      <a:lnRef idx="0">
+      <a:lnRef idx="1">
         <a:scrgbClr r="0" g="0" b="0"/>
       </a:lnRef>
       <a:fillRef idx="3">
         <a:scrgbClr r="0" g="0" b="0"/>
       </a:fillRef>
-      <a:effectRef idx="1">
+      <a:effectRef idx="2">
         <a:scrgbClr r="0" g="0" b="0"/>
       </a:effectRef>
       <a:fontRef idx="minor">
@@ -4683,10 +5871,10 @@
       <a:camera prst="orthographicFront"/>
       <a:lightRig rig="threePt" dir="t"/>
     </dgm:scene3d>
-    <dgm:sp3d z="-40000" prstMaterial="matte"/>
+    <dgm:sp3d/>
     <dgm:txPr/>
     <dgm:style>
-      <a:lnRef idx="2">
+      <a:lnRef idx="1">
         <a:scrgbClr r="0" g="0" b="0"/>
       </a:lnRef>
       <a:fillRef idx="0">
@@ -4703,10 +5891,10 @@
       <a:camera prst="orthographicFront"/>
       <a:lightRig rig="threePt" dir="t"/>
     </dgm:scene3d>
-    <dgm:sp3d z="-40000" prstMaterial="matte"/>
+    <dgm:sp3d/>
     <dgm:txPr/>
     <dgm:style>
-      <a:lnRef idx="2">
+      <a:lnRef idx="1">
         <a:scrgbClr r="0" g="0" b="0"/>
       </a:lnRef>
       <a:fillRef idx="0">
@@ -4723,10 +5911,10 @@
       <a:camera prst="orthographicFront"/>
       <a:lightRig rig="threePt" dir="t"/>
     </dgm:scene3d>
-    <dgm:sp3d z="-40000" prstMaterial="matte"/>
+    <dgm:sp3d/>
     <dgm:txPr/>
     <dgm:style>
-      <a:lnRef idx="2">
+      <a:lnRef idx="1">
         <a:scrgbClr r="0" g="0" b="0"/>
       </a:lnRef>
       <a:fillRef idx="0">
@@ -4743,10 +5931,10 @@
       <a:camera prst="orthographicFront"/>
       <a:lightRig rig="threePt" dir="t"/>
     </dgm:scene3d>
-    <dgm:sp3d z="-40000" prstMaterial="matte"/>
+    <dgm:sp3d/>
     <dgm:txPr/>
     <dgm:style>
-      <a:lnRef idx="2">
+      <a:lnRef idx="1">
         <a:scrgbClr r="0" g="0" b="0"/>
       </a:lnRef>
       <a:fillRef idx="0">
@@ -4763,7 +5951,7 @@
       <a:camera prst="orthographicFront"/>
       <a:lightRig rig="threePt" dir="t"/>
     </dgm:scene3d>
-    <dgm:sp3d z="57150" extrusionH="63500" prstMaterial="matte"/>
+    <dgm:sp3d/>
     <dgm:txPr/>
     <dgm:style>
       <a:lnRef idx="1">
@@ -4783,7 +5971,7 @@
       <a:camera prst="orthographicFront"/>
       <a:lightRig rig="threePt" dir="t"/>
     </dgm:scene3d>
-    <dgm:sp3d z="-60000" extrusionH="63500" prstMaterial="matte"/>
+    <dgm:sp3d/>
     <dgm:txPr/>
     <dgm:style>
       <a:lnRef idx="1">
@@ -4803,7 +5991,7 @@
       <a:camera prst="orthographicFront"/>
       <a:lightRig rig="threePt" dir="t"/>
     </dgm:scene3d>
-    <dgm:sp3d z="-60000" extrusionH="63500" prstMaterial="matte"/>
+    <dgm:sp3d/>
     <dgm:txPr/>
     <dgm:style>
       <a:lnRef idx="1">
@@ -4823,7 +6011,7 @@
       <a:camera prst="orthographicFront"/>
       <a:lightRig rig="threePt" dir="t"/>
     </dgm:scene3d>
-    <dgm:sp3d extrusionH="381000" prstMaterial="matte"/>
+    <dgm:sp3d/>
     <dgm:txPr/>
     <dgm:style>
       <a:lnRef idx="1">
@@ -4843,7 +6031,7 @@
       <a:camera prst="orthographicFront"/>
       <a:lightRig rig="threePt" dir="t"/>
     </dgm:scene3d>
-    <dgm:sp3d z="-400500" extrusionH="63500" prstMaterial="matte"/>
+    <dgm:sp3d/>
     <dgm:txPr/>
     <dgm:style>
       <a:lnRef idx="1">
@@ -4863,9 +6051,7 @@
       <a:camera prst="orthographicFront"/>
       <a:lightRig rig="threePt" dir="t"/>
     </dgm:scene3d>
-    <dgm:sp3d z="57150" extrusionH="12700" prstMaterial="flat">
-      <a:bevelT w="50800" h="50800"/>
-    </dgm:sp3d>
+    <dgm:sp3d/>
     <dgm:txPr/>
     <dgm:style>
       <a:lnRef idx="1">
@@ -4874,7 +6060,7 @@
       <a:fillRef idx="1">
         <a:scrgbClr r="0" g="0" b="0"/>
       </a:fillRef>
-      <a:effectRef idx="2">
+      <a:effectRef idx="0">
         <a:scrgbClr r="0" g="0" b="0"/>
       </a:effectRef>
       <a:fontRef idx="minor"/>
@@ -4885,9 +6071,7 @@
       <a:camera prst="orthographicFront"/>
       <a:lightRig rig="threePt" dir="t"/>
     </dgm:scene3d>
-    <dgm:sp3d extrusionH="12700" prstMaterial="flat">
-      <a:bevelT w="50800" h="50800"/>
-    </dgm:sp3d>
+    <dgm:sp3d/>
     <dgm:txPr/>
     <dgm:style>
       <a:lnRef idx="1">
@@ -4896,7 +6080,7 @@
       <a:fillRef idx="1">
         <a:scrgbClr r="0" g="0" b="0"/>
       </a:fillRef>
-      <a:effectRef idx="2">
+      <a:effectRef idx="0">
         <a:scrgbClr r="0" g="0" b="0"/>
       </a:effectRef>
       <a:fontRef idx="minor"/>
@@ -4907,7 +6091,7 @@
       <a:camera prst="orthographicFront"/>
       <a:lightRig rig="threePt" dir="t"/>
     </dgm:scene3d>
-    <dgm:sp3d z="-63500" extrusionH="63500" prstMaterial="matte"/>
+    <dgm:sp3d/>
     <dgm:txPr/>
     <dgm:style>
       <a:lnRef idx="1">
@@ -4927,16 +6111,10 @@
       <a:camera prst="orthographicFront"/>
       <a:lightRig rig="threePt" dir="t"/>
     </dgm:scene3d>
-    <dgm:sp3d z="57150" extrusionH="63500" contourW="12700" prstMaterial="matte">
-      <a:contourClr>
-        <a:schemeClr val="dk1">
-          <a:tint val="20000"/>
-        </a:schemeClr>
-      </a:contourClr>
-    </dgm:sp3d>
+    <dgm:sp3d/>
     <dgm:txPr/>
     <dgm:style>
-      <a:lnRef idx="0">
+      <a:lnRef idx="1">
         <a:scrgbClr r="0" g="0" b="0"/>
       </a:lnRef>
       <a:fillRef idx="1">
@@ -4953,14 +6131,10 @@
       <a:camera prst="orthographicFront"/>
       <a:lightRig rig="threePt" dir="t"/>
     </dgm:scene3d>
-    <dgm:sp3d extrusionH="381000" contourW="38100" prstMaterial="matte">
-      <a:contourClr>
-        <a:schemeClr val="lt1"/>
-      </a:contourClr>
-    </dgm:sp3d>
+    <dgm:sp3d/>
     <dgm:txPr/>
     <dgm:style>
-      <a:lnRef idx="0">
+      <a:lnRef idx="1">
         <a:scrgbClr r="0" g="0" b="0"/>
       </a:lnRef>
       <a:fillRef idx="1">
@@ -4977,20 +6151,16 @@
       <a:camera prst="orthographicFront"/>
       <a:lightRig rig="threePt" dir="t"/>
     </dgm:scene3d>
-    <dgm:sp3d z="-400500" extrusionH="63500" contourW="12700" prstMaterial="matte">
-      <a:contourClr>
-        <a:schemeClr val="lt1"/>
-      </a:contourClr>
-    </dgm:sp3d>
+    <dgm:sp3d/>
     <dgm:txPr/>
     <dgm:style>
-      <a:lnRef idx="0">
+      <a:lnRef idx="1">
         <a:scrgbClr r="0" g="0" b="0"/>
       </a:lnRef>
       <a:fillRef idx="1">
         <a:scrgbClr r="0" g="0" b="0"/>
       </a:fillRef>
-      <a:effectRef idx="2">
+      <a:effectRef idx="0">
         <a:scrgbClr r="0" g="0" b="0"/>
       </a:effectRef>
       <a:fontRef idx="minor"/>
@@ -5001,7 +6171,7 @@
       <a:camera prst="orthographicFront"/>
       <a:lightRig rig="threePt" dir="t"/>
     </dgm:scene3d>
-    <dgm:sp3d z="57150" extrusionH="63500" prstMaterial="matte"/>
+    <dgm:sp3d/>
     <dgm:txPr/>
     <dgm:style>
       <a:lnRef idx="1">
@@ -5021,7 +6191,7 @@
       <a:camera prst="orthographicFront"/>
       <a:lightRig rig="threePt" dir="t"/>
     </dgm:scene3d>
-    <dgm:sp3d z="57150" extrusionH="63500" prstMaterial="matte"/>
+    <dgm:sp3d/>
     <dgm:txPr/>
     <dgm:style>
       <a:lnRef idx="1">
@@ -5041,7 +6211,7 @@
       <a:camera prst="orthographicFront"/>
       <a:lightRig rig="threePt" dir="t"/>
     </dgm:scene3d>
-    <dgm:sp3d z="57150" extrusionH="63500" prstMaterial="matte"/>
+    <dgm:sp3d/>
     <dgm:txPr/>
     <dgm:style>
       <a:lnRef idx="1">
@@ -5061,7 +6231,7 @@
       <a:camera prst="orthographicFront"/>
       <a:lightRig rig="threePt" dir="t"/>
     </dgm:scene3d>
-    <dgm:sp3d z="57150" extrusionH="63500" prstMaterial="matte"/>
+    <dgm:sp3d/>
     <dgm:txPr/>
     <dgm:style>
       <a:lnRef idx="1">
@@ -5081,13 +6251,7 @@
       <a:camera prst="orthographicFront"/>
       <a:lightRig rig="threePt" dir="t"/>
     </dgm:scene3d>
-    <dgm:sp3d z="-400500" extrusionH="63500" contourW="12700" prstMaterial="matte">
-      <a:contourClr>
-        <a:schemeClr val="lt1">
-          <a:tint val="50000"/>
-        </a:schemeClr>
-      </a:contourClr>
-    </dgm:sp3d>
+    <dgm:sp3d/>
     <dgm:txPr/>
     <dgm:style>
       <a:lnRef idx="0">
@@ -5096,7 +6260,7 @@
       <a:fillRef idx="1">
         <a:scrgbClr r="0" g="0" b="0"/>
       </a:fillRef>
-      <a:effectRef idx="0">
+      <a:effectRef idx="2">
         <a:scrgbClr r="0" g="0" b="0"/>
       </a:effectRef>
       <a:fontRef idx="minor"/>
@@ -5107,11 +6271,7 @@
       <a:camera prst="orthographicFront"/>
       <a:lightRig rig="threePt" dir="t"/>
     </dgm:scene3d>
-    <dgm:sp3d extrusionH="381000" contourW="38100" prstMaterial="matte">
-      <a:contourClr>
-        <a:schemeClr val="lt1"/>
-      </a:contourClr>
-    </dgm:sp3d>
+    <dgm:sp3d/>
     <dgm:txPr/>
     <dgm:style>
       <a:lnRef idx="0">
@@ -5120,12 +6280,10 @@
       <a:fillRef idx="1">
         <a:scrgbClr r="0" g="0" b="0"/>
       </a:fillRef>
-      <a:effectRef idx="0">
+      <a:effectRef idx="2">
         <a:scrgbClr r="0" g="0" b="0"/>
       </a:effectRef>
-      <a:fontRef idx="minor">
-        <a:schemeClr val="lt1"/>
-      </a:fontRef>
+      <a:fontRef idx="minor"/>
     </dgm:style>
   </dgm:styleLbl>
   <dgm:styleLbl name="trBgShp">
@@ -5133,7 +6291,7 @@
       <a:camera prst="orthographicFront"/>
       <a:lightRig rig="threePt" dir="t"/>
     </dgm:scene3d>
-    <dgm:sp3d z="-400500" prstMaterial="matte"/>
+    <dgm:sp3d/>
     <dgm:txPr/>
     <dgm:style>
       <a:lnRef idx="0">
@@ -5153,22 +6311,16 @@
       <a:camera prst="orthographicFront"/>
       <a:lightRig rig="threePt" dir="t"/>
     </dgm:scene3d>
-    <dgm:sp3d z="57150" extrusionH="63500" contourW="12700" prstMaterial="matte">
-      <a:contourClr>
-        <a:schemeClr val="lt1">
-          <a:tint val="50000"/>
-        </a:schemeClr>
-      </a:contourClr>
-    </dgm:sp3d>
+    <dgm:sp3d/>
     <dgm:txPr/>
     <dgm:style>
       <a:lnRef idx="0">
         <a:scrgbClr r="0" g="0" b="0"/>
       </a:lnRef>
-      <a:fillRef idx="1">
+      <a:fillRef idx="3">
         <a:scrgbClr r="0" g="0" b="0"/>
       </a:fillRef>
-      <a:effectRef idx="0">
+      <a:effectRef idx="2">
         <a:scrgbClr r="0" g="0" b="0"/>
       </a:effectRef>
       <a:fontRef idx="minor"/>
@@ -5195,6 +6347,439 @@
     </dgm:style>
   </dgm:styleLbl>
 </dgm:styleDef>
+</file>
+
+<file path=ppt/notesMasters/notesMaster1.xml><?xml version="1.0" encoding="utf-8"?>
+<p:notesMaster xmlns:a="http://schemas.openxmlformats.org/drawingml/2006/main" xmlns:r="http://schemas.openxmlformats.org/officeDocument/2006/relationships" xmlns:p="http://schemas.openxmlformats.org/presentationml/2006/main">
+  <p:cSld>
+    <p:bg>
+      <p:bgRef idx="1001">
+        <a:schemeClr val="bg1"/>
+      </p:bgRef>
+    </p:bg>
+    <p:spTree>
+      <p:nvGrpSpPr>
+        <p:cNvPr id="1" name=""/>
+        <p:cNvGrpSpPr/>
+        <p:nvPr/>
+      </p:nvGrpSpPr>
+      <p:grpSpPr>
+        <a:xfrm>
+          <a:off x="0" y="0"/>
+          <a:ext cx="0" cy="0"/>
+          <a:chOff x="0" y="0"/>
+          <a:chExt cx="0" cy="0"/>
+        </a:xfrm>
+      </p:grpSpPr>
+      <p:sp>
+        <p:nvSpPr>
+          <p:cNvPr id="2" name="Kopfzeilenplatzhalter 1"/>
+          <p:cNvSpPr>
+            <a:spLocks noGrp="1"/>
+          </p:cNvSpPr>
+          <p:nvPr>
+            <p:ph type="hdr" sz="quarter"/>
+          </p:nvPr>
+        </p:nvSpPr>
+        <p:spPr>
+          <a:xfrm>
+            <a:off x="0" y="0"/>
+            <a:ext cx="2971800" cy="458788"/>
+          </a:xfrm>
+          <a:prstGeom prst="rect">
+            <a:avLst/>
+          </a:prstGeom>
+        </p:spPr>
+        <p:txBody>
+          <a:bodyPr vert="horz" lIns="91440" tIns="45720" rIns="91440" bIns="45720" rtlCol="0"/>
+          <a:lstStyle>
+            <a:lvl1pPr algn="l">
+              <a:defRPr sz="1200"/>
+            </a:lvl1pPr>
+          </a:lstStyle>
+          <a:p>
+            <a:endParaRPr lang="de-DE"/>
+          </a:p>
+        </p:txBody>
+      </p:sp>
+      <p:sp>
+        <p:nvSpPr>
+          <p:cNvPr id="3" name="Datumsplatzhalter 2"/>
+          <p:cNvSpPr>
+            <a:spLocks noGrp="1"/>
+          </p:cNvSpPr>
+          <p:nvPr>
+            <p:ph type="dt" idx="1"/>
+          </p:nvPr>
+        </p:nvSpPr>
+        <p:spPr>
+          <a:xfrm>
+            <a:off x="3884613" y="0"/>
+            <a:ext cx="2971800" cy="458788"/>
+          </a:xfrm>
+          <a:prstGeom prst="rect">
+            <a:avLst/>
+          </a:prstGeom>
+        </p:spPr>
+        <p:txBody>
+          <a:bodyPr vert="horz" lIns="91440" tIns="45720" rIns="91440" bIns="45720" rtlCol="0"/>
+          <a:lstStyle>
+            <a:lvl1pPr algn="r">
+              <a:defRPr sz="1200"/>
+            </a:lvl1pPr>
+          </a:lstStyle>
+          <a:p>
+            <a:fld id="{2BC56320-A060-43AC-9594-87EB15375083}" type="datetimeFigureOut">
+              <a:rPr lang="de-DE" smtClean="0"/>
+              <a:t>12.01.2017</a:t>
+            </a:fld>
+            <a:endParaRPr lang="de-DE"/>
+          </a:p>
+        </p:txBody>
+      </p:sp>
+      <p:sp>
+        <p:nvSpPr>
+          <p:cNvPr id="4" name="Folienbildplatzhalter 3"/>
+          <p:cNvSpPr>
+            <a:spLocks noGrp="1" noRot="1" noChangeAspect="1"/>
+          </p:cNvSpPr>
+          <p:nvPr>
+            <p:ph type="sldImg" idx="2"/>
+          </p:nvPr>
+        </p:nvSpPr>
+        <p:spPr>
+          <a:xfrm>
+            <a:off x="685800" y="1143000"/>
+            <a:ext cx="5486400" cy="3086100"/>
+          </a:xfrm>
+          <a:prstGeom prst="rect">
+            <a:avLst/>
+          </a:prstGeom>
+          <a:noFill/>
+          <a:ln w="12700">
+            <a:solidFill>
+              <a:prstClr val="black"/>
+            </a:solidFill>
+          </a:ln>
+        </p:spPr>
+        <p:txBody>
+          <a:bodyPr vert="horz" lIns="91440" tIns="45720" rIns="91440" bIns="45720" rtlCol="0" anchor="ctr"/>
+          <a:lstStyle/>
+          <a:p>
+            <a:endParaRPr lang="de-DE"/>
+          </a:p>
+        </p:txBody>
+      </p:sp>
+      <p:sp>
+        <p:nvSpPr>
+          <p:cNvPr id="5" name="Notizenplatzhalter 4"/>
+          <p:cNvSpPr>
+            <a:spLocks noGrp="1"/>
+          </p:cNvSpPr>
+          <p:nvPr>
+            <p:ph type="body" sz="quarter" idx="3"/>
+          </p:nvPr>
+        </p:nvSpPr>
+        <p:spPr>
+          <a:xfrm>
+            <a:off x="685800" y="4400550"/>
+            <a:ext cx="5486400" cy="3600450"/>
+          </a:xfrm>
+          <a:prstGeom prst="rect">
+            <a:avLst/>
+          </a:prstGeom>
+        </p:spPr>
+        <p:txBody>
+          <a:bodyPr vert="horz" lIns="91440" tIns="45720" rIns="91440" bIns="45720" rtlCol="0"/>
+          <a:lstStyle/>
+          <a:p>
+            <a:pPr lvl="0"/>
+            <a:r>
+              <a:rPr lang="de-DE"/>
+              <a:t>Formatvorlagen des Textmasters bearbeiten</a:t>
+            </a:r>
+          </a:p>
+          <a:p>
+            <a:pPr lvl="1"/>
+            <a:r>
+              <a:rPr lang="de-DE"/>
+              <a:t>Zweite Ebene</a:t>
+            </a:r>
+          </a:p>
+          <a:p>
+            <a:pPr lvl="2"/>
+            <a:r>
+              <a:rPr lang="de-DE"/>
+              <a:t>Dritte Ebene</a:t>
+            </a:r>
+          </a:p>
+          <a:p>
+            <a:pPr lvl="3"/>
+            <a:r>
+              <a:rPr lang="de-DE"/>
+              <a:t>Vierte Ebene</a:t>
+            </a:r>
+          </a:p>
+          <a:p>
+            <a:pPr lvl="4"/>
+            <a:r>
+              <a:rPr lang="de-DE"/>
+              <a:t>Fünfte Ebene</a:t>
+            </a:r>
+          </a:p>
+        </p:txBody>
+      </p:sp>
+      <p:sp>
+        <p:nvSpPr>
+          <p:cNvPr id="6" name="Fußzeilenplatzhalter 5"/>
+          <p:cNvSpPr>
+            <a:spLocks noGrp="1"/>
+          </p:cNvSpPr>
+          <p:nvPr>
+            <p:ph type="ftr" sz="quarter" idx="4"/>
+          </p:nvPr>
+        </p:nvSpPr>
+        <p:spPr>
+          <a:xfrm>
+            <a:off x="0" y="8685213"/>
+            <a:ext cx="2971800" cy="458787"/>
+          </a:xfrm>
+          <a:prstGeom prst="rect">
+            <a:avLst/>
+          </a:prstGeom>
+        </p:spPr>
+        <p:txBody>
+          <a:bodyPr vert="horz" lIns="91440" tIns="45720" rIns="91440" bIns="45720" rtlCol="0" anchor="b"/>
+          <a:lstStyle>
+            <a:lvl1pPr algn="l">
+              <a:defRPr sz="1200"/>
+            </a:lvl1pPr>
+          </a:lstStyle>
+          <a:p>
+            <a:endParaRPr lang="de-DE"/>
+          </a:p>
+        </p:txBody>
+      </p:sp>
+      <p:sp>
+        <p:nvSpPr>
+          <p:cNvPr id="7" name="Foliennummernplatzhalter 6"/>
+          <p:cNvSpPr>
+            <a:spLocks noGrp="1"/>
+          </p:cNvSpPr>
+          <p:nvPr>
+            <p:ph type="sldNum" sz="quarter" idx="5"/>
+          </p:nvPr>
+        </p:nvSpPr>
+        <p:spPr>
+          <a:xfrm>
+            <a:off x="3884613" y="8685213"/>
+            <a:ext cx="2971800" cy="458787"/>
+          </a:xfrm>
+          <a:prstGeom prst="rect">
+            <a:avLst/>
+          </a:prstGeom>
+        </p:spPr>
+        <p:txBody>
+          <a:bodyPr vert="horz" lIns="91440" tIns="45720" rIns="91440" bIns="45720" rtlCol="0" anchor="b"/>
+          <a:lstStyle>
+            <a:lvl1pPr algn="r">
+              <a:defRPr sz="1200"/>
+            </a:lvl1pPr>
+          </a:lstStyle>
+          <a:p>
+            <a:fld id="{DBE562BA-804D-42A8-94D3-1D4776CFAC2C}" type="slidenum">
+              <a:rPr lang="de-DE" smtClean="0"/>
+              <a:t>‹Nr.›</a:t>
+            </a:fld>
+            <a:endParaRPr lang="de-DE"/>
+          </a:p>
+        </p:txBody>
+      </p:sp>
+    </p:spTree>
+    <p:extLst>
+      <p:ext uri="{BB962C8B-B14F-4D97-AF65-F5344CB8AC3E}">
+        <p14:creationId xmlns:p14="http://schemas.microsoft.com/office/powerpoint/2010/main" val="3628625596"/>
+      </p:ext>
+    </p:extLst>
+  </p:cSld>
+  <p:clrMap bg1="lt1" tx1="dk1" bg2="lt2" tx2="dk2" accent1="accent1" accent2="accent2" accent3="accent3" accent4="accent4" accent5="accent5" accent6="accent6" hlink="hlink" folHlink="folHlink"/>
+  <p:notesStyle>
+    <a:lvl1pPr marL="0" algn="l" defTabSz="914400" rtl="0" eaLnBrk="1" latinLnBrk="0" hangingPunct="1">
+      <a:defRPr sz="1200" kern="1200">
+        <a:solidFill>
+          <a:schemeClr val="tx1"/>
+        </a:solidFill>
+        <a:latin typeface="+mn-lt"/>
+        <a:ea typeface="+mn-ea"/>
+        <a:cs typeface="+mn-cs"/>
+      </a:defRPr>
+    </a:lvl1pPr>
+    <a:lvl2pPr marL="457200" algn="l" defTabSz="914400" rtl="0" eaLnBrk="1" latinLnBrk="0" hangingPunct="1">
+      <a:defRPr sz="1200" kern="1200">
+        <a:solidFill>
+          <a:schemeClr val="tx1"/>
+        </a:solidFill>
+        <a:latin typeface="+mn-lt"/>
+        <a:ea typeface="+mn-ea"/>
+        <a:cs typeface="+mn-cs"/>
+      </a:defRPr>
+    </a:lvl2pPr>
+    <a:lvl3pPr marL="914400" algn="l" defTabSz="914400" rtl="0" eaLnBrk="1" latinLnBrk="0" hangingPunct="1">
+      <a:defRPr sz="1200" kern="1200">
+        <a:solidFill>
+          <a:schemeClr val="tx1"/>
+        </a:solidFill>
+        <a:latin typeface="+mn-lt"/>
+        <a:ea typeface="+mn-ea"/>
+        <a:cs typeface="+mn-cs"/>
+      </a:defRPr>
+    </a:lvl3pPr>
+    <a:lvl4pPr marL="1371600" algn="l" defTabSz="914400" rtl="0" eaLnBrk="1" latinLnBrk="0" hangingPunct="1">
+      <a:defRPr sz="1200" kern="1200">
+        <a:solidFill>
+          <a:schemeClr val="tx1"/>
+        </a:solidFill>
+        <a:latin typeface="+mn-lt"/>
+        <a:ea typeface="+mn-ea"/>
+        <a:cs typeface="+mn-cs"/>
+      </a:defRPr>
+    </a:lvl4pPr>
+    <a:lvl5pPr marL="1828800" algn="l" defTabSz="914400" rtl="0" eaLnBrk="1" latinLnBrk="0" hangingPunct="1">
+      <a:defRPr sz="1200" kern="1200">
+        <a:solidFill>
+          <a:schemeClr val="tx1"/>
+        </a:solidFill>
+        <a:latin typeface="+mn-lt"/>
+        <a:ea typeface="+mn-ea"/>
+        <a:cs typeface="+mn-cs"/>
+      </a:defRPr>
+    </a:lvl5pPr>
+    <a:lvl6pPr marL="2286000" algn="l" defTabSz="914400" rtl="0" eaLnBrk="1" latinLnBrk="0" hangingPunct="1">
+      <a:defRPr sz="1200" kern="1200">
+        <a:solidFill>
+          <a:schemeClr val="tx1"/>
+        </a:solidFill>
+        <a:latin typeface="+mn-lt"/>
+        <a:ea typeface="+mn-ea"/>
+        <a:cs typeface="+mn-cs"/>
+      </a:defRPr>
+    </a:lvl6pPr>
+    <a:lvl7pPr marL="2743200" algn="l" defTabSz="914400" rtl="0" eaLnBrk="1" latinLnBrk="0" hangingPunct="1">
+      <a:defRPr sz="1200" kern="1200">
+        <a:solidFill>
+          <a:schemeClr val="tx1"/>
+        </a:solidFill>
+        <a:latin typeface="+mn-lt"/>
+        <a:ea typeface="+mn-ea"/>
+        <a:cs typeface="+mn-cs"/>
+      </a:defRPr>
+    </a:lvl7pPr>
+    <a:lvl8pPr marL="3200400" algn="l" defTabSz="914400" rtl="0" eaLnBrk="1" latinLnBrk="0" hangingPunct="1">
+      <a:defRPr sz="1200" kern="1200">
+        <a:solidFill>
+          <a:schemeClr val="tx1"/>
+        </a:solidFill>
+        <a:latin typeface="+mn-lt"/>
+        <a:ea typeface="+mn-ea"/>
+        <a:cs typeface="+mn-cs"/>
+      </a:defRPr>
+    </a:lvl8pPr>
+    <a:lvl9pPr marL="3657600" algn="l" defTabSz="914400" rtl="0" eaLnBrk="1" latinLnBrk="0" hangingPunct="1">
+      <a:defRPr sz="1200" kern="1200">
+        <a:solidFill>
+          <a:schemeClr val="tx1"/>
+        </a:solidFill>
+        <a:latin typeface="+mn-lt"/>
+        <a:ea typeface="+mn-ea"/>
+        <a:cs typeface="+mn-cs"/>
+      </a:defRPr>
+    </a:lvl9pPr>
+  </p:notesStyle>
+</p:notesMaster>
+</file>
+
+<file path=ppt/notesSlides/notesSlide1.xml><?xml version="1.0" encoding="utf-8"?>
+<p:notes xmlns:a="http://schemas.openxmlformats.org/drawingml/2006/main" xmlns:r="http://schemas.openxmlformats.org/officeDocument/2006/relationships" xmlns:p="http://schemas.openxmlformats.org/presentationml/2006/main">
+  <p:cSld>
+    <p:spTree>
+      <p:nvGrpSpPr>
+        <p:cNvPr id="1" name=""/>
+        <p:cNvGrpSpPr/>
+        <p:nvPr/>
+      </p:nvGrpSpPr>
+      <p:grpSpPr>
+        <a:xfrm>
+          <a:off x="0" y="0"/>
+          <a:ext cx="0" cy="0"/>
+          <a:chOff x="0" y="0"/>
+          <a:chExt cx="0" cy="0"/>
+        </a:xfrm>
+      </p:grpSpPr>
+      <p:sp>
+        <p:nvSpPr>
+          <p:cNvPr id="2" name="Folienbildplatzhalter 1"/>
+          <p:cNvSpPr>
+            <a:spLocks noGrp="1" noRot="1" noChangeAspect="1"/>
+          </p:cNvSpPr>
+          <p:nvPr>
+            <p:ph type="sldImg"/>
+          </p:nvPr>
+        </p:nvSpPr>
+        <p:spPr/>
+      </p:sp>
+      <p:sp>
+        <p:nvSpPr>
+          <p:cNvPr id="3" name="Notizenplatzhalter 2"/>
+          <p:cNvSpPr>
+            <a:spLocks noGrp="1"/>
+          </p:cNvSpPr>
+          <p:nvPr>
+            <p:ph type="body" idx="1"/>
+          </p:nvPr>
+        </p:nvSpPr>
+        <p:spPr/>
+        <p:txBody>
+          <a:bodyPr/>
+          <a:lstStyle/>
+          <a:p>
+            <a:endParaRPr lang="de-DE" dirty="0"/>
+          </a:p>
+        </p:txBody>
+      </p:sp>
+      <p:sp>
+        <p:nvSpPr>
+          <p:cNvPr id="4" name="Foliennummernplatzhalter 3"/>
+          <p:cNvSpPr>
+            <a:spLocks noGrp="1"/>
+          </p:cNvSpPr>
+          <p:nvPr>
+            <p:ph type="sldNum" sz="quarter" idx="10"/>
+          </p:nvPr>
+        </p:nvSpPr>
+        <p:spPr/>
+        <p:txBody>
+          <a:bodyPr/>
+          <a:lstStyle/>
+          <a:p>
+            <a:fld id="{DBE562BA-804D-42A8-94D3-1D4776CFAC2C}" type="slidenum">
+              <a:rPr lang="de-DE" smtClean="0"/>
+              <a:t>5</a:t>
+            </a:fld>
+            <a:endParaRPr lang="de-DE"/>
+          </a:p>
+        </p:txBody>
+      </p:sp>
+    </p:spTree>
+    <p:extLst>
+      <p:ext uri="{BB962C8B-B14F-4D97-AF65-F5344CB8AC3E}">
+        <p14:creationId xmlns:p14="http://schemas.microsoft.com/office/powerpoint/2010/main" val="1578049506"/>
+      </p:ext>
+    </p:extLst>
+  </p:cSld>
+  <p:clrMapOvr>
+    <a:masterClrMapping/>
+  </p:clrMapOvr>
+</p:notes>
 </file>
 
 <file path=ppt/slideLayouts/slideLayout1.xml><?xml version="1.0" encoding="utf-8"?>
@@ -5700,7 +7285,7 @@
             <a:fld id="{B61BEF0D-F0BB-DE4B-95CE-6DB70DBA9567}" type="datetimeFigureOut">
               <a:rPr lang="en-US" smtClean="0"/>
               <a:pPr/>
-              <a:t>1/11/2017</a:t>
+              <a:t>1/12/2017</a:t>
             </a:fld>
             <a:endParaRPr lang="en-US" dirty="0"/>
           </a:p>
@@ -5998,7 +7583,7 @@
             <a:fld id="{B61BEF0D-F0BB-DE4B-95CE-6DB70DBA9567}" type="datetimeFigureOut">
               <a:rPr lang="en-US" smtClean="0"/>
               <a:pPr/>
-              <a:t>1/11/2017</a:t>
+              <a:t>1/12/2017</a:t>
             </a:fld>
             <a:endParaRPr lang="en-US" dirty="0"/>
           </a:p>
@@ -6248,7 +7833,7 @@
             <a:fld id="{B61BEF0D-F0BB-DE4B-95CE-6DB70DBA9567}" type="datetimeFigureOut">
               <a:rPr lang="en-US" smtClean="0"/>
               <a:pPr/>
-              <a:t>1/11/2017</a:t>
+              <a:t>1/12/2017</a:t>
             </a:fld>
             <a:endParaRPr lang="en-US" dirty="0"/>
           </a:p>
@@ -6790,7 +8375,7 @@
             <a:fld id="{B61BEF0D-F0BB-DE4B-95CE-6DB70DBA9567}" type="datetimeFigureOut">
               <a:rPr lang="en-US" smtClean="0"/>
               <a:pPr/>
-              <a:t>1/11/2017</a:t>
+              <a:t>1/12/2017</a:t>
             </a:fld>
             <a:endParaRPr lang="en-US" dirty="0"/>
           </a:p>
@@ -7040,7 +8625,7 @@
             <a:fld id="{B61BEF0D-F0BB-DE4B-95CE-6DB70DBA9567}" type="datetimeFigureOut">
               <a:rPr lang="en-US" smtClean="0"/>
               <a:pPr/>
-              <a:t>1/11/2017</a:t>
+              <a:t>1/12/2017</a:t>
             </a:fld>
             <a:endParaRPr lang="en-US" dirty="0"/>
           </a:p>
@@ -7574,7 +9159,7 @@
             <a:fld id="{B61BEF0D-F0BB-DE4B-95CE-6DB70DBA9567}" type="datetimeFigureOut">
               <a:rPr lang="en-US" smtClean="0"/>
               <a:pPr/>
-              <a:t>1/11/2017</a:t>
+              <a:t>1/12/2017</a:t>
             </a:fld>
             <a:endParaRPr lang="en-US" dirty="0"/>
           </a:p>
@@ -7873,7 +9458,7 @@
             <a:fld id="{B61BEF0D-F0BB-DE4B-95CE-6DB70DBA9567}" type="datetimeFigureOut">
               <a:rPr lang="en-US" smtClean="0"/>
               <a:pPr/>
-              <a:t>1/11/2017</a:t>
+              <a:t>1/12/2017</a:t>
             </a:fld>
             <a:endParaRPr lang="en-US" dirty="0"/>
           </a:p>
@@ -8049,7 +9634,7 @@
             <a:fld id="{B61BEF0D-F0BB-DE4B-95CE-6DB70DBA9567}" type="datetimeFigureOut">
               <a:rPr lang="en-US" smtClean="0"/>
               <a:pPr/>
-              <a:t>1/11/2017</a:t>
+              <a:t>1/12/2017</a:t>
             </a:fld>
             <a:endParaRPr lang="en-US" dirty="0"/>
           </a:p>
@@ -8231,7 +9816,7 @@
             <a:fld id="{B61BEF0D-F0BB-DE4B-95CE-6DB70DBA9567}" type="datetimeFigureOut">
               <a:rPr lang="en-US" smtClean="0"/>
               <a:pPr/>
-              <a:t>1/11/2017</a:t>
+              <a:t>1/12/2017</a:t>
             </a:fld>
             <a:endParaRPr lang="en-US" dirty="0"/>
           </a:p>
@@ -8403,7 +9988,7 @@
             <a:fld id="{B61BEF0D-F0BB-DE4B-95CE-6DB70DBA9567}" type="datetimeFigureOut">
               <a:rPr lang="en-US" smtClean="0"/>
               <a:pPr/>
-              <a:t>1/11/2017</a:t>
+              <a:t>1/12/2017</a:t>
             </a:fld>
             <a:endParaRPr lang="en-US" dirty="0"/>
           </a:p>
@@ -8656,7 +10241,7 @@
             <a:fld id="{B61BEF0D-F0BB-DE4B-95CE-6DB70DBA9567}" type="datetimeFigureOut">
               <a:rPr lang="en-US" smtClean="0"/>
               <a:pPr/>
-              <a:t>1/11/2017</a:t>
+              <a:t>1/12/2017</a:t>
             </a:fld>
             <a:endParaRPr lang="en-US" dirty="0"/>
           </a:p>
@@ -8955,7 +10540,7 @@
             <a:fld id="{B61BEF0D-F0BB-DE4B-95CE-6DB70DBA9567}" type="datetimeFigureOut">
               <a:rPr lang="en-US" smtClean="0"/>
               <a:pPr/>
-              <a:t>1/11/2017</a:t>
+              <a:t>1/12/2017</a:t>
             </a:fld>
             <a:endParaRPr lang="en-US" dirty="0"/>
           </a:p>
@@ -9399,7 +10984,7 @@
             <a:fld id="{B61BEF0D-F0BB-DE4B-95CE-6DB70DBA9567}" type="datetimeFigureOut">
               <a:rPr lang="en-US" smtClean="0"/>
               <a:pPr/>
-              <a:t>1/11/2017</a:t>
+              <a:t>1/12/2017</a:t>
             </a:fld>
             <a:endParaRPr lang="en-US" dirty="0"/>
           </a:p>
@@ -9519,7 +11104,7 @@
             <a:fld id="{B61BEF0D-F0BB-DE4B-95CE-6DB70DBA9567}" type="datetimeFigureOut">
               <a:rPr lang="en-US" smtClean="0"/>
               <a:pPr/>
-              <a:t>1/11/2017</a:t>
+              <a:t>1/12/2017</a:t>
             </a:fld>
             <a:endParaRPr lang="en-US" dirty="0"/>
           </a:p>
@@ -9616,7 +11201,7 @@
             <a:fld id="{B61BEF0D-F0BB-DE4B-95CE-6DB70DBA9567}" type="datetimeFigureOut">
               <a:rPr lang="en-US" smtClean="0"/>
               <a:pPr/>
-              <a:t>1/11/2017</a:t>
+              <a:t>1/12/2017</a:t>
             </a:fld>
             <a:endParaRPr lang="en-US" dirty="0"/>
           </a:p>
@@ -9901,7 +11486,7 @@
             <a:fld id="{B61BEF0D-F0BB-DE4B-95CE-6DB70DBA9567}" type="datetimeFigureOut">
               <a:rPr lang="en-US" smtClean="0"/>
               <a:pPr/>
-              <a:t>1/11/2017</a:t>
+              <a:t>1/12/2017</a:t>
             </a:fld>
             <a:endParaRPr lang="en-US" dirty="0"/>
           </a:p>
@@ -10194,7 +11779,7 @@
             <a:fld id="{B61BEF0D-F0BB-DE4B-95CE-6DB70DBA9567}" type="datetimeFigureOut">
               <a:rPr lang="en-US" smtClean="0"/>
               <a:pPr/>
-              <a:t>1/11/2017</a:t>
+              <a:t>1/12/2017</a:t>
             </a:fld>
             <a:endParaRPr lang="en-US" dirty="0"/>
           </a:p>
@@ -10726,7 +12311,7 @@
             <a:fld id="{B61BEF0D-F0BB-DE4B-95CE-6DB70DBA9567}" type="datetimeFigureOut">
               <a:rPr lang="en-US" smtClean="0"/>
               <a:pPr/>
-              <a:t>1/11/2017</a:t>
+              <a:t>1/12/2017</a:t>
             </a:fld>
             <a:endParaRPr lang="en-US" dirty="0"/>
           </a:p>
@@ -11353,21 +12938,26 @@
             <p:ph type="title"/>
           </p:nvPr>
         </p:nvSpPr>
-        <p:spPr/>
+        <p:spPr>
+          <a:xfrm>
+            <a:off x="1484309" y="0"/>
+            <a:ext cx="10018713" cy="1752599"/>
+          </a:xfrm>
+        </p:spPr>
         <p:txBody>
           <a:bodyPr/>
           <a:lstStyle/>
           <a:p>
             <a:r>
               <a:rPr lang="de-DE" dirty="0"/>
-              <a:t>Story</a:t>
+              <a:t>Player Rules</a:t>
             </a:r>
           </a:p>
         </p:txBody>
       </p:sp>
       <p:graphicFrame>
         <p:nvGraphicFramePr>
-          <p:cNvPr id="5" name="Inhaltsplatzhalter 4"/>
+          <p:cNvPr id="4" name="Inhaltsplatzhalter 3"/>
           <p:cNvGraphicFramePr>
             <a:graphicFrameLocks noGrp="1"/>
           </p:cNvGraphicFramePr>
@@ -11375,7 +12965,7 @@
             <p:ph idx="1"/>
             <p:extLst>
               <p:ext uri="{D42A27DB-BD31-4B8C-83A1-F6EECF244321}">
-                <p14:modId xmlns:p14="http://schemas.microsoft.com/office/powerpoint/2010/main" val="285146487"/>
+                <p14:modId xmlns:p14="http://schemas.microsoft.com/office/powerpoint/2010/main" val="4201617337"/>
               </p:ext>
             </p:extLst>
           </p:nvPr>
@@ -11393,7 +12983,1551 @@
     </p:spTree>
     <p:extLst>
       <p:ext uri="{BB962C8B-B14F-4D97-AF65-F5344CB8AC3E}">
-        <p14:creationId xmlns:p14="http://schemas.microsoft.com/office/powerpoint/2010/main" val="4126503922"/>
+        <p14:creationId xmlns:p14="http://schemas.microsoft.com/office/powerpoint/2010/main" val="1976733029"/>
+      </p:ext>
+    </p:extLst>
+  </p:cSld>
+  <p:clrMapOvr>
+    <a:masterClrMapping/>
+  </p:clrMapOvr>
+  <p:timing>
+    <p:tnLst>
+      <p:par>
+        <p:cTn id="1" dur="indefinite" restart="never" nodeType="tmRoot">
+          <p:childTnLst>
+            <p:seq concurrent="1" nextAc="seek">
+              <p:cTn id="2" dur="indefinite" nodeType="mainSeq">
+                <p:childTnLst>
+                  <p:par>
+                    <p:cTn id="3" fill="hold">
+                      <p:stCondLst>
+                        <p:cond delay="indefinite"/>
+                      </p:stCondLst>
+                      <p:childTnLst>
+                        <p:par>
+                          <p:cTn id="4" fill="hold">
+                            <p:stCondLst>
+                              <p:cond delay="0"/>
+                            </p:stCondLst>
+                            <p:childTnLst>
+                              <p:par>
+                                <p:cTn id="5" presetID="22" presetClass="entr" presetSubtype="4" fill="hold" grpId="0" nodeType="clickEffect">
+                                  <p:stCondLst>
+                                    <p:cond delay="0"/>
+                                  </p:stCondLst>
+                                  <p:childTnLst>
+                                    <p:set>
+                                      <p:cBhvr>
+                                        <p:cTn id="6" dur="1" fill="hold">
+                                          <p:stCondLst>
+                                            <p:cond delay="0"/>
+                                          </p:stCondLst>
+                                        </p:cTn>
+                                        <p:tgtEl>
+                                          <p:spTgt spid="4"/>
+                                        </p:tgtEl>
+                                        <p:attrNameLst>
+                                          <p:attrName>style.visibility</p:attrName>
+                                        </p:attrNameLst>
+                                      </p:cBhvr>
+                                      <p:to>
+                                        <p:strVal val="visible"/>
+                                      </p:to>
+                                    </p:set>
+                                    <p:animEffect transition="in" filter="wipe(down)">
+                                      <p:cBhvr>
+                                        <p:cTn id="7" dur="500"/>
+                                        <p:tgtEl>
+                                          <p:spTgt spid="4"/>
+                                        </p:tgtEl>
+                                      </p:cBhvr>
+                                    </p:animEffect>
+                                  </p:childTnLst>
+                                </p:cTn>
+                              </p:par>
+                            </p:childTnLst>
+                          </p:cTn>
+                        </p:par>
+                      </p:childTnLst>
+                    </p:cTn>
+                  </p:par>
+                </p:childTnLst>
+              </p:cTn>
+              <p:prevCondLst>
+                <p:cond evt="onPrev" delay="0">
+                  <p:tgtEl>
+                    <p:sldTgt/>
+                  </p:tgtEl>
+                </p:cond>
+              </p:prevCondLst>
+              <p:nextCondLst>
+                <p:cond evt="onNext" delay="0">
+                  <p:tgtEl>
+                    <p:sldTgt/>
+                  </p:tgtEl>
+                </p:cond>
+              </p:nextCondLst>
+            </p:seq>
+          </p:childTnLst>
+        </p:cTn>
+      </p:par>
+    </p:tnLst>
+    <p:bldLst>
+      <p:bldGraphic spid="4" grpId="0">
+        <p:bldAsOne/>
+      </p:bldGraphic>
+    </p:bldLst>
+  </p:timing>
+</p:sld>
+</file>
+
+<file path=ppt/slides/slide3.xml><?xml version="1.0" encoding="utf-8"?>
+<p:sld xmlns:a="http://schemas.openxmlformats.org/drawingml/2006/main" xmlns:r="http://schemas.openxmlformats.org/officeDocument/2006/relationships" xmlns:p="http://schemas.openxmlformats.org/presentationml/2006/main">
+  <p:cSld>
+    <p:spTree>
+      <p:nvGrpSpPr>
+        <p:cNvPr id="1" name=""/>
+        <p:cNvGrpSpPr/>
+        <p:nvPr/>
+      </p:nvGrpSpPr>
+      <p:grpSpPr>
+        <a:xfrm>
+          <a:off x="0" y="0"/>
+          <a:ext cx="0" cy="0"/>
+          <a:chOff x="0" y="0"/>
+          <a:chExt cx="0" cy="0"/>
+        </a:xfrm>
+      </p:grpSpPr>
+      <p:sp>
+        <p:nvSpPr>
+          <p:cNvPr id="2" name="Titel 1"/>
+          <p:cNvSpPr>
+            <a:spLocks noGrp="1"/>
+          </p:cNvSpPr>
+          <p:nvPr>
+            <p:ph type="title"/>
+          </p:nvPr>
+        </p:nvSpPr>
+        <p:spPr>
+          <a:xfrm>
+            <a:off x="1484309" y="0"/>
+            <a:ext cx="10018713" cy="1752599"/>
+          </a:xfrm>
+        </p:spPr>
+        <p:txBody>
+          <a:bodyPr/>
+          <a:lstStyle/>
+          <a:p>
+            <a:r>
+              <a:rPr lang="de-DE" dirty="0"/>
+              <a:t>Story</a:t>
+            </a:r>
+          </a:p>
+        </p:txBody>
+      </p:sp>
+      <p:pic>
+        <p:nvPicPr>
+          <p:cNvPr id="4" name="Inhaltsplatzhalter 3"/>
+          <p:cNvPicPr>
+            <a:picLocks noGrp="1" noChangeAspect="1"/>
+          </p:cNvPicPr>
+          <p:nvPr>
+            <p:ph idx="1"/>
+          </p:nvPr>
+        </p:nvPicPr>
+        <p:blipFill>
+          <a:blip r:embed="rId2"/>
+          <a:stretch>
+            <a:fillRect/>
+          </a:stretch>
+        </p:blipFill>
+        <p:spPr>
+          <a:xfrm>
+            <a:off x="2809734" y="1752599"/>
+            <a:ext cx="7367861" cy="4911909"/>
+          </a:xfrm>
+        </p:spPr>
+      </p:pic>
+    </p:spTree>
+    <p:extLst>
+      <p:ext uri="{BB962C8B-B14F-4D97-AF65-F5344CB8AC3E}">
+        <p14:creationId xmlns:p14="http://schemas.microsoft.com/office/powerpoint/2010/main" val="383754582"/>
+      </p:ext>
+    </p:extLst>
+  </p:cSld>
+  <p:clrMapOvr>
+    <a:masterClrMapping/>
+  </p:clrMapOvr>
+  <p:timing>
+    <p:tnLst>
+      <p:par>
+        <p:cTn id="1" dur="indefinite" restart="never" nodeType="tmRoot">
+          <p:childTnLst>
+            <p:seq concurrent="1" nextAc="seek">
+              <p:cTn id="2" dur="indefinite" nodeType="mainSeq">
+                <p:childTnLst>
+                  <p:par>
+                    <p:cTn id="3" fill="hold">
+                      <p:stCondLst>
+                        <p:cond delay="indefinite"/>
+                      </p:stCondLst>
+                      <p:childTnLst>
+                        <p:par>
+                          <p:cTn id="4" fill="hold">
+                            <p:stCondLst>
+                              <p:cond delay="0"/>
+                            </p:stCondLst>
+                            <p:childTnLst>
+                              <p:par>
+                                <p:cTn id="5" presetID="10" presetClass="entr" presetSubtype="0" fill="hold" nodeType="clickEffect">
+                                  <p:stCondLst>
+                                    <p:cond delay="0"/>
+                                  </p:stCondLst>
+                                  <p:childTnLst>
+                                    <p:set>
+                                      <p:cBhvr>
+                                        <p:cTn id="6" dur="1" fill="hold">
+                                          <p:stCondLst>
+                                            <p:cond delay="0"/>
+                                          </p:stCondLst>
+                                        </p:cTn>
+                                        <p:tgtEl>
+                                          <p:spTgt spid="4"/>
+                                        </p:tgtEl>
+                                        <p:attrNameLst>
+                                          <p:attrName>style.visibility</p:attrName>
+                                        </p:attrNameLst>
+                                      </p:cBhvr>
+                                      <p:to>
+                                        <p:strVal val="visible"/>
+                                      </p:to>
+                                    </p:set>
+                                    <p:animEffect transition="in" filter="fade">
+                                      <p:cBhvr>
+                                        <p:cTn id="7" dur="500"/>
+                                        <p:tgtEl>
+                                          <p:spTgt spid="4"/>
+                                        </p:tgtEl>
+                                      </p:cBhvr>
+                                    </p:animEffect>
+                                  </p:childTnLst>
+                                </p:cTn>
+                              </p:par>
+                            </p:childTnLst>
+                          </p:cTn>
+                        </p:par>
+                      </p:childTnLst>
+                    </p:cTn>
+                  </p:par>
+                </p:childTnLst>
+              </p:cTn>
+              <p:prevCondLst>
+                <p:cond evt="onPrev" delay="0">
+                  <p:tgtEl>
+                    <p:sldTgt/>
+                  </p:tgtEl>
+                </p:cond>
+              </p:prevCondLst>
+              <p:nextCondLst>
+                <p:cond evt="onNext" delay="0">
+                  <p:tgtEl>
+                    <p:sldTgt/>
+                  </p:tgtEl>
+                </p:cond>
+              </p:nextCondLst>
+            </p:seq>
+          </p:childTnLst>
+        </p:cTn>
+      </p:par>
+    </p:tnLst>
+  </p:timing>
+</p:sld>
+</file>
+
+<file path=ppt/slides/slide4.xml><?xml version="1.0" encoding="utf-8"?>
+<p:sld xmlns:a="http://schemas.openxmlformats.org/drawingml/2006/main" xmlns:r="http://schemas.openxmlformats.org/officeDocument/2006/relationships" xmlns:p="http://schemas.openxmlformats.org/presentationml/2006/main">
+  <p:cSld>
+    <p:spTree>
+      <p:nvGrpSpPr>
+        <p:cNvPr id="1" name=""/>
+        <p:cNvGrpSpPr/>
+        <p:nvPr/>
+      </p:nvGrpSpPr>
+      <p:grpSpPr>
+        <a:xfrm>
+          <a:off x="0" y="0"/>
+          <a:ext cx="0" cy="0"/>
+          <a:chOff x="0" y="0"/>
+          <a:chExt cx="0" cy="0"/>
+        </a:xfrm>
+      </p:grpSpPr>
+      <p:sp>
+        <p:nvSpPr>
+          <p:cNvPr id="2" name="Titel 1"/>
+          <p:cNvSpPr>
+            <a:spLocks noGrp="1"/>
+          </p:cNvSpPr>
+          <p:nvPr>
+            <p:ph type="title"/>
+          </p:nvPr>
+        </p:nvSpPr>
+        <p:spPr>
+          <a:xfrm>
+            <a:off x="1484309" y="0"/>
+            <a:ext cx="10018713" cy="1752599"/>
+          </a:xfrm>
+        </p:spPr>
+        <p:txBody>
+          <a:bodyPr/>
+          <a:lstStyle/>
+          <a:p>
+            <a:r>
+              <a:rPr lang="de-DE" dirty="0"/>
+              <a:t>Story</a:t>
+            </a:r>
+          </a:p>
+        </p:txBody>
+      </p:sp>
+      <p:pic>
+        <p:nvPicPr>
+          <p:cNvPr id="4" name="Inhaltsplatzhalter 3"/>
+          <p:cNvPicPr>
+            <a:picLocks noGrp="1" noChangeAspect="1"/>
+          </p:cNvPicPr>
+          <p:nvPr>
+            <p:ph idx="1"/>
+          </p:nvPr>
+        </p:nvPicPr>
+        <p:blipFill>
+          <a:blip r:embed="rId2"/>
+          <a:stretch>
+            <a:fillRect/>
+          </a:stretch>
+        </p:blipFill>
+        <p:spPr>
+          <a:xfrm>
+            <a:off x="2809734" y="1752600"/>
+            <a:ext cx="7367861" cy="4911907"/>
+          </a:xfrm>
+        </p:spPr>
+      </p:pic>
+    </p:spTree>
+    <p:extLst>
+      <p:ext uri="{BB962C8B-B14F-4D97-AF65-F5344CB8AC3E}">
+        <p14:creationId xmlns:p14="http://schemas.microsoft.com/office/powerpoint/2010/main" val="2445651604"/>
+      </p:ext>
+    </p:extLst>
+  </p:cSld>
+  <p:clrMapOvr>
+    <a:masterClrMapping/>
+  </p:clrMapOvr>
+</p:sld>
+</file>
+
+<file path=ppt/slides/slide5.xml><?xml version="1.0" encoding="utf-8"?>
+<p:sld xmlns:a="http://schemas.openxmlformats.org/drawingml/2006/main" xmlns:r="http://schemas.openxmlformats.org/officeDocument/2006/relationships" xmlns:p="http://schemas.openxmlformats.org/presentationml/2006/main">
+  <p:cSld>
+    <p:spTree>
+      <p:nvGrpSpPr>
+        <p:cNvPr id="1" name=""/>
+        <p:cNvGrpSpPr/>
+        <p:nvPr/>
+      </p:nvGrpSpPr>
+      <p:grpSpPr>
+        <a:xfrm>
+          <a:off x="0" y="0"/>
+          <a:ext cx="0" cy="0"/>
+          <a:chOff x="0" y="0"/>
+          <a:chExt cx="0" cy="0"/>
+        </a:xfrm>
+      </p:grpSpPr>
+      <p:sp>
+        <p:nvSpPr>
+          <p:cNvPr id="2" name="Titel 1"/>
+          <p:cNvSpPr>
+            <a:spLocks noGrp="1"/>
+          </p:cNvSpPr>
+          <p:nvPr>
+            <p:ph type="title"/>
+          </p:nvPr>
+        </p:nvSpPr>
+        <p:spPr>
+          <a:xfrm>
+            <a:off x="1484310" y="0"/>
+            <a:ext cx="10018713" cy="1752599"/>
+          </a:xfrm>
+        </p:spPr>
+        <p:txBody>
+          <a:bodyPr/>
+          <a:lstStyle/>
+          <a:p>
+            <a:r>
+              <a:rPr lang="de-DE" dirty="0" err="1"/>
+              <a:t>Meaningful</a:t>
+            </a:r>
+            <a:r>
+              <a:rPr lang="de-DE" dirty="0"/>
+              <a:t> Play</a:t>
+            </a:r>
+          </a:p>
+        </p:txBody>
+      </p:sp>
+      <p:sp>
+        <p:nvSpPr>
+          <p:cNvPr id="3" name="Inhaltsplatzhalter 2"/>
+          <p:cNvSpPr>
+            <a:spLocks noGrp="1"/>
+          </p:cNvSpPr>
+          <p:nvPr>
+            <p:ph idx="1"/>
+          </p:nvPr>
+        </p:nvSpPr>
+        <p:spPr>
+          <a:xfrm>
+            <a:off x="3541799" y="1752599"/>
+            <a:ext cx="5903734" cy="4128912"/>
+          </a:xfrm>
+        </p:spPr>
+        <p:txBody>
+          <a:bodyPr>
+            <a:normAutofit/>
+          </a:bodyPr>
+          <a:lstStyle/>
+          <a:p>
+            <a:r>
+              <a:rPr lang="de-DE" dirty="0"/>
+              <a:t>Kill an </a:t>
+            </a:r>
+            <a:r>
+              <a:rPr lang="de-DE" dirty="0" err="1"/>
+              <a:t>enemy</a:t>
+            </a:r>
+            <a:endParaRPr lang="de-DE" dirty="0"/>
+          </a:p>
+          <a:p>
+            <a:pPr lvl="1"/>
+            <a:r>
+              <a:rPr lang="de-DE" dirty="0" err="1"/>
+              <a:t>You</a:t>
+            </a:r>
+            <a:r>
+              <a:rPr lang="de-DE" dirty="0"/>
+              <a:t> </a:t>
+            </a:r>
+            <a:r>
+              <a:rPr lang="de-DE" dirty="0" err="1"/>
+              <a:t>get</a:t>
+            </a:r>
+            <a:r>
+              <a:rPr lang="de-DE" dirty="0"/>
+              <a:t> </a:t>
+            </a:r>
+            <a:r>
+              <a:rPr lang="de-DE" dirty="0" err="1"/>
+              <a:t>rewarded</a:t>
+            </a:r>
+            <a:r>
+              <a:rPr lang="de-DE" dirty="0"/>
+              <a:t> </a:t>
+            </a:r>
+            <a:r>
+              <a:rPr lang="de-DE" dirty="0" err="1"/>
+              <a:t>with</a:t>
+            </a:r>
+            <a:r>
+              <a:rPr lang="de-DE" dirty="0"/>
+              <a:t> web </a:t>
+            </a:r>
+            <a:r>
+              <a:rPr lang="de-DE" dirty="0" err="1"/>
+              <a:t>resource</a:t>
+            </a:r>
+            <a:r>
+              <a:rPr lang="de-DE" dirty="0"/>
+              <a:t>!</a:t>
+            </a:r>
+          </a:p>
+          <a:p>
+            <a:r>
+              <a:rPr lang="de-DE" dirty="0"/>
+              <a:t>Finish a </a:t>
+            </a:r>
+            <a:r>
+              <a:rPr lang="de-DE" dirty="0" err="1"/>
+              <a:t>level</a:t>
+            </a:r>
+            <a:endParaRPr lang="de-DE" dirty="0"/>
+          </a:p>
+          <a:p>
+            <a:pPr lvl="1"/>
+            <a:r>
+              <a:rPr lang="de-DE" dirty="0"/>
+              <a:t>The score will </a:t>
+            </a:r>
+            <a:r>
+              <a:rPr lang="de-DE" dirty="0" err="1"/>
+              <a:t>show</a:t>
+            </a:r>
+            <a:r>
+              <a:rPr lang="de-DE" dirty="0"/>
+              <a:t> </a:t>
+            </a:r>
+            <a:r>
+              <a:rPr lang="de-DE" dirty="0" err="1"/>
+              <a:t>you</a:t>
+            </a:r>
+            <a:r>
+              <a:rPr lang="de-DE" dirty="0"/>
+              <a:t> </a:t>
+            </a:r>
+            <a:r>
+              <a:rPr lang="de-DE" dirty="0" err="1"/>
+              <a:t>how</a:t>
+            </a:r>
+            <a:r>
+              <a:rPr lang="de-DE" dirty="0"/>
+              <a:t> </a:t>
+            </a:r>
+            <a:r>
+              <a:rPr lang="de-DE" dirty="0" err="1"/>
+              <a:t>well</a:t>
+            </a:r>
+            <a:r>
+              <a:rPr lang="de-DE" dirty="0"/>
+              <a:t> </a:t>
+            </a:r>
+            <a:r>
+              <a:rPr lang="de-DE" dirty="0" err="1"/>
+              <a:t>you</a:t>
+            </a:r>
+            <a:r>
+              <a:rPr lang="de-DE" dirty="0"/>
+              <a:t> </a:t>
+            </a:r>
+            <a:r>
+              <a:rPr lang="de-DE" dirty="0" err="1"/>
+              <a:t>did</a:t>
+            </a:r>
+            <a:r>
+              <a:rPr lang="de-DE" dirty="0"/>
+              <a:t>!</a:t>
+            </a:r>
+          </a:p>
+          <a:p>
+            <a:r>
+              <a:rPr lang="de-DE" dirty="0" err="1"/>
+              <a:t>Explore</a:t>
+            </a:r>
+            <a:r>
+              <a:rPr lang="de-DE" dirty="0"/>
+              <a:t> </a:t>
+            </a:r>
+            <a:r>
+              <a:rPr lang="de-DE" dirty="0" err="1"/>
+              <a:t>hard</a:t>
+            </a:r>
+            <a:r>
+              <a:rPr lang="de-DE" dirty="0"/>
+              <a:t> </a:t>
+            </a:r>
+            <a:r>
+              <a:rPr lang="de-DE" dirty="0" err="1"/>
+              <a:t>to</a:t>
+            </a:r>
+            <a:r>
+              <a:rPr lang="de-DE" dirty="0"/>
+              <a:t> </a:t>
+            </a:r>
+            <a:r>
+              <a:rPr lang="de-DE" dirty="0" err="1"/>
+              <a:t>reach</a:t>
+            </a:r>
+            <a:r>
+              <a:rPr lang="de-DE" dirty="0"/>
+              <a:t> / </a:t>
+            </a:r>
+            <a:r>
+              <a:rPr lang="de-DE" dirty="0" err="1"/>
+              <a:t>hidden</a:t>
+            </a:r>
+            <a:r>
+              <a:rPr lang="de-DE" dirty="0"/>
+              <a:t> </a:t>
+            </a:r>
+            <a:r>
+              <a:rPr lang="de-DE" dirty="0" err="1"/>
+              <a:t>areas</a:t>
+            </a:r>
+            <a:endParaRPr lang="de-DE" dirty="0"/>
+          </a:p>
+          <a:p>
+            <a:pPr lvl="1"/>
+            <a:r>
+              <a:rPr lang="de-DE" dirty="0" err="1"/>
+              <a:t>You</a:t>
+            </a:r>
+            <a:r>
+              <a:rPr lang="de-DE" dirty="0"/>
+              <a:t> will find </a:t>
+            </a:r>
+            <a:r>
+              <a:rPr lang="de-DE" dirty="0" err="1"/>
+              <a:t>collectables</a:t>
+            </a:r>
+            <a:r>
+              <a:rPr lang="de-DE" dirty="0"/>
+              <a:t> </a:t>
+            </a:r>
+            <a:r>
+              <a:rPr lang="de-DE" dirty="0" err="1"/>
+              <a:t>to</a:t>
+            </a:r>
+            <a:r>
+              <a:rPr lang="de-DE" dirty="0"/>
+              <a:t> </a:t>
+            </a:r>
+            <a:r>
+              <a:rPr lang="de-DE" dirty="0" err="1"/>
+              <a:t>improve</a:t>
+            </a:r>
+            <a:r>
+              <a:rPr lang="de-DE" dirty="0"/>
+              <a:t> </a:t>
+            </a:r>
+            <a:r>
+              <a:rPr lang="de-DE" dirty="0" err="1"/>
+              <a:t>your</a:t>
+            </a:r>
+            <a:r>
+              <a:rPr lang="de-DE" dirty="0"/>
+              <a:t> score!</a:t>
+            </a:r>
+          </a:p>
+          <a:p>
+            <a:r>
+              <a:rPr lang="de-DE" dirty="0" err="1"/>
+              <a:t>Choose</a:t>
+            </a:r>
+            <a:r>
+              <a:rPr lang="de-DE" dirty="0"/>
+              <a:t> </a:t>
+            </a:r>
+            <a:r>
+              <a:rPr lang="de-DE" dirty="0" err="1"/>
+              <a:t>your</a:t>
+            </a:r>
+            <a:r>
+              <a:rPr lang="de-DE" dirty="0"/>
+              <a:t> playstyle</a:t>
+            </a:r>
+          </a:p>
+          <a:p>
+            <a:pPr lvl="1"/>
+            <a:r>
+              <a:rPr lang="de-DE" dirty="0" err="1"/>
+              <a:t>You</a:t>
+            </a:r>
+            <a:r>
+              <a:rPr lang="de-DE" dirty="0"/>
+              <a:t> </a:t>
+            </a:r>
+            <a:r>
+              <a:rPr lang="de-DE" dirty="0" err="1"/>
+              <a:t>can</a:t>
+            </a:r>
+            <a:r>
+              <a:rPr lang="de-DE" dirty="0"/>
+              <a:t> </a:t>
+            </a:r>
+            <a:r>
+              <a:rPr lang="de-DE" dirty="0" err="1"/>
+              <a:t>speedrun</a:t>
+            </a:r>
+            <a:r>
+              <a:rPr lang="de-DE" dirty="0"/>
+              <a:t> </a:t>
+            </a:r>
+            <a:r>
+              <a:rPr lang="de-DE" dirty="0" err="1"/>
+              <a:t>it</a:t>
+            </a:r>
+            <a:r>
+              <a:rPr lang="de-DE" dirty="0"/>
+              <a:t> </a:t>
+            </a:r>
+            <a:r>
+              <a:rPr lang="de-DE" dirty="0" err="1"/>
+              <a:t>or</a:t>
+            </a:r>
+            <a:r>
+              <a:rPr lang="de-DE" dirty="0"/>
+              <a:t> </a:t>
+            </a:r>
+            <a:r>
+              <a:rPr lang="de-DE" dirty="0" err="1"/>
+              <a:t>go</a:t>
+            </a:r>
+            <a:r>
+              <a:rPr lang="de-DE" dirty="0"/>
+              <a:t> </a:t>
+            </a:r>
+            <a:r>
+              <a:rPr lang="de-DE" dirty="0" err="1"/>
+              <a:t>for</a:t>
+            </a:r>
+            <a:r>
+              <a:rPr lang="de-DE" dirty="0"/>
+              <a:t> a </a:t>
+            </a:r>
+            <a:r>
+              <a:rPr lang="de-DE" dirty="0" err="1"/>
+              <a:t>full</a:t>
+            </a:r>
+            <a:r>
+              <a:rPr lang="de-DE" dirty="0"/>
+              <a:t> 5 </a:t>
+            </a:r>
+            <a:r>
+              <a:rPr lang="de-DE" dirty="0" err="1"/>
+              <a:t>star</a:t>
+            </a:r>
+            <a:r>
+              <a:rPr lang="de-DE" dirty="0"/>
+              <a:t> </a:t>
+            </a:r>
+            <a:r>
+              <a:rPr lang="de-DE" dirty="0" err="1"/>
+              <a:t>run</a:t>
+            </a:r>
+            <a:r>
+              <a:rPr lang="de-DE" dirty="0"/>
+              <a:t>!</a:t>
+            </a:r>
+          </a:p>
+        </p:txBody>
+      </p:sp>
+    </p:spTree>
+    <p:extLst>
+      <p:ext uri="{BB962C8B-B14F-4D97-AF65-F5344CB8AC3E}">
+        <p14:creationId xmlns:p14="http://schemas.microsoft.com/office/powerpoint/2010/main" val="1917154008"/>
+      </p:ext>
+    </p:extLst>
+  </p:cSld>
+  <p:clrMapOvr>
+    <a:masterClrMapping/>
+  </p:clrMapOvr>
+  <p:timing>
+    <p:tnLst>
+      <p:par>
+        <p:cTn id="1" dur="indefinite" restart="never" nodeType="tmRoot">
+          <p:childTnLst>
+            <p:seq concurrent="1" nextAc="seek">
+              <p:cTn id="2" dur="indefinite" nodeType="mainSeq">
+                <p:childTnLst>
+                  <p:par>
+                    <p:cTn id="3" fill="hold">
+                      <p:stCondLst>
+                        <p:cond delay="indefinite"/>
+                      </p:stCondLst>
+                      <p:childTnLst>
+                        <p:par>
+                          <p:cTn id="4" fill="hold">
+                            <p:stCondLst>
+                              <p:cond delay="0"/>
+                            </p:stCondLst>
+                            <p:childTnLst>
+                              <p:par>
+                                <p:cTn id="5" presetID="2" presetClass="entr" presetSubtype="4" fill="hold" grpId="0" nodeType="clickEffect">
+                                  <p:stCondLst>
+                                    <p:cond delay="0"/>
+                                  </p:stCondLst>
+                                  <p:childTnLst>
+                                    <p:set>
+                                      <p:cBhvr>
+                                        <p:cTn id="6" dur="1" fill="hold">
+                                          <p:stCondLst>
+                                            <p:cond delay="0"/>
+                                          </p:stCondLst>
+                                        </p:cTn>
+                                        <p:tgtEl>
+                                          <p:spTgt spid="3">
+                                            <p:txEl>
+                                              <p:pRg st="0" end="0"/>
+                                            </p:txEl>
+                                          </p:spTgt>
+                                        </p:tgtEl>
+                                        <p:attrNameLst>
+                                          <p:attrName>style.visibility</p:attrName>
+                                        </p:attrNameLst>
+                                      </p:cBhvr>
+                                      <p:to>
+                                        <p:strVal val="visible"/>
+                                      </p:to>
+                                    </p:set>
+                                    <p:anim calcmode="lin" valueType="num">
+                                      <p:cBhvr additive="base">
+                                        <p:cTn id="7" dur="500" fill="hold"/>
+                                        <p:tgtEl>
+                                          <p:spTgt spid="3">
+                                            <p:txEl>
+                                              <p:pRg st="0" end="0"/>
+                                            </p:txEl>
+                                          </p:spTgt>
+                                        </p:tgtEl>
+                                        <p:attrNameLst>
+                                          <p:attrName>ppt_x</p:attrName>
+                                        </p:attrNameLst>
+                                      </p:cBhvr>
+                                      <p:tavLst>
+                                        <p:tav tm="0">
+                                          <p:val>
+                                            <p:strVal val="#ppt_x"/>
+                                          </p:val>
+                                        </p:tav>
+                                        <p:tav tm="100000">
+                                          <p:val>
+                                            <p:strVal val="#ppt_x"/>
+                                          </p:val>
+                                        </p:tav>
+                                      </p:tavLst>
+                                    </p:anim>
+                                    <p:anim calcmode="lin" valueType="num">
+                                      <p:cBhvr additive="base">
+                                        <p:cTn id="8" dur="500" fill="hold"/>
+                                        <p:tgtEl>
+                                          <p:spTgt spid="3">
+                                            <p:txEl>
+                                              <p:pRg st="0" end="0"/>
+                                            </p:txEl>
+                                          </p:spTgt>
+                                        </p:tgtEl>
+                                        <p:attrNameLst>
+                                          <p:attrName>ppt_y</p:attrName>
+                                        </p:attrNameLst>
+                                      </p:cBhvr>
+                                      <p:tavLst>
+                                        <p:tav tm="0">
+                                          <p:val>
+                                            <p:strVal val="1+#ppt_h/2"/>
+                                          </p:val>
+                                        </p:tav>
+                                        <p:tav tm="100000">
+                                          <p:val>
+                                            <p:strVal val="#ppt_y"/>
+                                          </p:val>
+                                        </p:tav>
+                                      </p:tavLst>
+                                    </p:anim>
+                                  </p:childTnLst>
+                                </p:cTn>
+                              </p:par>
+                              <p:par>
+                                <p:cTn id="9" presetID="2" presetClass="entr" presetSubtype="4" fill="hold" grpId="0" nodeType="withEffect">
+                                  <p:stCondLst>
+                                    <p:cond delay="0"/>
+                                  </p:stCondLst>
+                                  <p:childTnLst>
+                                    <p:set>
+                                      <p:cBhvr>
+                                        <p:cTn id="10" dur="1" fill="hold">
+                                          <p:stCondLst>
+                                            <p:cond delay="0"/>
+                                          </p:stCondLst>
+                                        </p:cTn>
+                                        <p:tgtEl>
+                                          <p:spTgt spid="3">
+                                            <p:txEl>
+                                              <p:pRg st="1" end="1"/>
+                                            </p:txEl>
+                                          </p:spTgt>
+                                        </p:tgtEl>
+                                        <p:attrNameLst>
+                                          <p:attrName>style.visibility</p:attrName>
+                                        </p:attrNameLst>
+                                      </p:cBhvr>
+                                      <p:to>
+                                        <p:strVal val="visible"/>
+                                      </p:to>
+                                    </p:set>
+                                    <p:anim calcmode="lin" valueType="num">
+                                      <p:cBhvr additive="base">
+                                        <p:cTn id="11" dur="500" fill="hold"/>
+                                        <p:tgtEl>
+                                          <p:spTgt spid="3">
+                                            <p:txEl>
+                                              <p:pRg st="1" end="1"/>
+                                            </p:txEl>
+                                          </p:spTgt>
+                                        </p:tgtEl>
+                                        <p:attrNameLst>
+                                          <p:attrName>ppt_x</p:attrName>
+                                        </p:attrNameLst>
+                                      </p:cBhvr>
+                                      <p:tavLst>
+                                        <p:tav tm="0">
+                                          <p:val>
+                                            <p:strVal val="#ppt_x"/>
+                                          </p:val>
+                                        </p:tav>
+                                        <p:tav tm="100000">
+                                          <p:val>
+                                            <p:strVal val="#ppt_x"/>
+                                          </p:val>
+                                        </p:tav>
+                                      </p:tavLst>
+                                    </p:anim>
+                                    <p:anim calcmode="lin" valueType="num">
+                                      <p:cBhvr additive="base">
+                                        <p:cTn id="12" dur="500" fill="hold"/>
+                                        <p:tgtEl>
+                                          <p:spTgt spid="3">
+                                            <p:txEl>
+                                              <p:pRg st="1" end="1"/>
+                                            </p:txEl>
+                                          </p:spTgt>
+                                        </p:tgtEl>
+                                        <p:attrNameLst>
+                                          <p:attrName>ppt_y</p:attrName>
+                                        </p:attrNameLst>
+                                      </p:cBhvr>
+                                      <p:tavLst>
+                                        <p:tav tm="0">
+                                          <p:val>
+                                            <p:strVal val="1+#ppt_h/2"/>
+                                          </p:val>
+                                        </p:tav>
+                                        <p:tav tm="100000">
+                                          <p:val>
+                                            <p:strVal val="#ppt_y"/>
+                                          </p:val>
+                                        </p:tav>
+                                      </p:tavLst>
+                                    </p:anim>
+                                  </p:childTnLst>
+                                </p:cTn>
+                              </p:par>
+                              <p:par>
+                                <p:cTn id="13" presetID="2" presetClass="entr" presetSubtype="4" fill="hold" grpId="0" nodeType="withEffect">
+                                  <p:stCondLst>
+                                    <p:cond delay="0"/>
+                                  </p:stCondLst>
+                                  <p:childTnLst>
+                                    <p:set>
+                                      <p:cBhvr>
+                                        <p:cTn id="14" dur="1" fill="hold">
+                                          <p:stCondLst>
+                                            <p:cond delay="0"/>
+                                          </p:stCondLst>
+                                        </p:cTn>
+                                        <p:tgtEl>
+                                          <p:spTgt spid="3">
+                                            <p:txEl>
+                                              <p:pRg st="2" end="2"/>
+                                            </p:txEl>
+                                          </p:spTgt>
+                                        </p:tgtEl>
+                                        <p:attrNameLst>
+                                          <p:attrName>style.visibility</p:attrName>
+                                        </p:attrNameLst>
+                                      </p:cBhvr>
+                                      <p:to>
+                                        <p:strVal val="visible"/>
+                                      </p:to>
+                                    </p:set>
+                                    <p:anim calcmode="lin" valueType="num">
+                                      <p:cBhvr additive="base">
+                                        <p:cTn id="15" dur="500" fill="hold"/>
+                                        <p:tgtEl>
+                                          <p:spTgt spid="3">
+                                            <p:txEl>
+                                              <p:pRg st="2" end="2"/>
+                                            </p:txEl>
+                                          </p:spTgt>
+                                        </p:tgtEl>
+                                        <p:attrNameLst>
+                                          <p:attrName>ppt_x</p:attrName>
+                                        </p:attrNameLst>
+                                      </p:cBhvr>
+                                      <p:tavLst>
+                                        <p:tav tm="0">
+                                          <p:val>
+                                            <p:strVal val="#ppt_x"/>
+                                          </p:val>
+                                        </p:tav>
+                                        <p:tav tm="100000">
+                                          <p:val>
+                                            <p:strVal val="#ppt_x"/>
+                                          </p:val>
+                                        </p:tav>
+                                      </p:tavLst>
+                                    </p:anim>
+                                    <p:anim calcmode="lin" valueType="num">
+                                      <p:cBhvr additive="base">
+                                        <p:cTn id="16" dur="500" fill="hold"/>
+                                        <p:tgtEl>
+                                          <p:spTgt spid="3">
+                                            <p:txEl>
+                                              <p:pRg st="2" end="2"/>
+                                            </p:txEl>
+                                          </p:spTgt>
+                                        </p:tgtEl>
+                                        <p:attrNameLst>
+                                          <p:attrName>ppt_y</p:attrName>
+                                        </p:attrNameLst>
+                                      </p:cBhvr>
+                                      <p:tavLst>
+                                        <p:tav tm="0">
+                                          <p:val>
+                                            <p:strVal val="1+#ppt_h/2"/>
+                                          </p:val>
+                                        </p:tav>
+                                        <p:tav tm="100000">
+                                          <p:val>
+                                            <p:strVal val="#ppt_y"/>
+                                          </p:val>
+                                        </p:tav>
+                                      </p:tavLst>
+                                    </p:anim>
+                                  </p:childTnLst>
+                                </p:cTn>
+                              </p:par>
+                              <p:par>
+                                <p:cTn id="17" presetID="2" presetClass="entr" presetSubtype="4" fill="hold" grpId="0" nodeType="withEffect">
+                                  <p:stCondLst>
+                                    <p:cond delay="0"/>
+                                  </p:stCondLst>
+                                  <p:childTnLst>
+                                    <p:set>
+                                      <p:cBhvr>
+                                        <p:cTn id="18" dur="1" fill="hold">
+                                          <p:stCondLst>
+                                            <p:cond delay="0"/>
+                                          </p:stCondLst>
+                                        </p:cTn>
+                                        <p:tgtEl>
+                                          <p:spTgt spid="3">
+                                            <p:txEl>
+                                              <p:pRg st="3" end="3"/>
+                                            </p:txEl>
+                                          </p:spTgt>
+                                        </p:tgtEl>
+                                        <p:attrNameLst>
+                                          <p:attrName>style.visibility</p:attrName>
+                                        </p:attrNameLst>
+                                      </p:cBhvr>
+                                      <p:to>
+                                        <p:strVal val="visible"/>
+                                      </p:to>
+                                    </p:set>
+                                    <p:anim calcmode="lin" valueType="num">
+                                      <p:cBhvr additive="base">
+                                        <p:cTn id="19" dur="500" fill="hold"/>
+                                        <p:tgtEl>
+                                          <p:spTgt spid="3">
+                                            <p:txEl>
+                                              <p:pRg st="3" end="3"/>
+                                            </p:txEl>
+                                          </p:spTgt>
+                                        </p:tgtEl>
+                                        <p:attrNameLst>
+                                          <p:attrName>ppt_x</p:attrName>
+                                        </p:attrNameLst>
+                                      </p:cBhvr>
+                                      <p:tavLst>
+                                        <p:tav tm="0">
+                                          <p:val>
+                                            <p:strVal val="#ppt_x"/>
+                                          </p:val>
+                                        </p:tav>
+                                        <p:tav tm="100000">
+                                          <p:val>
+                                            <p:strVal val="#ppt_x"/>
+                                          </p:val>
+                                        </p:tav>
+                                      </p:tavLst>
+                                    </p:anim>
+                                    <p:anim calcmode="lin" valueType="num">
+                                      <p:cBhvr additive="base">
+                                        <p:cTn id="20" dur="500" fill="hold"/>
+                                        <p:tgtEl>
+                                          <p:spTgt spid="3">
+                                            <p:txEl>
+                                              <p:pRg st="3" end="3"/>
+                                            </p:txEl>
+                                          </p:spTgt>
+                                        </p:tgtEl>
+                                        <p:attrNameLst>
+                                          <p:attrName>ppt_y</p:attrName>
+                                        </p:attrNameLst>
+                                      </p:cBhvr>
+                                      <p:tavLst>
+                                        <p:tav tm="0">
+                                          <p:val>
+                                            <p:strVal val="1+#ppt_h/2"/>
+                                          </p:val>
+                                        </p:tav>
+                                        <p:tav tm="100000">
+                                          <p:val>
+                                            <p:strVal val="#ppt_y"/>
+                                          </p:val>
+                                        </p:tav>
+                                      </p:tavLst>
+                                    </p:anim>
+                                  </p:childTnLst>
+                                </p:cTn>
+                              </p:par>
+                              <p:par>
+                                <p:cTn id="21" presetID="2" presetClass="entr" presetSubtype="4" fill="hold" grpId="0" nodeType="withEffect">
+                                  <p:stCondLst>
+                                    <p:cond delay="0"/>
+                                  </p:stCondLst>
+                                  <p:childTnLst>
+                                    <p:set>
+                                      <p:cBhvr>
+                                        <p:cTn id="22" dur="1" fill="hold">
+                                          <p:stCondLst>
+                                            <p:cond delay="0"/>
+                                          </p:stCondLst>
+                                        </p:cTn>
+                                        <p:tgtEl>
+                                          <p:spTgt spid="3">
+                                            <p:txEl>
+                                              <p:pRg st="4" end="4"/>
+                                            </p:txEl>
+                                          </p:spTgt>
+                                        </p:tgtEl>
+                                        <p:attrNameLst>
+                                          <p:attrName>style.visibility</p:attrName>
+                                        </p:attrNameLst>
+                                      </p:cBhvr>
+                                      <p:to>
+                                        <p:strVal val="visible"/>
+                                      </p:to>
+                                    </p:set>
+                                    <p:anim calcmode="lin" valueType="num">
+                                      <p:cBhvr additive="base">
+                                        <p:cTn id="23" dur="500" fill="hold"/>
+                                        <p:tgtEl>
+                                          <p:spTgt spid="3">
+                                            <p:txEl>
+                                              <p:pRg st="4" end="4"/>
+                                            </p:txEl>
+                                          </p:spTgt>
+                                        </p:tgtEl>
+                                        <p:attrNameLst>
+                                          <p:attrName>ppt_x</p:attrName>
+                                        </p:attrNameLst>
+                                      </p:cBhvr>
+                                      <p:tavLst>
+                                        <p:tav tm="0">
+                                          <p:val>
+                                            <p:strVal val="#ppt_x"/>
+                                          </p:val>
+                                        </p:tav>
+                                        <p:tav tm="100000">
+                                          <p:val>
+                                            <p:strVal val="#ppt_x"/>
+                                          </p:val>
+                                        </p:tav>
+                                      </p:tavLst>
+                                    </p:anim>
+                                    <p:anim calcmode="lin" valueType="num">
+                                      <p:cBhvr additive="base">
+                                        <p:cTn id="24" dur="500" fill="hold"/>
+                                        <p:tgtEl>
+                                          <p:spTgt spid="3">
+                                            <p:txEl>
+                                              <p:pRg st="4" end="4"/>
+                                            </p:txEl>
+                                          </p:spTgt>
+                                        </p:tgtEl>
+                                        <p:attrNameLst>
+                                          <p:attrName>ppt_y</p:attrName>
+                                        </p:attrNameLst>
+                                      </p:cBhvr>
+                                      <p:tavLst>
+                                        <p:tav tm="0">
+                                          <p:val>
+                                            <p:strVal val="1+#ppt_h/2"/>
+                                          </p:val>
+                                        </p:tav>
+                                        <p:tav tm="100000">
+                                          <p:val>
+                                            <p:strVal val="#ppt_y"/>
+                                          </p:val>
+                                        </p:tav>
+                                      </p:tavLst>
+                                    </p:anim>
+                                  </p:childTnLst>
+                                </p:cTn>
+                              </p:par>
+                              <p:par>
+                                <p:cTn id="25" presetID="2" presetClass="entr" presetSubtype="4" fill="hold" grpId="0" nodeType="withEffect">
+                                  <p:stCondLst>
+                                    <p:cond delay="0"/>
+                                  </p:stCondLst>
+                                  <p:childTnLst>
+                                    <p:set>
+                                      <p:cBhvr>
+                                        <p:cTn id="26" dur="1" fill="hold">
+                                          <p:stCondLst>
+                                            <p:cond delay="0"/>
+                                          </p:stCondLst>
+                                        </p:cTn>
+                                        <p:tgtEl>
+                                          <p:spTgt spid="3">
+                                            <p:txEl>
+                                              <p:pRg st="5" end="5"/>
+                                            </p:txEl>
+                                          </p:spTgt>
+                                        </p:tgtEl>
+                                        <p:attrNameLst>
+                                          <p:attrName>style.visibility</p:attrName>
+                                        </p:attrNameLst>
+                                      </p:cBhvr>
+                                      <p:to>
+                                        <p:strVal val="visible"/>
+                                      </p:to>
+                                    </p:set>
+                                    <p:anim calcmode="lin" valueType="num">
+                                      <p:cBhvr additive="base">
+                                        <p:cTn id="27" dur="500" fill="hold"/>
+                                        <p:tgtEl>
+                                          <p:spTgt spid="3">
+                                            <p:txEl>
+                                              <p:pRg st="5" end="5"/>
+                                            </p:txEl>
+                                          </p:spTgt>
+                                        </p:tgtEl>
+                                        <p:attrNameLst>
+                                          <p:attrName>ppt_x</p:attrName>
+                                        </p:attrNameLst>
+                                      </p:cBhvr>
+                                      <p:tavLst>
+                                        <p:tav tm="0">
+                                          <p:val>
+                                            <p:strVal val="#ppt_x"/>
+                                          </p:val>
+                                        </p:tav>
+                                        <p:tav tm="100000">
+                                          <p:val>
+                                            <p:strVal val="#ppt_x"/>
+                                          </p:val>
+                                        </p:tav>
+                                      </p:tavLst>
+                                    </p:anim>
+                                    <p:anim calcmode="lin" valueType="num">
+                                      <p:cBhvr additive="base">
+                                        <p:cTn id="28" dur="500" fill="hold"/>
+                                        <p:tgtEl>
+                                          <p:spTgt spid="3">
+                                            <p:txEl>
+                                              <p:pRg st="5" end="5"/>
+                                            </p:txEl>
+                                          </p:spTgt>
+                                        </p:tgtEl>
+                                        <p:attrNameLst>
+                                          <p:attrName>ppt_y</p:attrName>
+                                        </p:attrNameLst>
+                                      </p:cBhvr>
+                                      <p:tavLst>
+                                        <p:tav tm="0">
+                                          <p:val>
+                                            <p:strVal val="1+#ppt_h/2"/>
+                                          </p:val>
+                                        </p:tav>
+                                        <p:tav tm="100000">
+                                          <p:val>
+                                            <p:strVal val="#ppt_y"/>
+                                          </p:val>
+                                        </p:tav>
+                                      </p:tavLst>
+                                    </p:anim>
+                                  </p:childTnLst>
+                                </p:cTn>
+                              </p:par>
+                              <p:par>
+                                <p:cTn id="29" presetID="2" presetClass="entr" presetSubtype="4" fill="hold" grpId="0" nodeType="withEffect">
+                                  <p:stCondLst>
+                                    <p:cond delay="0"/>
+                                  </p:stCondLst>
+                                  <p:childTnLst>
+                                    <p:set>
+                                      <p:cBhvr>
+                                        <p:cTn id="30" dur="1" fill="hold">
+                                          <p:stCondLst>
+                                            <p:cond delay="0"/>
+                                          </p:stCondLst>
+                                        </p:cTn>
+                                        <p:tgtEl>
+                                          <p:spTgt spid="3">
+                                            <p:txEl>
+                                              <p:pRg st="6" end="6"/>
+                                            </p:txEl>
+                                          </p:spTgt>
+                                        </p:tgtEl>
+                                        <p:attrNameLst>
+                                          <p:attrName>style.visibility</p:attrName>
+                                        </p:attrNameLst>
+                                      </p:cBhvr>
+                                      <p:to>
+                                        <p:strVal val="visible"/>
+                                      </p:to>
+                                    </p:set>
+                                    <p:anim calcmode="lin" valueType="num">
+                                      <p:cBhvr additive="base">
+                                        <p:cTn id="31" dur="500" fill="hold"/>
+                                        <p:tgtEl>
+                                          <p:spTgt spid="3">
+                                            <p:txEl>
+                                              <p:pRg st="6" end="6"/>
+                                            </p:txEl>
+                                          </p:spTgt>
+                                        </p:tgtEl>
+                                        <p:attrNameLst>
+                                          <p:attrName>ppt_x</p:attrName>
+                                        </p:attrNameLst>
+                                      </p:cBhvr>
+                                      <p:tavLst>
+                                        <p:tav tm="0">
+                                          <p:val>
+                                            <p:strVal val="#ppt_x"/>
+                                          </p:val>
+                                        </p:tav>
+                                        <p:tav tm="100000">
+                                          <p:val>
+                                            <p:strVal val="#ppt_x"/>
+                                          </p:val>
+                                        </p:tav>
+                                      </p:tavLst>
+                                    </p:anim>
+                                    <p:anim calcmode="lin" valueType="num">
+                                      <p:cBhvr additive="base">
+                                        <p:cTn id="32" dur="500" fill="hold"/>
+                                        <p:tgtEl>
+                                          <p:spTgt spid="3">
+                                            <p:txEl>
+                                              <p:pRg st="6" end="6"/>
+                                            </p:txEl>
+                                          </p:spTgt>
+                                        </p:tgtEl>
+                                        <p:attrNameLst>
+                                          <p:attrName>ppt_y</p:attrName>
+                                        </p:attrNameLst>
+                                      </p:cBhvr>
+                                      <p:tavLst>
+                                        <p:tav tm="0">
+                                          <p:val>
+                                            <p:strVal val="1+#ppt_h/2"/>
+                                          </p:val>
+                                        </p:tav>
+                                        <p:tav tm="100000">
+                                          <p:val>
+                                            <p:strVal val="#ppt_y"/>
+                                          </p:val>
+                                        </p:tav>
+                                      </p:tavLst>
+                                    </p:anim>
+                                  </p:childTnLst>
+                                </p:cTn>
+                              </p:par>
+                              <p:par>
+                                <p:cTn id="33" presetID="2" presetClass="entr" presetSubtype="4" fill="hold" grpId="0" nodeType="withEffect">
+                                  <p:stCondLst>
+                                    <p:cond delay="0"/>
+                                  </p:stCondLst>
+                                  <p:childTnLst>
+                                    <p:set>
+                                      <p:cBhvr>
+                                        <p:cTn id="34" dur="1" fill="hold">
+                                          <p:stCondLst>
+                                            <p:cond delay="0"/>
+                                          </p:stCondLst>
+                                        </p:cTn>
+                                        <p:tgtEl>
+                                          <p:spTgt spid="3">
+                                            <p:txEl>
+                                              <p:pRg st="7" end="7"/>
+                                            </p:txEl>
+                                          </p:spTgt>
+                                        </p:tgtEl>
+                                        <p:attrNameLst>
+                                          <p:attrName>style.visibility</p:attrName>
+                                        </p:attrNameLst>
+                                      </p:cBhvr>
+                                      <p:to>
+                                        <p:strVal val="visible"/>
+                                      </p:to>
+                                    </p:set>
+                                    <p:anim calcmode="lin" valueType="num">
+                                      <p:cBhvr additive="base">
+                                        <p:cTn id="35" dur="500" fill="hold"/>
+                                        <p:tgtEl>
+                                          <p:spTgt spid="3">
+                                            <p:txEl>
+                                              <p:pRg st="7" end="7"/>
+                                            </p:txEl>
+                                          </p:spTgt>
+                                        </p:tgtEl>
+                                        <p:attrNameLst>
+                                          <p:attrName>ppt_x</p:attrName>
+                                        </p:attrNameLst>
+                                      </p:cBhvr>
+                                      <p:tavLst>
+                                        <p:tav tm="0">
+                                          <p:val>
+                                            <p:strVal val="#ppt_x"/>
+                                          </p:val>
+                                        </p:tav>
+                                        <p:tav tm="100000">
+                                          <p:val>
+                                            <p:strVal val="#ppt_x"/>
+                                          </p:val>
+                                        </p:tav>
+                                      </p:tavLst>
+                                    </p:anim>
+                                    <p:anim calcmode="lin" valueType="num">
+                                      <p:cBhvr additive="base">
+                                        <p:cTn id="36" dur="500" fill="hold"/>
+                                        <p:tgtEl>
+                                          <p:spTgt spid="3">
+                                            <p:txEl>
+                                              <p:pRg st="7" end="7"/>
+                                            </p:txEl>
+                                          </p:spTgt>
+                                        </p:tgtEl>
+                                        <p:attrNameLst>
+                                          <p:attrName>ppt_y</p:attrName>
+                                        </p:attrNameLst>
+                                      </p:cBhvr>
+                                      <p:tavLst>
+                                        <p:tav tm="0">
+                                          <p:val>
+                                            <p:strVal val="1+#ppt_h/2"/>
+                                          </p:val>
+                                        </p:tav>
+                                        <p:tav tm="100000">
+                                          <p:val>
+                                            <p:strVal val="#ppt_y"/>
+                                          </p:val>
+                                        </p:tav>
+                                      </p:tavLst>
+                                    </p:anim>
+                                  </p:childTnLst>
+                                </p:cTn>
+                              </p:par>
+                            </p:childTnLst>
+                          </p:cTn>
+                        </p:par>
+                      </p:childTnLst>
+                    </p:cTn>
+                  </p:par>
+                </p:childTnLst>
+              </p:cTn>
+              <p:prevCondLst>
+                <p:cond evt="onPrev" delay="0">
+                  <p:tgtEl>
+                    <p:sldTgt/>
+                  </p:tgtEl>
+                </p:cond>
+              </p:prevCondLst>
+              <p:nextCondLst>
+                <p:cond evt="onNext" delay="0">
+                  <p:tgtEl>
+                    <p:sldTgt/>
+                  </p:tgtEl>
+                </p:cond>
+              </p:nextCondLst>
+            </p:seq>
+          </p:childTnLst>
+        </p:cTn>
+      </p:par>
+    </p:tnLst>
+    <p:bldLst>
+      <p:bldP spid="3" grpId="0" uiExpand="1" build="allAtOnce"/>
+    </p:bldLst>
+  </p:timing>
+</p:sld>
+</file>
+
+<file path=ppt/slides/slide6.xml><?xml version="1.0" encoding="utf-8"?>
+<p:sld xmlns:a="http://schemas.openxmlformats.org/drawingml/2006/main" xmlns:r="http://schemas.openxmlformats.org/officeDocument/2006/relationships" xmlns:p="http://schemas.openxmlformats.org/presentationml/2006/main">
+  <p:cSld>
+    <p:spTree>
+      <p:nvGrpSpPr>
+        <p:cNvPr id="1" name=""/>
+        <p:cNvGrpSpPr/>
+        <p:nvPr/>
+      </p:nvGrpSpPr>
+      <p:grpSpPr>
+        <a:xfrm>
+          <a:off x="0" y="0"/>
+          <a:ext cx="0" cy="0"/>
+          <a:chOff x="0" y="0"/>
+          <a:chExt cx="0" cy="0"/>
+        </a:xfrm>
+      </p:grpSpPr>
+      <p:sp>
+        <p:nvSpPr>
+          <p:cNvPr id="2" name="Titel 1"/>
+          <p:cNvSpPr>
+            <a:spLocks noGrp="1"/>
+          </p:cNvSpPr>
+          <p:nvPr>
+            <p:ph type="title"/>
+          </p:nvPr>
+        </p:nvSpPr>
+        <p:spPr>
+          <a:xfrm>
+            <a:off x="1484310" y="0"/>
+            <a:ext cx="10018713" cy="1752599"/>
+          </a:xfrm>
+        </p:spPr>
+        <p:txBody>
+          <a:bodyPr/>
+          <a:lstStyle/>
+          <a:p>
+            <a:r>
+              <a:rPr lang="de-DE" dirty="0"/>
+              <a:t>Core </a:t>
+            </a:r>
+            <a:r>
+              <a:rPr lang="de-DE" dirty="0" err="1"/>
+              <a:t>Mechanics</a:t>
+            </a:r>
+            <a:endParaRPr lang="de-DE" dirty="0"/>
+          </a:p>
+        </p:txBody>
+      </p:sp>
+      <p:graphicFrame>
+        <p:nvGraphicFramePr>
+          <p:cNvPr id="4" name="Inhaltsplatzhalter 3"/>
+          <p:cNvGraphicFramePr>
+            <a:graphicFrameLocks noGrp="1"/>
+          </p:cNvGraphicFramePr>
+          <p:nvPr>
+            <p:ph idx="1"/>
+            <p:extLst>
+              <p:ext uri="{D42A27DB-BD31-4B8C-83A1-F6EECF244321}">
+                <p14:modId xmlns:p14="http://schemas.microsoft.com/office/powerpoint/2010/main" val="3468888855"/>
+              </p:ext>
+            </p:extLst>
+          </p:nvPr>
+        </p:nvGraphicFramePr>
+        <p:xfrm>
+          <a:off x="2708978" y="1978378"/>
+          <a:ext cx="7569376" cy="4191000"/>
+        </p:xfrm>
+        <a:graphic>
+          <a:graphicData uri="http://schemas.openxmlformats.org/drawingml/2006/diagram">
+            <dgm:relIds xmlns:dgm="http://schemas.openxmlformats.org/drawingml/2006/diagram" xmlns:r="http://schemas.openxmlformats.org/officeDocument/2006/relationships" r:dm="rId2" r:lo="rId3" r:qs="rId4" r:cs="rId5"/>
+          </a:graphicData>
+        </a:graphic>
+      </p:graphicFrame>
+    </p:spTree>
+    <p:extLst>
+      <p:ext uri="{BB962C8B-B14F-4D97-AF65-F5344CB8AC3E}">
+        <p14:creationId xmlns:p14="http://schemas.microsoft.com/office/powerpoint/2010/main" val="2977005943"/>
       </p:ext>
     </p:extLst>
   </p:cSld>
@@ -11434,11 +14568,7 @@
                                           </p:stCondLst>
                                         </p:cTn>
                                         <p:tgtEl>
-                                          <p:spTgt spid="5">
-                                            <p:graphicEl>
-                                              <a:dgm id="{3B41D61B-193B-4006-AAF0-38BE07665612}"/>
-                                            </p:graphicEl>
-                                          </p:spTgt>
+                                          <p:spTgt spid="4"/>
                                         </p:tgtEl>
                                         <p:attrNameLst>
                                           <p:attrName>style.visibility</p:attrName>
@@ -11452,11 +14582,7 @@
                                       <p:cBhvr>
                                         <p:cTn id="7" dur="500"/>
                                         <p:tgtEl>
-                                          <p:spTgt spid="5">
-                                            <p:graphicEl>
-                                              <a:dgm id="{3B41D61B-193B-4006-AAF0-38BE07665612}"/>
-                                            </p:graphicEl>
-                                          </p:spTgt>
+                                          <p:spTgt spid="4"/>
                                         </p:tgtEl>
                                       </p:cBhvr>
                                     </p:animEffect>
@@ -11469,36 +14595,380 @@
                       </p:childTnLst>
                     </p:cTn>
                   </p:par>
+                </p:childTnLst>
+              </p:cTn>
+              <p:prevCondLst>
+                <p:cond evt="onPrev" delay="0">
+                  <p:tgtEl>
+                    <p:sldTgt/>
+                  </p:tgtEl>
+                </p:cond>
+              </p:prevCondLst>
+              <p:nextCondLst>
+                <p:cond evt="onNext" delay="0">
+                  <p:tgtEl>
+                    <p:sldTgt/>
+                  </p:tgtEl>
+                </p:cond>
+              </p:nextCondLst>
+            </p:seq>
+          </p:childTnLst>
+        </p:cTn>
+      </p:par>
+    </p:tnLst>
+    <p:bldLst>
+      <p:bldGraphic spid="4" grpId="0">
+        <p:bldAsOne/>
+      </p:bldGraphic>
+    </p:bldLst>
+  </p:timing>
+</p:sld>
+</file>
+
+<file path=ppt/slides/slide7.xml><?xml version="1.0" encoding="utf-8"?>
+<p:sld xmlns:a="http://schemas.openxmlformats.org/drawingml/2006/main" xmlns:r="http://schemas.openxmlformats.org/officeDocument/2006/relationships" xmlns:p="http://schemas.openxmlformats.org/presentationml/2006/main">
+  <p:cSld>
+    <p:spTree>
+      <p:nvGrpSpPr>
+        <p:cNvPr id="1" name=""/>
+        <p:cNvGrpSpPr/>
+        <p:nvPr/>
+      </p:nvGrpSpPr>
+      <p:grpSpPr>
+        <a:xfrm>
+          <a:off x="0" y="0"/>
+          <a:ext cx="0" cy="0"/>
+          <a:chOff x="0" y="0"/>
+          <a:chExt cx="0" cy="0"/>
+        </a:xfrm>
+      </p:grpSpPr>
+      <p:sp>
+        <p:nvSpPr>
+          <p:cNvPr id="2" name="Titel 1"/>
+          <p:cNvSpPr>
+            <a:spLocks noGrp="1"/>
+          </p:cNvSpPr>
+          <p:nvPr>
+            <p:ph type="title"/>
+          </p:nvPr>
+        </p:nvSpPr>
+        <p:spPr>
+          <a:xfrm>
+            <a:off x="1484310" y="0"/>
+            <a:ext cx="10018713" cy="1752599"/>
+          </a:xfrm>
+        </p:spPr>
+        <p:txBody>
+          <a:bodyPr/>
+          <a:lstStyle/>
+          <a:p>
+            <a:r>
+              <a:rPr lang="de-DE" dirty="0"/>
+              <a:t>Feedback </a:t>
+            </a:r>
+            <a:r>
+              <a:rPr lang="de-DE" dirty="0" err="1"/>
+              <a:t>loops</a:t>
+            </a:r>
+            <a:endParaRPr lang="de-DE" dirty="0"/>
+          </a:p>
+        </p:txBody>
+      </p:sp>
+      <p:sp>
+        <p:nvSpPr>
+          <p:cNvPr id="3" name="Inhaltsplatzhalter 2"/>
+          <p:cNvSpPr>
+            <a:spLocks noGrp="1"/>
+          </p:cNvSpPr>
+          <p:nvPr>
+            <p:ph idx="1"/>
+          </p:nvPr>
+        </p:nvSpPr>
+        <p:spPr>
+          <a:xfrm>
+            <a:off x="1484309" y="1752599"/>
+            <a:ext cx="10018713" cy="4174068"/>
+          </a:xfrm>
+        </p:spPr>
+        <p:txBody>
+          <a:bodyPr/>
+          <a:lstStyle/>
+          <a:p>
+            <a:r>
+              <a:rPr lang="de-DE" dirty="0" err="1"/>
+              <a:t>If</a:t>
+            </a:r>
+            <a:r>
+              <a:rPr lang="de-DE" dirty="0"/>
+              <a:t> </a:t>
+            </a:r>
+            <a:r>
+              <a:rPr lang="de-DE" dirty="0" err="1"/>
+              <a:t>you</a:t>
+            </a:r>
+            <a:r>
+              <a:rPr lang="de-DE" dirty="0"/>
+              <a:t> die, </a:t>
+            </a:r>
+            <a:r>
+              <a:rPr lang="de-DE" dirty="0" err="1"/>
+              <a:t>progress</a:t>
+            </a:r>
+            <a:r>
+              <a:rPr lang="de-DE" dirty="0"/>
+              <a:t> </a:t>
+            </a:r>
+            <a:r>
+              <a:rPr lang="de-DE" dirty="0" err="1"/>
+              <a:t>saves</a:t>
+            </a:r>
+            <a:r>
+              <a:rPr lang="de-DE" dirty="0"/>
+              <a:t>! </a:t>
+            </a:r>
+            <a:r>
+              <a:rPr lang="de-DE" dirty="0" err="1"/>
+              <a:t>It</a:t>
+            </a:r>
+            <a:r>
+              <a:rPr lang="de-DE" dirty="0"/>
+              <a:t> will </a:t>
+            </a:r>
+            <a:r>
+              <a:rPr lang="de-DE" dirty="0" err="1"/>
+              <a:t>load</a:t>
+            </a:r>
+            <a:r>
+              <a:rPr lang="de-DE" dirty="0"/>
+              <a:t> </a:t>
+            </a:r>
+            <a:r>
+              <a:rPr lang="de-DE" dirty="0" err="1"/>
+              <a:t>the</a:t>
+            </a:r>
+            <a:r>
+              <a:rPr lang="de-DE" dirty="0"/>
+              <a:t> same </a:t>
+            </a:r>
+            <a:r>
+              <a:rPr lang="de-DE" dirty="0" err="1"/>
+              <a:t>level</a:t>
+            </a:r>
+            <a:r>
+              <a:rPr lang="de-DE" dirty="0"/>
+              <a:t> </a:t>
+            </a:r>
+            <a:r>
+              <a:rPr lang="de-DE" dirty="0" err="1"/>
+              <a:t>with</a:t>
+            </a:r>
+            <a:r>
+              <a:rPr lang="de-DE" dirty="0"/>
+              <a:t> </a:t>
+            </a:r>
+            <a:r>
+              <a:rPr lang="de-DE" dirty="0" err="1"/>
+              <a:t>the</a:t>
+            </a:r>
+            <a:r>
+              <a:rPr lang="de-DE" dirty="0"/>
+              <a:t> </a:t>
+            </a:r>
+            <a:r>
+              <a:rPr lang="de-DE" dirty="0" err="1"/>
+              <a:t>defeated</a:t>
+            </a:r>
+            <a:r>
+              <a:rPr lang="de-DE" dirty="0"/>
+              <a:t> </a:t>
+            </a:r>
+            <a:r>
+              <a:rPr lang="de-DE" dirty="0" err="1"/>
+              <a:t>enemies</a:t>
+            </a:r>
+            <a:r>
+              <a:rPr lang="de-DE" dirty="0"/>
+              <a:t>!</a:t>
+            </a:r>
+          </a:p>
+          <a:p>
+            <a:endParaRPr lang="de-DE" dirty="0"/>
+          </a:p>
+          <a:p>
+            <a:endParaRPr lang="de-DE" dirty="0"/>
+          </a:p>
+          <a:p>
+            <a:r>
+              <a:rPr lang="de-DE" dirty="0" err="1"/>
+              <a:t>If</a:t>
+            </a:r>
+            <a:r>
+              <a:rPr lang="de-DE" dirty="0"/>
+              <a:t> </a:t>
+            </a:r>
+            <a:r>
+              <a:rPr lang="de-DE" dirty="0" err="1"/>
+              <a:t>you</a:t>
+            </a:r>
+            <a:r>
+              <a:rPr lang="de-DE" dirty="0"/>
+              <a:t> manage </a:t>
+            </a:r>
+            <a:r>
+              <a:rPr lang="de-DE" dirty="0" err="1"/>
+              <a:t>your</a:t>
+            </a:r>
+            <a:r>
+              <a:rPr lang="de-DE" dirty="0"/>
+              <a:t> web </a:t>
+            </a:r>
+            <a:r>
+              <a:rPr lang="de-DE" dirty="0" err="1"/>
+              <a:t>efficiently</a:t>
+            </a:r>
+            <a:r>
+              <a:rPr lang="de-DE" dirty="0"/>
+              <a:t>, </a:t>
+            </a:r>
+            <a:r>
+              <a:rPr lang="de-DE" dirty="0" err="1"/>
+              <a:t>you</a:t>
+            </a:r>
+            <a:r>
+              <a:rPr lang="de-DE" dirty="0"/>
+              <a:t> </a:t>
+            </a:r>
+            <a:r>
+              <a:rPr lang="de-DE" dirty="0" err="1"/>
+              <a:t>have</a:t>
+            </a:r>
+            <a:r>
+              <a:rPr lang="de-DE" dirty="0"/>
+              <a:t> </a:t>
+            </a:r>
+            <a:r>
+              <a:rPr lang="de-DE" dirty="0" err="1"/>
+              <a:t>more</a:t>
+            </a:r>
+            <a:r>
+              <a:rPr lang="de-DE" dirty="0"/>
+              <a:t> </a:t>
+            </a:r>
+            <a:r>
+              <a:rPr lang="de-DE" dirty="0" err="1"/>
+              <a:t>resources</a:t>
+            </a:r>
+            <a:r>
+              <a:rPr lang="de-DE" dirty="0"/>
+              <a:t> </a:t>
+            </a:r>
+            <a:r>
+              <a:rPr lang="de-DE" dirty="0" err="1"/>
+              <a:t>to</a:t>
+            </a:r>
+            <a:r>
+              <a:rPr lang="de-DE" dirty="0"/>
+              <a:t> </a:t>
+            </a:r>
+            <a:r>
+              <a:rPr lang="de-DE" dirty="0" err="1"/>
+              <a:t>be</a:t>
+            </a:r>
+            <a:r>
+              <a:rPr lang="de-DE" dirty="0"/>
+              <a:t> </a:t>
+            </a:r>
+            <a:r>
+              <a:rPr lang="de-DE" dirty="0" err="1"/>
+              <a:t>better</a:t>
+            </a:r>
+            <a:r>
+              <a:rPr lang="de-DE" dirty="0"/>
+              <a:t> </a:t>
+            </a:r>
+            <a:r>
+              <a:rPr lang="de-DE" dirty="0" err="1"/>
+              <a:t>prepared</a:t>
+            </a:r>
+            <a:r>
+              <a:rPr lang="de-DE" dirty="0"/>
+              <a:t> </a:t>
+            </a:r>
+            <a:r>
+              <a:rPr lang="de-DE" dirty="0" err="1"/>
+              <a:t>for</a:t>
+            </a:r>
+            <a:r>
+              <a:rPr lang="de-DE" dirty="0"/>
+              <a:t> </a:t>
+            </a:r>
+            <a:r>
+              <a:rPr lang="de-DE" dirty="0" err="1"/>
+              <a:t>future</a:t>
+            </a:r>
+            <a:r>
+              <a:rPr lang="de-DE" dirty="0"/>
+              <a:t> </a:t>
+            </a:r>
+            <a:r>
+              <a:rPr lang="de-DE" dirty="0" err="1"/>
+              <a:t>encounters</a:t>
+            </a:r>
+            <a:r>
+              <a:rPr lang="de-DE" dirty="0"/>
+              <a:t>!</a:t>
+            </a:r>
+          </a:p>
+        </p:txBody>
+      </p:sp>
+    </p:spTree>
+    <p:extLst>
+      <p:ext uri="{BB962C8B-B14F-4D97-AF65-F5344CB8AC3E}">
+        <p14:creationId xmlns:p14="http://schemas.microsoft.com/office/powerpoint/2010/main" val="2411416210"/>
+      </p:ext>
+    </p:extLst>
+  </p:cSld>
+  <p:clrMapOvr>
+    <a:masterClrMapping/>
+  </p:clrMapOvr>
+  <p:timing>
+    <p:tnLst>
+      <p:par>
+        <p:cTn id="1" dur="indefinite" restart="never" nodeType="tmRoot">
+          <p:childTnLst>
+            <p:seq concurrent="1" nextAc="seek">
+              <p:cTn id="2" dur="indefinite" nodeType="mainSeq">
+                <p:childTnLst>
                   <p:par>
-                    <p:cTn id="8" fill="hold">
+                    <p:cTn id="3" fill="hold">
                       <p:stCondLst>
                         <p:cond delay="indefinite"/>
                       </p:stCondLst>
                       <p:childTnLst>
                         <p:par>
-                          <p:cTn id="9" fill="hold">
+                          <p:cTn id="4" fill="hold">
                             <p:stCondLst>
                               <p:cond delay="0"/>
                             </p:stCondLst>
                             <p:childTnLst>
                               <p:par>
-                                <p:cTn id="10" presetID="10" presetClass="entr" presetSubtype="0" fill="hold" grpId="0" nodeType="clickEffect">
+                                <p:cTn id="5" presetID="22" presetClass="entr" presetSubtype="4" fill="hold" grpId="0" nodeType="clickEffect">
                                   <p:stCondLst>
                                     <p:cond delay="0"/>
                                   </p:stCondLst>
                                   <p:childTnLst>
                                     <p:set>
                                       <p:cBhvr>
-                                        <p:cTn id="11" dur="1" fill="hold">
+                                        <p:cTn id="6" dur="1" fill="hold">
                                           <p:stCondLst>
                                             <p:cond delay="0"/>
                                           </p:stCondLst>
                                         </p:cTn>
                                         <p:tgtEl>
-                                          <p:spTgt spid="5">
-                                            <p:graphicEl>
-                                              <a:dgm id="{15F5B76D-0E69-47FA-9E72-AF1609A90AD8}"/>
-                                            </p:graphicEl>
+                                          <p:spTgt spid="3">
+                                            <p:txEl>
+                                              <p:pRg st="0" end="0"/>
+                                            </p:txEl>
                                           </p:spTgt>
                                         </p:tgtEl>
                                         <p:attrNameLst>
@@ -11509,14 +14979,57 @@
                                         <p:strVal val="visible"/>
                                       </p:to>
                                     </p:set>
-                                    <p:animEffect transition="in" filter="fade">
+                                    <p:animEffect transition="in" filter="wipe(down)">
                                       <p:cBhvr>
-                                        <p:cTn id="12" dur="500"/>
+                                        <p:cTn id="7" dur="500"/>
                                         <p:tgtEl>
-                                          <p:spTgt spid="5">
-                                            <p:graphicEl>
-                                              <a:dgm id="{15F5B76D-0E69-47FA-9E72-AF1609A90AD8}"/>
-                                            </p:graphicEl>
+                                          <p:spTgt spid="3">
+                                            <p:txEl>
+                                              <p:pRg st="0" end="0"/>
+                                            </p:txEl>
+                                          </p:spTgt>
+                                        </p:tgtEl>
+                                      </p:cBhvr>
+                                    </p:animEffect>
+                                  </p:childTnLst>
+                                </p:cTn>
+                              </p:par>
+                              <p:par>
+                                <p:cTn id="8" presetID="22" presetClass="entr" presetSubtype="4" fill="hold" grpId="0" nodeType="withEffect">
+                                  <p:stCondLst>
+                                    <p:cond delay="0"/>
+                                  </p:stCondLst>
+                                  <p:childTnLst>
+                                    <p:set>
+                                      <p:cBhvr>
+                                        <p:cTn id="9" dur="1" fill="hold">
+                                          <p:stCondLst>
+                                            <p:cond delay="0"/>
+                                          </p:stCondLst>
+                                        </p:cTn>
+                                        <p:tgtEl>
+                                          <p:spTgt spid="3">
+                                            <p:txEl>
+                                              <p:pRg st="3" end="3"/>
+                                            </p:txEl>
+                                          </p:spTgt>
+                                        </p:tgtEl>
+                                        <p:attrNameLst>
+                                          <p:attrName>style.visibility</p:attrName>
+                                        </p:attrNameLst>
+                                      </p:cBhvr>
+                                      <p:to>
+                                        <p:strVal val="visible"/>
+                                      </p:to>
+                                    </p:set>
+                                    <p:animEffect transition="in" filter="wipe(down)">
+                                      <p:cBhvr>
+                                        <p:cTn id="10" dur="500"/>
+                                        <p:tgtEl>
+                                          <p:spTgt spid="3">
+                                            <p:txEl>
+                                              <p:pRg st="3" end="3"/>
+                                            </p:txEl>
                                           </p:spTgt>
                                         </p:tgtEl>
                                       </p:cBhvr>
@@ -11552,446 +15065,13 @@
       </p:par>
     </p:tnLst>
     <p:bldLst>
-      <p:bldGraphic spid="5" grpId="0">
-        <p:bldSub>
-          <a:bldDgm bld="one"/>
-        </p:bldSub>
-      </p:bldGraphic>
+      <p:bldP spid="3" grpId="0" build="allAtOnce"/>
     </p:bldLst>
   </p:timing>
 </p:sld>
 </file>
 
-<file path=ppt/slides/slide3.xml><?xml version="1.0" encoding="utf-8"?>
-<p:sld xmlns:a="http://schemas.openxmlformats.org/drawingml/2006/main" xmlns:r="http://schemas.openxmlformats.org/officeDocument/2006/relationships" xmlns:p="http://schemas.openxmlformats.org/presentationml/2006/main">
-  <p:cSld>
-    <p:spTree>
-      <p:nvGrpSpPr>
-        <p:cNvPr id="1" name=""/>
-        <p:cNvGrpSpPr/>
-        <p:nvPr/>
-      </p:nvGrpSpPr>
-      <p:grpSpPr>
-        <a:xfrm>
-          <a:off x="0" y="0"/>
-          <a:ext cx="0" cy="0"/>
-          <a:chOff x="0" y="0"/>
-          <a:chExt cx="0" cy="0"/>
-        </a:xfrm>
-      </p:grpSpPr>
-      <p:sp>
-        <p:nvSpPr>
-          <p:cNvPr id="2" name="Titel 1"/>
-          <p:cNvSpPr>
-            <a:spLocks noGrp="1"/>
-          </p:cNvSpPr>
-          <p:nvPr>
-            <p:ph type="title"/>
-          </p:nvPr>
-        </p:nvSpPr>
-        <p:spPr/>
-        <p:txBody>
-          <a:bodyPr/>
-          <a:lstStyle/>
-          <a:p>
-            <a:r>
-              <a:rPr lang="de-DE" dirty="0"/>
-              <a:t>Player </a:t>
-            </a:r>
-            <a:r>
-              <a:rPr lang="de-DE" dirty="0" err="1"/>
-              <a:t>rules</a:t>
-            </a:r>
-            <a:endParaRPr lang="de-DE" dirty="0"/>
-          </a:p>
-        </p:txBody>
-      </p:sp>
-      <p:graphicFrame>
-        <p:nvGraphicFramePr>
-          <p:cNvPr id="4" name="Inhaltsplatzhalter 3"/>
-          <p:cNvGraphicFramePr>
-            <a:graphicFrameLocks noGrp="1"/>
-          </p:cNvGraphicFramePr>
-          <p:nvPr>
-            <p:ph idx="1"/>
-            <p:extLst>
-              <p:ext uri="{D42A27DB-BD31-4B8C-83A1-F6EECF244321}">
-                <p14:modId xmlns:p14="http://schemas.microsoft.com/office/powerpoint/2010/main" val="1160890537"/>
-              </p:ext>
-            </p:extLst>
-          </p:nvPr>
-        </p:nvGraphicFramePr>
-        <p:xfrm>
-          <a:off x="1484313" y="2667000"/>
-          <a:ext cx="10018712" cy="3124200"/>
-        </p:xfrm>
-        <a:graphic>
-          <a:graphicData uri="http://schemas.openxmlformats.org/drawingml/2006/diagram">
-            <dgm:relIds xmlns:dgm="http://schemas.openxmlformats.org/drawingml/2006/diagram" xmlns:r="http://schemas.openxmlformats.org/officeDocument/2006/relationships" r:dm="rId2" r:lo="rId3" r:qs="rId4" r:cs="rId5"/>
-          </a:graphicData>
-        </a:graphic>
-      </p:graphicFrame>
-    </p:spTree>
-    <p:extLst>
-      <p:ext uri="{BB962C8B-B14F-4D97-AF65-F5344CB8AC3E}">
-        <p14:creationId xmlns:p14="http://schemas.microsoft.com/office/powerpoint/2010/main" val="877535769"/>
-      </p:ext>
-    </p:extLst>
-  </p:cSld>
-  <p:clrMapOvr>
-    <a:masterClrMapping/>
-  </p:clrMapOvr>
-  <p:timing>
-    <p:tnLst>
-      <p:par>
-        <p:cTn id="1" dur="indefinite" restart="never" nodeType="tmRoot">
-          <p:childTnLst>
-            <p:seq concurrent="1" nextAc="seek">
-              <p:cTn id="2" dur="indefinite" nodeType="mainSeq">
-                <p:childTnLst>
-                  <p:par>
-                    <p:cTn id="3" fill="hold">
-                      <p:stCondLst>
-                        <p:cond delay="indefinite"/>
-                      </p:stCondLst>
-                      <p:childTnLst>
-                        <p:par>
-                          <p:cTn id="4" fill="hold">
-                            <p:stCondLst>
-                              <p:cond delay="0"/>
-                            </p:stCondLst>
-                            <p:childTnLst>
-                              <p:par>
-                                <p:cTn id="5" presetID="10" presetClass="entr" presetSubtype="0" fill="hold" grpId="1" nodeType="clickEffect">
-                                  <p:stCondLst>
-                                    <p:cond delay="0"/>
-                                  </p:stCondLst>
-                                  <p:childTnLst>
-                                    <p:set>
-                                      <p:cBhvr>
-                                        <p:cTn id="6" dur="1" fill="hold">
-                                          <p:stCondLst>
-                                            <p:cond delay="0"/>
-                                          </p:stCondLst>
-                                        </p:cTn>
-                                        <p:tgtEl>
-                                          <p:spTgt spid="4">
-                                            <p:graphicEl>
-                                              <a:dgm id="{D09C1F29-EAEC-42DA-8A3F-2849AC0F3B64}"/>
-                                            </p:graphicEl>
-                                          </p:spTgt>
-                                        </p:tgtEl>
-                                        <p:attrNameLst>
-                                          <p:attrName>style.visibility</p:attrName>
-                                        </p:attrNameLst>
-                                      </p:cBhvr>
-                                      <p:to>
-                                        <p:strVal val="visible"/>
-                                      </p:to>
-                                    </p:set>
-                                    <p:animEffect transition="in" filter="fade">
-                                      <p:cBhvr>
-                                        <p:cTn id="7" dur="500"/>
-                                        <p:tgtEl>
-                                          <p:spTgt spid="4">
-                                            <p:graphicEl>
-                                              <a:dgm id="{D09C1F29-EAEC-42DA-8A3F-2849AC0F3B64}"/>
-                                            </p:graphicEl>
-                                          </p:spTgt>
-                                        </p:tgtEl>
-                                      </p:cBhvr>
-                                    </p:animEffect>
-                                  </p:childTnLst>
-                                </p:cTn>
-                              </p:par>
-                            </p:childTnLst>
-                          </p:cTn>
-                        </p:par>
-                      </p:childTnLst>
-                    </p:cTn>
-                  </p:par>
-                  <p:par>
-                    <p:cTn id="8" fill="hold">
-                      <p:stCondLst>
-                        <p:cond delay="indefinite"/>
-                      </p:stCondLst>
-                      <p:childTnLst>
-                        <p:par>
-                          <p:cTn id="9" fill="hold">
-                            <p:stCondLst>
-                              <p:cond delay="0"/>
-                            </p:stCondLst>
-                            <p:childTnLst>
-                              <p:par>
-                                <p:cTn id="10" presetID="10" presetClass="entr" presetSubtype="0" fill="hold" grpId="0" nodeType="clickEffect">
-                                  <p:stCondLst>
-                                    <p:cond delay="0"/>
-                                  </p:stCondLst>
-                                  <p:childTnLst>
-                                    <p:set>
-                                      <p:cBhvr>
-                                        <p:cTn id="11" dur="1" fill="hold">
-                                          <p:stCondLst>
-                                            <p:cond delay="0"/>
-                                          </p:stCondLst>
-                                        </p:cTn>
-                                        <p:tgtEl>
-                                          <p:spTgt spid="4">
-                                            <p:graphicEl>
-                                              <a:dgm id="{80AEECCF-C221-4B9F-8AF5-EF56057F849F}"/>
-                                            </p:graphicEl>
-                                          </p:spTgt>
-                                        </p:tgtEl>
-                                        <p:attrNameLst>
-                                          <p:attrName>style.visibility</p:attrName>
-                                        </p:attrNameLst>
-                                      </p:cBhvr>
-                                      <p:to>
-                                        <p:strVal val="visible"/>
-                                      </p:to>
-                                    </p:set>
-                                    <p:animEffect transition="in" filter="fade">
-                                      <p:cBhvr>
-                                        <p:cTn id="12" dur="500"/>
-                                        <p:tgtEl>
-                                          <p:spTgt spid="4">
-                                            <p:graphicEl>
-                                              <a:dgm id="{80AEECCF-C221-4B9F-8AF5-EF56057F849F}"/>
-                                            </p:graphicEl>
-                                          </p:spTgt>
-                                        </p:tgtEl>
-                                      </p:cBhvr>
-                                    </p:animEffect>
-                                  </p:childTnLst>
-                                </p:cTn>
-                              </p:par>
-                            </p:childTnLst>
-                          </p:cTn>
-                        </p:par>
-                      </p:childTnLst>
-                    </p:cTn>
-                  </p:par>
-                  <p:par>
-                    <p:cTn id="13" fill="hold">
-                      <p:stCondLst>
-                        <p:cond delay="indefinite"/>
-                      </p:stCondLst>
-                      <p:childTnLst>
-                        <p:par>
-                          <p:cTn id="14" fill="hold">
-                            <p:stCondLst>
-                              <p:cond delay="0"/>
-                            </p:stCondLst>
-                            <p:childTnLst>
-                              <p:par>
-                                <p:cTn id="15" presetID="10" presetClass="entr" presetSubtype="0" fill="hold" grpId="0" nodeType="clickEffect">
-                                  <p:stCondLst>
-                                    <p:cond delay="0"/>
-                                  </p:stCondLst>
-                                  <p:childTnLst>
-                                    <p:set>
-                                      <p:cBhvr>
-                                        <p:cTn id="16" dur="1" fill="hold">
-                                          <p:stCondLst>
-                                            <p:cond delay="0"/>
-                                          </p:stCondLst>
-                                        </p:cTn>
-                                        <p:tgtEl>
-                                          <p:spTgt spid="4">
-                                            <p:graphicEl>
-                                              <a:dgm id="{DBC66830-3BB1-4A7D-819E-73BF2322D17A}"/>
-                                            </p:graphicEl>
-                                          </p:spTgt>
-                                        </p:tgtEl>
-                                        <p:attrNameLst>
-                                          <p:attrName>style.visibility</p:attrName>
-                                        </p:attrNameLst>
-                                      </p:cBhvr>
-                                      <p:to>
-                                        <p:strVal val="visible"/>
-                                      </p:to>
-                                    </p:set>
-                                    <p:animEffect transition="in" filter="fade">
-                                      <p:cBhvr>
-                                        <p:cTn id="17" dur="500"/>
-                                        <p:tgtEl>
-                                          <p:spTgt spid="4">
-                                            <p:graphicEl>
-                                              <a:dgm id="{DBC66830-3BB1-4A7D-819E-73BF2322D17A}"/>
-                                            </p:graphicEl>
-                                          </p:spTgt>
-                                        </p:tgtEl>
-                                      </p:cBhvr>
-                                    </p:animEffect>
-                                  </p:childTnLst>
-                                </p:cTn>
-                              </p:par>
-                            </p:childTnLst>
-                          </p:cTn>
-                        </p:par>
-                      </p:childTnLst>
-                    </p:cTn>
-                  </p:par>
-                  <p:par>
-                    <p:cTn id="18" fill="hold">
-                      <p:stCondLst>
-                        <p:cond delay="indefinite"/>
-                      </p:stCondLst>
-                      <p:childTnLst>
-                        <p:par>
-                          <p:cTn id="19" fill="hold">
-                            <p:stCondLst>
-                              <p:cond delay="0"/>
-                            </p:stCondLst>
-                            <p:childTnLst>
-                              <p:par>
-                                <p:cTn id="20" presetID="10" presetClass="entr" presetSubtype="0" fill="hold" grpId="0" nodeType="clickEffect">
-                                  <p:stCondLst>
-                                    <p:cond delay="0"/>
-                                  </p:stCondLst>
-                                  <p:childTnLst>
-                                    <p:set>
-                                      <p:cBhvr>
-                                        <p:cTn id="21" dur="1" fill="hold">
-                                          <p:stCondLst>
-                                            <p:cond delay="0"/>
-                                          </p:stCondLst>
-                                        </p:cTn>
-                                        <p:tgtEl>
-                                          <p:spTgt spid="4">
-                                            <p:graphicEl>
-                                              <a:dgm id="{43CEE649-CC2C-4E3B-94E9-2A65438E6E73}"/>
-                                            </p:graphicEl>
-                                          </p:spTgt>
-                                        </p:tgtEl>
-                                        <p:attrNameLst>
-                                          <p:attrName>style.visibility</p:attrName>
-                                        </p:attrNameLst>
-                                      </p:cBhvr>
-                                      <p:to>
-                                        <p:strVal val="visible"/>
-                                      </p:to>
-                                    </p:set>
-                                    <p:animEffect transition="in" filter="fade">
-                                      <p:cBhvr>
-                                        <p:cTn id="22" dur="500"/>
-                                        <p:tgtEl>
-                                          <p:spTgt spid="4">
-                                            <p:graphicEl>
-                                              <a:dgm id="{43CEE649-CC2C-4E3B-94E9-2A65438E6E73}"/>
-                                            </p:graphicEl>
-                                          </p:spTgt>
-                                        </p:tgtEl>
-                                      </p:cBhvr>
-                                    </p:animEffect>
-                                  </p:childTnLst>
-                                </p:cTn>
-                              </p:par>
-                            </p:childTnLst>
-                          </p:cTn>
-                        </p:par>
-                      </p:childTnLst>
-                    </p:cTn>
-                  </p:par>
-                  <p:par>
-                    <p:cTn id="23" fill="hold">
-                      <p:stCondLst>
-                        <p:cond delay="indefinite"/>
-                      </p:stCondLst>
-                      <p:childTnLst>
-                        <p:par>
-                          <p:cTn id="24" fill="hold">
-                            <p:stCondLst>
-                              <p:cond delay="0"/>
-                            </p:stCondLst>
-                            <p:childTnLst>
-                              <p:par>
-                                <p:cTn id="25" presetID="10" presetClass="entr" presetSubtype="0" fill="hold" grpId="0" nodeType="clickEffect">
-                                  <p:stCondLst>
-                                    <p:cond delay="0"/>
-                                  </p:stCondLst>
-                                  <p:childTnLst>
-                                    <p:set>
-                                      <p:cBhvr>
-                                        <p:cTn id="26" dur="1" fill="hold">
-                                          <p:stCondLst>
-                                            <p:cond delay="0"/>
-                                          </p:stCondLst>
-                                        </p:cTn>
-                                        <p:tgtEl>
-                                          <p:spTgt spid="4">
-                                            <p:graphicEl>
-                                              <a:dgm id="{F8A09A73-6E3D-484B-9986-C4787DAE03E3}"/>
-                                            </p:graphicEl>
-                                          </p:spTgt>
-                                        </p:tgtEl>
-                                        <p:attrNameLst>
-                                          <p:attrName>style.visibility</p:attrName>
-                                        </p:attrNameLst>
-                                      </p:cBhvr>
-                                      <p:to>
-                                        <p:strVal val="visible"/>
-                                      </p:to>
-                                    </p:set>
-                                    <p:animEffect transition="in" filter="fade">
-                                      <p:cBhvr>
-                                        <p:cTn id="27" dur="500"/>
-                                        <p:tgtEl>
-                                          <p:spTgt spid="4">
-                                            <p:graphicEl>
-                                              <a:dgm id="{F8A09A73-6E3D-484B-9986-C4787DAE03E3}"/>
-                                            </p:graphicEl>
-                                          </p:spTgt>
-                                        </p:tgtEl>
-                                      </p:cBhvr>
-                                    </p:animEffect>
-                                  </p:childTnLst>
-                                </p:cTn>
-                              </p:par>
-                            </p:childTnLst>
-                          </p:cTn>
-                        </p:par>
-                      </p:childTnLst>
-                    </p:cTn>
-                  </p:par>
-                </p:childTnLst>
-              </p:cTn>
-              <p:prevCondLst>
-                <p:cond evt="onPrev" delay="0">
-                  <p:tgtEl>
-                    <p:sldTgt/>
-                  </p:tgtEl>
-                </p:cond>
-              </p:prevCondLst>
-              <p:nextCondLst>
-                <p:cond evt="onNext" delay="0">
-                  <p:tgtEl>
-                    <p:sldTgt/>
-                  </p:tgtEl>
-                </p:cond>
-              </p:nextCondLst>
-            </p:seq>
-          </p:childTnLst>
-        </p:cTn>
-      </p:par>
-    </p:tnLst>
-    <p:bldLst>
-      <p:bldGraphic spid="4" grpId="0">
-        <p:bldSub>
-          <a:bldDgm bld="one"/>
-        </p:bldSub>
-      </p:bldGraphic>
-      <p:bldGraphic spid="4" grpId="1" uiExpand="1">
-        <p:bldSub>
-          <a:bldDgm bld="one"/>
-        </p:bldSub>
-      </p:bldGraphic>
-    </p:bldLst>
-  </p:timing>
-</p:sld>
-</file>
-
-<file path=ppt/slides/slide4.xml><?xml version="1.0" encoding="utf-8"?>
+<file path=ppt/slides/slide8.xml><?xml version="1.0" encoding="utf-8"?>
 <p:sld xmlns:a="http://schemas.openxmlformats.org/drawingml/2006/main" xmlns:r="http://schemas.openxmlformats.org/officeDocument/2006/relationships" xmlns:p="http://schemas.openxmlformats.org/presentationml/2006/main">
   <p:cSld>
     <p:spTree>
@@ -12316,4 +15396,299 @@
     </a:ext>
   </a:extLst>
 </a:theme>
+</file>
+
+<file path=ppt/theme/theme2.xml><?xml version="1.0" encoding="utf-8"?>
+<a:theme xmlns:a="http://schemas.openxmlformats.org/drawingml/2006/main" name="Office">
+  <a:themeElements>
+    <a:clrScheme name="Office">
+      <a:dk1>
+        <a:sysClr val="windowText" lastClr="000000"/>
+      </a:dk1>
+      <a:lt1>
+        <a:sysClr val="window" lastClr="FFFFFF"/>
+      </a:lt1>
+      <a:dk2>
+        <a:srgbClr val="44546A"/>
+      </a:dk2>
+      <a:lt2>
+        <a:srgbClr val="E7E6E6"/>
+      </a:lt2>
+      <a:accent1>
+        <a:srgbClr val="5B9BD5"/>
+      </a:accent1>
+      <a:accent2>
+        <a:srgbClr val="ED7D31"/>
+      </a:accent2>
+      <a:accent3>
+        <a:srgbClr val="A5A5A5"/>
+      </a:accent3>
+      <a:accent4>
+        <a:srgbClr val="FFC000"/>
+      </a:accent4>
+      <a:accent5>
+        <a:srgbClr val="4472C4"/>
+      </a:accent5>
+      <a:accent6>
+        <a:srgbClr val="70AD47"/>
+      </a:accent6>
+      <a:hlink>
+        <a:srgbClr val="0563C1"/>
+      </a:hlink>
+      <a:folHlink>
+        <a:srgbClr val="954F72"/>
+      </a:folHlink>
+    </a:clrScheme>
+    <a:fontScheme name="Office">
+      <a:majorFont>
+        <a:latin typeface="Calibri Light" panose="020F0302020204030204"/>
+        <a:ea typeface=""/>
+        <a:cs typeface=""/>
+        <a:font script="Jpan" typeface="游ゴシック Light"/>
+        <a:font script="Hang" typeface="맑은 고딕"/>
+        <a:font script="Hans" typeface="等线 Light"/>
+        <a:font script="Hant" typeface="新細明體"/>
+        <a:font script="Arab" typeface="Times New Roman"/>
+        <a:font script="Hebr" typeface="Times New Roman"/>
+        <a:font script="Thai" typeface="Angsana New"/>
+        <a:font script="Ethi" typeface="Nyala"/>
+        <a:font script="Beng" typeface="Vrinda"/>
+        <a:font script="Gujr" typeface="Shruti"/>
+        <a:font script="Khmr" typeface="MoolBoran"/>
+        <a:font script="Knda" typeface="Tunga"/>
+        <a:font script="Guru" typeface="Raavi"/>
+        <a:font script="Cans" typeface="Euphemia"/>
+        <a:font script="Cher" typeface="Plantagenet Cherokee"/>
+        <a:font script="Yiii" typeface="Microsoft Yi Baiti"/>
+        <a:font script="Tibt" typeface="Microsoft Himalaya"/>
+        <a:font script="Thaa" typeface="MV Boli"/>
+        <a:font script="Deva" typeface="Mangal"/>
+        <a:font script="Telu" typeface="Gautami"/>
+        <a:font script="Taml" typeface="Latha"/>
+        <a:font script="Syrc" typeface="Estrangelo Edessa"/>
+        <a:font script="Orya" typeface="Kalinga"/>
+        <a:font script="Mlym" typeface="Kartika"/>
+        <a:font script="Laoo" typeface="DokChampa"/>
+        <a:font script="Sinh" typeface="Iskoola Pota"/>
+        <a:font script="Mong" typeface="Mongolian Baiti"/>
+        <a:font script="Viet" typeface="Times New Roman"/>
+        <a:font script="Uigh" typeface="Microsoft Uighur"/>
+        <a:font script="Geor" typeface="Sylfaen"/>
+        <a:font script="Armn" typeface="Arial"/>
+        <a:font script="Bugi" typeface="Leelawadee UI"/>
+        <a:font script="Bopo" typeface="Microsoft JhengHei"/>
+        <a:font script="Java" typeface="Javanese Text"/>
+        <a:font script="Lisu" typeface="Segoe UI"/>
+        <a:font script="Mymr" typeface="Myanmar Text"/>
+        <a:font script="Nkoo" typeface="Ebrima"/>
+        <a:font script="Olck" typeface="Nirmala UI"/>
+        <a:font script="Osma" typeface="Ebrima"/>
+        <a:font script="Phag" typeface="Phagspa"/>
+        <a:font script="Syrn" typeface="Estrangelo Edessa"/>
+        <a:font script="Syrj" typeface="Estrangelo Edessa"/>
+        <a:font script="Syre" typeface="Estrangelo Edessa"/>
+        <a:font script="Sora" typeface="Nirmala UI"/>
+        <a:font script="Tale" typeface="Microsoft Tai Le"/>
+        <a:font script="Talu" typeface="Microsoft New Tai Lue"/>
+        <a:font script="Tfng" typeface="Ebrima"/>
+      </a:majorFont>
+      <a:minorFont>
+        <a:latin typeface="Calibri" panose="020F0502020204030204"/>
+        <a:ea typeface=""/>
+        <a:cs typeface=""/>
+        <a:font script="Jpan" typeface="游ゴシック"/>
+        <a:font script="Hang" typeface="맑은 고딕"/>
+        <a:font script="Hans" typeface="等线"/>
+        <a:font script="Hant" typeface="新細明體"/>
+        <a:font script="Arab" typeface="Arial"/>
+        <a:font script="Hebr" typeface="Arial"/>
+        <a:font script="Thai" typeface="Cordia New"/>
+        <a:font script="Ethi" typeface="Nyala"/>
+        <a:font script="Beng" typeface="Vrinda"/>
+        <a:font script="Gujr" typeface="Shruti"/>
+        <a:font script="Khmr" typeface="DaunPenh"/>
+        <a:font script="Knda" typeface="Tunga"/>
+        <a:font script="Guru" typeface="Raavi"/>
+        <a:font script="Cans" typeface="Euphemia"/>
+        <a:font script="Cher" typeface="Plantagenet Cherokee"/>
+        <a:font script="Yiii" typeface="Microsoft Yi Baiti"/>
+        <a:font script="Tibt" typeface="Microsoft Himalaya"/>
+        <a:font script="Thaa" typeface="MV Boli"/>
+        <a:font script="Deva" typeface="Mangal"/>
+        <a:font script="Telu" typeface="Gautami"/>
+        <a:font script="Taml" typeface="Latha"/>
+        <a:font script="Syrc" typeface="Estrangelo Edessa"/>
+        <a:font script="Orya" typeface="Kalinga"/>
+        <a:font script="Mlym" typeface="Kartika"/>
+        <a:font script="Laoo" typeface="DokChampa"/>
+        <a:font script="Sinh" typeface="Iskoola Pota"/>
+        <a:font script="Mong" typeface="Mongolian Baiti"/>
+        <a:font script="Viet" typeface="Arial"/>
+        <a:font script="Uigh" typeface="Microsoft Uighur"/>
+        <a:font script="Geor" typeface="Sylfaen"/>
+        <a:font script="Armn" typeface="Arial"/>
+        <a:font script="Bugi" typeface="Leelawadee UI"/>
+        <a:font script="Bopo" typeface="Microsoft JhengHei"/>
+        <a:font script="Java" typeface="Javanese Text"/>
+        <a:font script="Lisu" typeface="Segoe UI"/>
+        <a:font script="Mymr" typeface="Myanmar Text"/>
+        <a:font script="Nkoo" typeface="Ebrima"/>
+        <a:font script="Olck" typeface="Nirmala UI"/>
+        <a:font script="Osma" typeface="Ebrima"/>
+        <a:font script="Phag" typeface="Phagspa"/>
+        <a:font script="Syrn" typeface="Estrangelo Edessa"/>
+        <a:font script="Syrj" typeface="Estrangelo Edessa"/>
+        <a:font script="Syre" typeface="Estrangelo Edessa"/>
+        <a:font script="Sora" typeface="Nirmala UI"/>
+        <a:font script="Tale" typeface="Microsoft Tai Le"/>
+        <a:font script="Talu" typeface="Microsoft New Tai Lue"/>
+        <a:font script="Tfng" typeface="Ebrima"/>
+      </a:minorFont>
+    </a:fontScheme>
+    <a:fmtScheme name="Office">
+      <a:fillStyleLst>
+        <a:solidFill>
+          <a:schemeClr val="phClr"/>
+        </a:solidFill>
+        <a:gradFill rotWithShape="1">
+          <a:gsLst>
+            <a:gs pos="0">
+              <a:schemeClr val="phClr">
+                <a:lumMod val="110000"/>
+                <a:satMod val="105000"/>
+                <a:tint val="67000"/>
+              </a:schemeClr>
+            </a:gs>
+            <a:gs pos="50000">
+              <a:schemeClr val="phClr">
+                <a:lumMod val="105000"/>
+                <a:satMod val="103000"/>
+                <a:tint val="73000"/>
+              </a:schemeClr>
+            </a:gs>
+            <a:gs pos="100000">
+              <a:schemeClr val="phClr">
+                <a:lumMod val="105000"/>
+                <a:satMod val="109000"/>
+                <a:tint val="81000"/>
+              </a:schemeClr>
+            </a:gs>
+          </a:gsLst>
+          <a:lin ang="5400000" scaled="0"/>
+        </a:gradFill>
+        <a:gradFill rotWithShape="1">
+          <a:gsLst>
+            <a:gs pos="0">
+              <a:schemeClr val="phClr">
+                <a:satMod val="103000"/>
+                <a:lumMod val="102000"/>
+                <a:tint val="94000"/>
+              </a:schemeClr>
+            </a:gs>
+            <a:gs pos="50000">
+              <a:schemeClr val="phClr">
+                <a:satMod val="110000"/>
+                <a:lumMod val="100000"/>
+                <a:shade val="100000"/>
+              </a:schemeClr>
+            </a:gs>
+            <a:gs pos="100000">
+              <a:schemeClr val="phClr">
+                <a:lumMod val="99000"/>
+                <a:satMod val="120000"/>
+                <a:shade val="78000"/>
+              </a:schemeClr>
+            </a:gs>
+          </a:gsLst>
+          <a:lin ang="5400000" scaled="0"/>
+        </a:gradFill>
+      </a:fillStyleLst>
+      <a:lnStyleLst>
+        <a:ln w="6350" cap="flat" cmpd="sng" algn="ctr">
+          <a:solidFill>
+            <a:schemeClr val="phClr"/>
+          </a:solidFill>
+          <a:prstDash val="solid"/>
+          <a:miter lim="800000"/>
+        </a:ln>
+        <a:ln w="12700" cap="flat" cmpd="sng" algn="ctr">
+          <a:solidFill>
+            <a:schemeClr val="phClr"/>
+          </a:solidFill>
+          <a:prstDash val="solid"/>
+          <a:miter lim="800000"/>
+        </a:ln>
+        <a:ln w="19050" cap="flat" cmpd="sng" algn="ctr">
+          <a:solidFill>
+            <a:schemeClr val="phClr"/>
+          </a:solidFill>
+          <a:prstDash val="solid"/>
+          <a:miter lim="800000"/>
+        </a:ln>
+      </a:lnStyleLst>
+      <a:effectStyleLst>
+        <a:effectStyle>
+          <a:effectLst/>
+        </a:effectStyle>
+        <a:effectStyle>
+          <a:effectLst/>
+        </a:effectStyle>
+        <a:effectStyle>
+          <a:effectLst>
+            <a:outerShdw blurRad="57150" dist="19050" dir="5400000" algn="ctr" rotWithShape="0">
+              <a:srgbClr val="000000">
+                <a:alpha val="63000"/>
+              </a:srgbClr>
+            </a:outerShdw>
+          </a:effectLst>
+        </a:effectStyle>
+      </a:effectStyleLst>
+      <a:bgFillStyleLst>
+        <a:solidFill>
+          <a:schemeClr val="phClr"/>
+        </a:solidFill>
+        <a:solidFill>
+          <a:schemeClr val="phClr">
+            <a:tint val="95000"/>
+            <a:satMod val="170000"/>
+          </a:schemeClr>
+        </a:solidFill>
+        <a:gradFill rotWithShape="1">
+          <a:gsLst>
+            <a:gs pos="0">
+              <a:schemeClr val="phClr">
+                <a:tint val="93000"/>
+                <a:satMod val="150000"/>
+                <a:shade val="98000"/>
+                <a:lumMod val="102000"/>
+              </a:schemeClr>
+            </a:gs>
+            <a:gs pos="50000">
+              <a:schemeClr val="phClr">
+                <a:tint val="98000"/>
+                <a:satMod val="130000"/>
+                <a:shade val="90000"/>
+                <a:lumMod val="103000"/>
+              </a:schemeClr>
+            </a:gs>
+            <a:gs pos="100000">
+              <a:schemeClr val="phClr">
+                <a:shade val="63000"/>
+                <a:satMod val="120000"/>
+              </a:schemeClr>
+            </a:gs>
+          </a:gsLst>
+          <a:lin ang="5400000" scaled="0"/>
+        </a:gradFill>
+      </a:bgFillStyleLst>
+    </a:fmtScheme>
+  </a:themeElements>
+  <a:objectDefaults/>
+  <a:extraClrSchemeLst/>
+  <a:extLst>
+    <a:ext uri="{05A4C25C-085E-4340-85A3-A5531E510DB2}">
+      <thm15:themeFamily xmlns:thm15="http://schemas.microsoft.com/office/thememl/2012/main" name="Office Theme" id="{62F939B6-93AF-4DB8-9C6B-D6C7DFDC589F}" vid="{4A3C46E8-61CC-4603-A589-7422A47A8E4A}"/>
+    </a:ext>
+  </a:extLst>
+</a:theme>
 </file>